--- a/modulo-01_fundamentos/taller-git/materiales-taller-git.pptx
+++ b/modulo-01_fundamentos/taller-git/materiales-taller-git.pptx
@@ -254,7 +254,7 @@
           <a:p>
             <a:fld id="{B7268E1E-0E44-426D-905E-8AD9B19D2182}" type="datetimeFigureOut">
               <a:rPr lang="cs-CZ" smtClean="0"/>
-              <a:t>19.11.2025</a:t>
+              <a:t>20.11.2025</a:t>
             </a:fld>
             <a:endParaRPr lang="cs-CZ"/>
           </a:p>
@@ -702,7 +702,7 @@
             <a:fld id="{1D8BD707-D9CF-40AE-B4C6-C98DA3205C09}" type="datetimeFigureOut">
               <a:rPr lang="en-US" smtClean="0"/>
               <a:pPr/>
-              <a:t>11/19/2025</a:t>
+              <a:t>11/20/2025</a:t>
             </a:fld>
             <a:endParaRPr lang="en-US"/>
           </a:p>
@@ -867,7 +867,7 @@
             <a:fld id="{1D8BD707-D9CF-40AE-B4C6-C98DA3205C09}" type="datetimeFigureOut">
               <a:rPr lang="en-US" smtClean="0"/>
               <a:pPr/>
-              <a:t>11/19/2025</a:t>
+              <a:t>11/20/2025</a:t>
             </a:fld>
             <a:endParaRPr lang="en-US"/>
           </a:p>
@@ -1042,7 +1042,7 @@
             <a:fld id="{1D8BD707-D9CF-40AE-B4C6-C98DA3205C09}" type="datetimeFigureOut">
               <a:rPr lang="en-US" smtClean="0"/>
               <a:pPr/>
-              <a:t>11/19/2025</a:t>
+              <a:t>11/20/2025</a:t>
             </a:fld>
             <a:endParaRPr lang="en-US"/>
           </a:p>
@@ -1207,7 +1207,7 @@
             <a:fld id="{1D8BD707-D9CF-40AE-B4C6-C98DA3205C09}" type="datetimeFigureOut">
               <a:rPr lang="en-US" smtClean="0"/>
               <a:pPr/>
-              <a:t>11/19/2025</a:t>
+              <a:t>11/20/2025</a:t>
             </a:fld>
             <a:endParaRPr lang="en-US"/>
           </a:p>
@@ -1449,7 +1449,7 @@
             <a:fld id="{1D8BD707-D9CF-40AE-B4C6-C98DA3205C09}" type="datetimeFigureOut">
               <a:rPr lang="en-US" smtClean="0"/>
               <a:pPr/>
-              <a:t>11/19/2025</a:t>
+              <a:t>11/20/2025</a:t>
             </a:fld>
             <a:endParaRPr lang="en-US"/>
           </a:p>
@@ -1731,7 +1731,7 @@
             <a:fld id="{1D8BD707-D9CF-40AE-B4C6-C98DA3205C09}" type="datetimeFigureOut">
               <a:rPr lang="en-US" smtClean="0"/>
               <a:pPr/>
-              <a:t>11/19/2025</a:t>
+              <a:t>11/20/2025</a:t>
             </a:fld>
             <a:endParaRPr lang="en-US"/>
           </a:p>
@@ -2147,7 +2147,7 @@
             <a:fld id="{1D8BD707-D9CF-40AE-B4C6-C98DA3205C09}" type="datetimeFigureOut">
               <a:rPr lang="en-US" smtClean="0"/>
               <a:pPr/>
-              <a:t>11/19/2025</a:t>
+              <a:t>11/20/2025</a:t>
             </a:fld>
             <a:endParaRPr lang="en-US"/>
           </a:p>
@@ -2261,7 +2261,7 @@
             <a:fld id="{1D8BD707-D9CF-40AE-B4C6-C98DA3205C09}" type="datetimeFigureOut">
               <a:rPr lang="en-US" smtClean="0"/>
               <a:pPr/>
-              <a:t>11/19/2025</a:t>
+              <a:t>11/20/2025</a:t>
             </a:fld>
             <a:endParaRPr lang="en-US"/>
           </a:p>
@@ -2353,7 +2353,7 @@
             <a:fld id="{1D8BD707-D9CF-40AE-B4C6-C98DA3205C09}" type="datetimeFigureOut">
               <a:rPr lang="en-US" smtClean="0"/>
               <a:pPr/>
-              <a:t>11/19/2025</a:t>
+              <a:t>11/20/2025</a:t>
             </a:fld>
             <a:endParaRPr lang="en-US"/>
           </a:p>
@@ -2625,7 +2625,7 @@
             <a:fld id="{1D8BD707-D9CF-40AE-B4C6-C98DA3205C09}" type="datetimeFigureOut">
               <a:rPr lang="en-US" smtClean="0"/>
               <a:pPr/>
-              <a:t>11/19/2025</a:t>
+              <a:t>11/20/2025</a:t>
             </a:fld>
             <a:endParaRPr lang="en-US"/>
           </a:p>
@@ -2874,7 +2874,7 @@
             <a:fld id="{1D8BD707-D9CF-40AE-B4C6-C98DA3205C09}" type="datetimeFigureOut">
               <a:rPr lang="en-US" smtClean="0"/>
               <a:pPr/>
-              <a:t>11/19/2025</a:t>
+              <a:t>11/20/2025</a:t>
             </a:fld>
             <a:endParaRPr lang="en-US"/>
           </a:p>
@@ -3082,7 +3082,7 @@
             <a:fld id="{1D8BD707-D9CF-40AE-B4C6-C98DA3205C09}" type="datetimeFigureOut">
               <a:rPr lang="en-US" smtClean="0"/>
               <a:pPr/>
-              <a:t>11/19/2025</a:t>
+              <a:t>11/20/2025</a:t>
             </a:fld>
             <a:endParaRPr lang="en-US"/>
           </a:p>
@@ -19751,7 +19751,7 @@
         </p:nvSpPr>
         <p:spPr>
           <a:xfrm>
-            <a:off x="763316" y="1103773"/>
+            <a:off x="773179" y="642521"/>
             <a:ext cx="11082528" cy="584134"/>
           </a:xfrm>
           <a:prstGeom prst="rect">
@@ -19801,562 +19801,12 @@
           </a:p>
         </p:txBody>
       </p:sp>
-      <p:sp>
-        <p:nvSpPr>
-          <p:cNvPr id="9633" name="TextBox 19">
+      <p:pic>
+        <p:nvPicPr>
+          <p:cNvPr id="1026" name="Picture 2">
             <a:extLst>
               <a:ext uri="{FF2B5EF4-FFF2-40B4-BE49-F238E27FC236}">
-                <a16:creationId xmlns:a16="http://schemas.microsoft.com/office/drawing/2014/main" id="{E47E7D66-C541-7685-43A7-EF0DCDEBD560}"/>
-              </a:ext>
-            </a:extLst>
-          </p:cNvPr>
-          <p:cNvSpPr txBox="1"/>
-          <p:nvPr/>
-        </p:nvSpPr>
-        <p:spPr>
-          <a:xfrm>
-            <a:off x="6936729" y="7485315"/>
-            <a:ext cx="0" cy="0"/>
-          </a:xfrm>
-          <a:prstGeom prst="rect">
-            <a:avLst/>
-          </a:prstGeom>
-          <a:ln w="6350">
-            <a:noFill/>
-            <a:miter lim="800000"/>
-          </a:ln>
-        </p:spPr>
-        <p:txBody>
-          <a:bodyPr vert="horz" wrap="none" lIns="0" tIns="0" rIns="0" bIns="0" rtlCol="0">
-            <a:noAutofit/>
-          </a:bodyPr>
-          <a:lstStyle/>
-          <a:p>
-            <a:pPr algn="l">
-              <a:spcBef>
-                <a:spcPts val="300"/>
-              </a:spcBef>
-              <a:spcAft>
-                <a:spcPts val="300"/>
-              </a:spcAft>
-              <a:buNone/>
-            </a:pPr>
-            <a:endParaRPr lang="en-GB" sz="1600" dirty="0"/>
-          </a:p>
-        </p:txBody>
-      </p:sp>
-      <p:sp>
-        <p:nvSpPr>
-          <p:cNvPr id="9634" name="Google Shape;66;p15">
-            <a:extLst>
-              <a:ext uri="{FF2B5EF4-FFF2-40B4-BE49-F238E27FC236}">
-                <a16:creationId xmlns:a16="http://schemas.microsoft.com/office/drawing/2014/main" id="{A7BA001F-9D5E-5D83-AAE4-E5521513C12B}"/>
-              </a:ext>
-            </a:extLst>
-          </p:cNvPr>
-          <p:cNvSpPr txBox="1"/>
-          <p:nvPr/>
-        </p:nvSpPr>
-        <p:spPr>
-          <a:xfrm>
-            <a:off x="6737319" y="6870203"/>
-            <a:ext cx="1105349" cy="402745"/>
-          </a:xfrm>
-          <a:prstGeom prst="rect">
-            <a:avLst/>
-          </a:prstGeom>
-          <a:noFill/>
-          <a:ln>
-            <a:noFill/>
-          </a:ln>
-        </p:spPr>
-        <p:txBody>
-          <a:bodyPr spcFirstLastPara="1" wrap="square" lIns="121900" tIns="121900" rIns="121900" bIns="121900" anchor="t" anchorCtr="0">
-            <a:noAutofit/>
-          </a:bodyPr>
-          <a:lstStyle/>
-          <a:p>
-            <a:pPr marL="0" marR="0" lvl="0" indent="0" algn="ctr" defTabSz="914400" rtl="0" eaLnBrk="1" fontAlgn="auto" latinLnBrk="0" hangingPunct="1">
-              <a:lnSpc>
-                <a:spcPct val="100000"/>
-              </a:lnSpc>
-              <a:spcBef>
-                <a:spcPts val="0"/>
-              </a:spcBef>
-              <a:spcAft>
-                <a:spcPts val="0"/>
-              </a:spcAft>
-              <a:buClrTx/>
-              <a:buSzTx/>
-              <a:buFontTx/>
-              <a:buNone/>
-              <a:tabLst/>
-              <a:defRPr/>
-            </a:pPr>
-            <a:r>
-              <a:rPr kumimoji="0" lang="en" sz="1050" b="0" i="0" u="none" strike="noStrike" kern="1200" cap="none" spc="0" normalizeH="0" baseline="0" noProof="0" dirty="0">
-                <a:ln>
-                  <a:noFill/>
-                </a:ln>
-                <a:effectLst/>
-                <a:uLnTx/>
-                <a:uFillTx/>
-                <a:ea typeface="+mn-ea"/>
-                <a:cs typeface="Arial" panose="020B0604020202020204" pitchFamily="34" charset="0"/>
-              </a:rPr>
-              <a:t>Release v1.1</a:t>
-            </a:r>
-            <a:endParaRPr kumimoji="0" sz="1050" b="0" i="0" u="none" strike="noStrike" kern="1200" cap="none" spc="0" normalizeH="0" baseline="0" noProof="0" dirty="0">
-              <a:ln>
-                <a:noFill/>
-              </a:ln>
-              <a:effectLst/>
-              <a:uLnTx/>
-              <a:uFillTx/>
-              <a:ea typeface="+mn-ea"/>
-              <a:cs typeface="Arial" panose="020B0604020202020204" pitchFamily="34" charset="0"/>
-            </a:endParaRPr>
-          </a:p>
-        </p:txBody>
-      </p:sp>
-      <p:cxnSp>
-        <p:nvCxnSpPr>
-          <p:cNvPr id="9635" name="Straight Connector 22">
-            <a:extLst>
-              <a:ext uri="{FF2B5EF4-FFF2-40B4-BE49-F238E27FC236}">
-                <a16:creationId xmlns:a16="http://schemas.microsoft.com/office/drawing/2014/main" id="{FE0F54E2-6C5B-6531-B94F-10AA6C6DF729}"/>
-              </a:ext>
-            </a:extLst>
-          </p:cNvPr>
-          <p:cNvCxnSpPr>
-            <a:cxnSpLocks/>
-          </p:cNvCxnSpPr>
-          <p:nvPr/>
-        </p:nvCxnSpPr>
-        <p:spPr>
-          <a:xfrm flipV="1">
-            <a:off x="2080620" y="6630020"/>
-            <a:ext cx="6675039" cy="27218"/>
-          </a:xfrm>
-          <a:prstGeom prst="line">
-            <a:avLst/>
-          </a:prstGeom>
-          <a:ln w="6350" cap="flat">
-            <a:solidFill>
-              <a:srgbClr val="7F7F7F"/>
-            </a:solidFill>
-            <a:prstDash val="solid"/>
-            <a:miter lim="800000"/>
-            <a:tailEnd type="none"/>
-          </a:ln>
-        </p:spPr>
-        <p:style>
-          <a:lnRef idx="1">
-            <a:schemeClr val="accent1"/>
-          </a:lnRef>
-          <a:fillRef idx="0">
-            <a:schemeClr val="accent1"/>
-          </a:fillRef>
-          <a:effectRef idx="0">
-            <a:schemeClr val="accent1"/>
-          </a:effectRef>
-          <a:fontRef idx="minor">
-            <a:schemeClr val="tx1"/>
-          </a:fontRef>
-        </p:style>
-      </p:cxnSp>
-      <p:sp>
-        <p:nvSpPr>
-          <p:cNvPr id="9636" name="Google Shape;66;p15">
-            <a:extLst>
-              <a:ext uri="{FF2B5EF4-FFF2-40B4-BE49-F238E27FC236}">
-                <a16:creationId xmlns:a16="http://schemas.microsoft.com/office/drawing/2014/main" id="{F128E591-093D-C47E-D71A-5ECA4ED9F275}"/>
-              </a:ext>
-            </a:extLst>
-          </p:cNvPr>
-          <p:cNvSpPr txBox="1"/>
-          <p:nvPr/>
-        </p:nvSpPr>
-        <p:spPr>
-          <a:xfrm>
-            <a:off x="773179" y="5196463"/>
-            <a:ext cx="757032" cy="665274"/>
-          </a:xfrm>
-          <a:prstGeom prst="rect">
-            <a:avLst/>
-          </a:prstGeom>
-          <a:noFill/>
-          <a:ln>
-            <a:noFill/>
-          </a:ln>
-        </p:spPr>
-        <p:txBody>
-          <a:bodyPr spcFirstLastPara="1" wrap="square" lIns="36000" tIns="36000" rIns="36000" bIns="36000" anchor="t" anchorCtr="0">
-            <a:noAutofit/>
-          </a:bodyPr>
-          <a:lstStyle/>
-          <a:p>
-            <a:pPr marL="0" marR="0" lvl="0" indent="0" algn="ctr" defTabSz="914400" rtl="0" eaLnBrk="1" fontAlgn="auto" latinLnBrk="0" hangingPunct="1">
-              <a:lnSpc>
-                <a:spcPct val="100000"/>
-              </a:lnSpc>
-              <a:spcBef>
-                <a:spcPts val="0"/>
-              </a:spcBef>
-              <a:spcAft>
-                <a:spcPts val="0"/>
-              </a:spcAft>
-              <a:buClrTx/>
-              <a:buSzTx/>
-              <a:buFontTx/>
-              <a:buNone/>
-              <a:tabLst/>
-              <a:defRPr/>
-            </a:pPr>
-            <a:r>
-              <a:rPr kumimoji="0" lang="es-ES_tradnl" sz="800" b="0" i="0" u="none" strike="noStrike" kern="1200" cap="none" spc="0" normalizeH="0" baseline="0" noProof="0" dirty="0">
-                <a:ln>
-                  <a:noFill/>
-                </a:ln>
-                <a:effectLst/>
-                <a:uLnTx/>
-                <a:uFillTx/>
-                <a:ea typeface="+mn-ea"/>
-                <a:cs typeface="Arial" panose="020B0604020202020204" pitchFamily="34" charset="0"/>
-              </a:rPr>
-              <a:t>Rama protegida, necesita aprobación</a:t>
-            </a:r>
-          </a:p>
-        </p:txBody>
-      </p:sp>
-      <p:cxnSp>
-        <p:nvCxnSpPr>
-          <p:cNvPr id="9637" name="Straight Connector 45">
-            <a:extLst>
-              <a:ext uri="{FF2B5EF4-FFF2-40B4-BE49-F238E27FC236}">
-                <a16:creationId xmlns:a16="http://schemas.microsoft.com/office/drawing/2014/main" id="{F5D5F57F-AC49-B65B-28BC-C5BB766A28D4}"/>
-              </a:ext>
-            </a:extLst>
-          </p:cNvPr>
-          <p:cNvCxnSpPr>
-            <a:cxnSpLocks/>
-          </p:cNvCxnSpPr>
-          <p:nvPr/>
-        </p:nvCxnSpPr>
-        <p:spPr>
-          <a:xfrm flipV="1">
-            <a:off x="2093412" y="3402830"/>
-            <a:ext cx="7956000" cy="0"/>
-          </a:xfrm>
-          <a:prstGeom prst="line">
-            <a:avLst/>
-          </a:prstGeom>
-          <a:ln w="6350" cap="flat">
-            <a:solidFill>
-              <a:srgbClr val="7F7F7F"/>
-            </a:solidFill>
-            <a:prstDash val="solid"/>
-            <a:miter lim="800000"/>
-            <a:tailEnd type="none"/>
-          </a:ln>
-        </p:spPr>
-        <p:style>
-          <a:lnRef idx="1">
-            <a:schemeClr val="accent1"/>
-          </a:lnRef>
-          <a:fillRef idx="0">
-            <a:schemeClr val="accent1"/>
-          </a:fillRef>
-          <a:effectRef idx="0">
-            <a:schemeClr val="accent1"/>
-          </a:effectRef>
-          <a:fontRef idx="minor">
-            <a:schemeClr val="tx1"/>
-          </a:fontRef>
-        </p:style>
-      </p:cxnSp>
-      <p:cxnSp>
-        <p:nvCxnSpPr>
-          <p:cNvPr id="9638" name="Google Shape;65;p15">
-            <a:extLst>
-              <a:ext uri="{FF2B5EF4-FFF2-40B4-BE49-F238E27FC236}">
-                <a16:creationId xmlns:a16="http://schemas.microsoft.com/office/drawing/2014/main" id="{52FF4969-945D-31F0-7220-2334BF59C74B}"/>
-              </a:ext>
-            </a:extLst>
-          </p:cNvPr>
-          <p:cNvCxnSpPr>
-            <a:cxnSpLocks/>
-          </p:cNvCxnSpPr>
-          <p:nvPr/>
-        </p:nvCxnSpPr>
-        <p:spPr>
-          <a:xfrm>
-            <a:off x="2080620" y="4817146"/>
-            <a:ext cx="8003294" cy="0"/>
-          </a:xfrm>
-          <a:prstGeom prst="straightConnector1">
-            <a:avLst/>
-          </a:prstGeom>
-          <a:ln w="12700" cap="flat">
-            <a:solidFill>
-              <a:schemeClr val="tx1"/>
-            </a:solidFill>
-            <a:miter lim="800000"/>
-            <a:tailEnd type="none"/>
-          </a:ln>
-        </p:spPr>
-        <p:style>
-          <a:lnRef idx="1">
-            <a:schemeClr val="accent1"/>
-          </a:lnRef>
-          <a:fillRef idx="0">
-            <a:schemeClr val="accent1"/>
-          </a:fillRef>
-          <a:effectRef idx="0">
-            <a:schemeClr val="accent1"/>
-          </a:effectRef>
-          <a:fontRef idx="minor">
-            <a:schemeClr val="tx1"/>
-          </a:fontRef>
-        </p:style>
-      </p:cxnSp>
-      <p:sp>
-        <p:nvSpPr>
-          <p:cNvPr id="9639" name="Google Shape;68;p15">
-            <a:extLst>
-              <a:ext uri="{FF2B5EF4-FFF2-40B4-BE49-F238E27FC236}">
-                <a16:creationId xmlns:a16="http://schemas.microsoft.com/office/drawing/2014/main" id="{3A628F07-8B4B-280C-66C8-DAEBA1012F04}"/>
-              </a:ext>
-            </a:extLst>
-          </p:cNvPr>
-          <p:cNvSpPr/>
-          <p:nvPr/>
-        </p:nvSpPr>
-        <p:spPr>
-          <a:xfrm>
-            <a:off x="2273418" y="4666898"/>
-            <a:ext cx="338676" cy="327763"/>
-          </a:xfrm>
-          <a:prstGeom prst="ellipse">
-            <a:avLst/>
-          </a:prstGeom>
-          <a:solidFill>
-            <a:schemeClr val="accent3"/>
-          </a:solidFill>
-          <a:ln w="28575" cap="sq">
-            <a:solidFill>
-              <a:schemeClr val="bg1"/>
-            </a:solidFill>
-            <a:miter lim="800000"/>
-          </a:ln>
-        </p:spPr>
-        <p:style>
-          <a:lnRef idx="2">
-            <a:schemeClr val="accent1">
-              <a:shade val="50000"/>
-            </a:schemeClr>
-          </a:lnRef>
-          <a:fillRef idx="1">
-            <a:schemeClr val="accent1"/>
-          </a:fillRef>
-          <a:effectRef idx="0">
-            <a:schemeClr val="accent1"/>
-          </a:effectRef>
-          <a:fontRef idx="minor">
-            <a:schemeClr val="lt1"/>
-          </a:fontRef>
-        </p:style>
-        <p:txBody>
-          <a:bodyPr rot="0" spcFirstLastPara="0" vertOverflow="overflow" horzOverflow="overflow" vert="horz" wrap="square" lIns="91440" tIns="45720" rIns="91440" bIns="45720" numCol="1" spcCol="0" rtlCol="0" fromWordArt="0" anchor="ctr" anchorCtr="0" forceAA="0" compatLnSpc="1">
-            <a:prstTxWarp prst="textNoShape">
-              <a:avLst/>
-            </a:prstTxWarp>
-            <a:noAutofit/>
-          </a:bodyPr>
-          <a:lstStyle/>
-          <a:p>
-            <a:pPr marL="0" marR="0" lvl="0" indent="0" algn="ctr" defTabSz="914400" rtl="0" eaLnBrk="1" fontAlgn="auto" latinLnBrk="0" hangingPunct="1">
-              <a:lnSpc>
-                <a:spcPct val="100000"/>
-              </a:lnSpc>
-              <a:spcBef>
-                <a:spcPts val="300"/>
-              </a:spcBef>
-              <a:spcAft>
-                <a:spcPts val="300"/>
-              </a:spcAft>
-              <a:buClrTx/>
-              <a:buSzTx/>
-              <a:buFontTx/>
-              <a:buNone/>
-              <a:tabLst/>
-              <a:defRPr/>
-            </a:pPr>
-            <a:endParaRPr kumimoji="0" sz="1200" b="0" i="0" u="none" strike="noStrike" kern="1200" cap="none" spc="0" normalizeH="0" baseline="0" noProof="0">
-              <a:ln>
-                <a:noFill/>
-              </a:ln>
-              <a:solidFill>
-                <a:schemeClr val="tx1"/>
-              </a:solidFill>
-              <a:effectLst/>
-              <a:uLnTx/>
-              <a:uFillTx/>
-              <a:ea typeface="+mn-ea"/>
-              <a:cs typeface="Arial" panose="020B0604020202020204" pitchFamily="34" charset="0"/>
-            </a:endParaRPr>
-          </a:p>
-        </p:txBody>
-      </p:sp>
-      <p:sp>
-        <p:nvSpPr>
-          <p:cNvPr id="9640" name="Google Shape;66;p15">
-            <a:extLst>
-              <a:ext uri="{FF2B5EF4-FFF2-40B4-BE49-F238E27FC236}">
-                <a16:creationId xmlns:a16="http://schemas.microsoft.com/office/drawing/2014/main" id="{1C46E597-5E1A-25C0-BECA-C2CACBFE73CA}"/>
-              </a:ext>
-            </a:extLst>
-          </p:cNvPr>
-          <p:cNvSpPr txBox="1"/>
-          <p:nvPr/>
-        </p:nvSpPr>
-        <p:spPr>
-          <a:xfrm>
-            <a:off x="1210013" y="4588505"/>
-            <a:ext cx="982197" cy="458359"/>
-          </a:xfrm>
-          <a:prstGeom prst="rect">
-            <a:avLst/>
-          </a:prstGeom>
-          <a:noFill/>
-          <a:ln>
-            <a:noFill/>
-          </a:ln>
-        </p:spPr>
-        <p:txBody>
-          <a:bodyPr spcFirstLastPara="1" wrap="square" lIns="121900" tIns="121900" rIns="121900" bIns="121900" anchor="t" anchorCtr="0">
-            <a:noAutofit/>
-          </a:bodyPr>
-          <a:lstStyle/>
-          <a:p>
-            <a:pPr marL="0" marR="0" lvl="0" indent="0" algn="l" defTabSz="914400" rtl="0" eaLnBrk="1" fontAlgn="auto" latinLnBrk="0" hangingPunct="1">
-              <a:lnSpc>
-                <a:spcPct val="100000"/>
-              </a:lnSpc>
-              <a:spcBef>
-                <a:spcPts val="0"/>
-              </a:spcBef>
-              <a:spcAft>
-                <a:spcPts val="0"/>
-              </a:spcAft>
-              <a:buClrTx/>
-              <a:buSzTx/>
-              <a:buFontTx/>
-              <a:buNone/>
-              <a:tabLst/>
-              <a:defRPr/>
-            </a:pPr>
-            <a:r>
-              <a:rPr kumimoji="0" lang="en" sz="1100" b="0" i="0" u="none" strike="noStrike" kern="1200" cap="none" spc="0" normalizeH="0" baseline="0" noProof="0" dirty="0">
-                <a:ln>
-                  <a:noFill/>
-                </a:ln>
-                <a:effectLst/>
-                <a:uLnTx/>
-                <a:uFillTx/>
-                <a:ea typeface="+mn-ea"/>
-                <a:cs typeface="Arial" panose="020B0604020202020204" pitchFamily="34" charset="0"/>
-              </a:rPr>
-              <a:t>Main</a:t>
-            </a:r>
-            <a:endParaRPr kumimoji="0" sz="1100" b="0" i="0" u="none" strike="noStrike" kern="1200" cap="none" spc="0" normalizeH="0" baseline="0" noProof="0" dirty="0">
-              <a:ln>
-                <a:noFill/>
-              </a:ln>
-              <a:effectLst/>
-              <a:uLnTx/>
-              <a:uFillTx/>
-              <a:ea typeface="+mn-ea"/>
-              <a:cs typeface="Arial" panose="020B0604020202020204" pitchFamily="34" charset="0"/>
-            </a:endParaRPr>
-          </a:p>
-        </p:txBody>
-      </p:sp>
-      <p:sp>
-        <p:nvSpPr>
-          <p:cNvPr id="9641" name="Google Shape;82;p15">
-            <a:extLst>
-              <a:ext uri="{FF2B5EF4-FFF2-40B4-BE49-F238E27FC236}">
-                <a16:creationId xmlns:a16="http://schemas.microsoft.com/office/drawing/2014/main" id="{9455D806-5D31-064F-52DE-F6D4D182749C}"/>
-              </a:ext>
-            </a:extLst>
-          </p:cNvPr>
-          <p:cNvSpPr/>
-          <p:nvPr/>
-        </p:nvSpPr>
-        <p:spPr>
-          <a:xfrm>
-            <a:off x="4584171" y="4693223"/>
-            <a:ext cx="338676" cy="327763"/>
-          </a:xfrm>
-          <a:prstGeom prst="ellipse">
-            <a:avLst/>
-          </a:prstGeom>
-          <a:solidFill>
-            <a:schemeClr val="accent3"/>
-          </a:solidFill>
-          <a:ln w="19050" cap="flat" cmpd="sng">
-            <a:solidFill>
-              <a:schemeClr val="bg1"/>
-            </a:solidFill>
-            <a:prstDash val="solid"/>
-            <a:round/>
-            <a:headEnd type="none" w="sm" len="sm"/>
-            <a:tailEnd type="none" w="sm" len="sm"/>
-          </a:ln>
-        </p:spPr>
-        <p:txBody>
-          <a:bodyPr spcFirstLastPara="1" wrap="square" lIns="121900" tIns="121900" rIns="121900" bIns="121900" anchor="ctr" anchorCtr="0">
-            <a:noAutofit/>
-          </a:bodyPr>
-          <a:lstStyle/>
-          <a:p>
-            <a:pPr marL="0" marR="0" lvl="0" indent="0" algn="l" defTabSz="914400" rtl="0" eaLnBrk="1" fontAlgn="auto" latinLnBrk="0" hangingPunct="1">
-              <a:lnSpc>
-                <a:spcPct val="100000"/>
-              </a:lnSpc>
-              <a:spcBef>
-                <a:spcPts val="0"/>
-              </a:spcBef>
-              <a:spcAft>
-                <a:spcPts val="0"/>
-              </a:spcAft>
-              <a:buClrTx/>
-              <a:buSzTx/>
-              <a:buFontTx/>
-              <a:buNone/>
-              <a:tabLst/>
-              <a:defRPr/>
-            </a:pPr>
-            <a:endParaRPr kumimoji="0" sz="1600" b="0" i="0" u="none" strike="noStrike" kern="1200" cap="none" spc="0" normalizeH="0" baseline="0" noProof="0">
-              <a:ln>
-                <a:noFill/>
-              </a:ln>
-              <a:effectLst/>
-              <a:uLnTx/>
-              <a:uFillTx/>
-              <a:ea typeface="+mn-ea"/>
-              <a:cs typeface="Arial" panose="020B0604020202020204" pitchFamily="34" charset="0"/>
-            </a:endParaRPr>
-          </a:p>
-        </p:txBody>
-      </p:sp>
-      <p:pic>
-        <p:nvPicPr>
-          <p:cNvPr id="9642" name="Picture 2" descr="Resultado de imagen para candado  LOGO">
-            <a:extLst>
-              <a:ext uri="{FF2B5EF4-FFF2-40B4-BE49-F238E27FC236}">
-                <a16:creationId xmlns:a16="http://schemas.microsoft.com/office/drawing/2014/main" id="{5A9695B6-F636-3D41-56F7-510DD5538FEE}"/>
+                <a16:creationId xmlns:a16="http://schemas.microsoft.com/office/drawing/2014/main" id="{536C47A4-37AE-BAF6-48C8-6E65D295FB0A}"/>
               </a:ext>
             </a:extLst>
           </p:cNvPr>
@@ -20366,10 +19816,10 @@
           <p:nvPr/>
         </p:nvPicPr>
         <p:blipFill>
-          <a:blip r:embed="rId6" cstate="screen">
+          <a:blip r:embed="rId6">
             <a:extLst>
               <a:ext uri="{28A0092B-C50C-407E-A947-70E740481C1C}">
-                <a14:useLocalDpi xmlns:a14="http://schemas.microsoft.com/office/drawing/2010/main"/>
+                <a14:useLocalDpi xmlns:a14="http://schemas.microsoft.com/office/drawing/2010/main" val="0"/>
               </a:ext>
             </a:extLst>
           </a:blip>
@@ -20380,8 +19830,8 @@
         </p:blipFill>
         <p:spPr bwMode="auto">
           <a:xfrm>
-            <a:off x="870445" y="4627912"/>
-            <a:ext cx="379545" cy="379545"/>
+            <a:off x="1668487" y="2061369"/>
+            <a:ext cx="9291912" cy="5230019"/>
           </a:xfrm>
           <a:prstGeom prst="rect">
             <a:avLst/>
@@ -20398,4879 +19848,6 @@
           </a:extLst>
         </p:spPr>
       </p:pic>
-      <p:sp>
-        <p:nvSpPr>
-          <p:cNvPr id="9643" name="Google Shape;66;p15">
-            <a:extLst>
-              <a:ext uri="{FF2B5EF4-FFF2-40B4-BE49-F238E27FC236}">
-                <a16:creationId xmlns:a16="http://schemas.microsoft.com/office/drawing/2014/main" id="{E227C137-1935-760B-197B-E7EAA3CE0A26}"/>
-              </a:ext>
-            </a:extLst>
-          </p:cNvPr>
-          <p:cNvSpPr txBox="1"/>
-          <p:nvPr/>
-        </p:nvSpPr>
-        <p:spPr>
-          <a:xfrm>
-            <a:off x="1210013" y="2750080"/>
-            <a:ext cx="1002336" cy="707846"/>
-          </a:xfrm>
-          <a:prstGeom prst="rect">
-            <a:avLst/>
-          </a:prstGeom>
-          <a:noFill/>
-          <a:ln>
-            <a:noFill/>
-          </a:ln>
-        </p:spPr>
-        <p:txBody>
-          <a:bodyPr spcFirstLastPara="1" wrap="square" lIns="121900" tIns="121900" rIns="121900" bIns="121900" anchor="t" anchorCtr="0">
-            <a:spAutoFit/>
-          </a:bodyPr>
-          <a:lstStyle/>
-          <a:p>
-            <a:pPr marL="0" marR="0" lvl="0" indent="0" algn="l" defTabSz="914400" rtl="0" eaLnBrk="1" fontAlgn="auto" latinLnBrk="0" hangingPunct="1">
-              <a:lnSpc>
-                <a:spcPct val="100000"/>
-              </a:lnSpc>
-              <a:spcBef>
-                <a:spcPts val="0"/>
-              </a:spcBef>
-              <a:spcAft>
-                <a:spcPts val="0"/>
-              </a:spcAft>
-              <a:buClrTx/>
-              <a:buSzTx/>
-              <a:buFontTx/>
-              <a:buNone/>
-              <a:tabLst/>
-              <a:defRPr/>
-            </a:pPr>
-            <a:r>
-              <a:rPr kumimoji="0" lang="en" sz="1100" b="0" i="0" u="none" strike="noStrike" kern="1200" cap="none" spc="0" normalizeH="0" baseline="0" noProof="0" dirty="0">
-                <a:ln>
-                  <a:noFill/>
-                </a:ln>
-                <a:effectLst/>
-                <a:uLnTx/>
-                <a:uFillTx/>
-                <a:ea typeface="+mn-ea"/>
-                <a:cs typeface="Arial" panose="020B0604020202020204" pitchFamily="34" charset="0"/>
-              </a:rPr>
-              <a:t>Feature</a:t>
-            </a:r>
-            <a:br>
-              <a:rPr kumimoji="0" lang="en" sz="1100" b="0" i="0" u="none" strike="noStrike" kern="1200" cap="none" spc="0" normalizeH="0" baseline="0" noProof="0" dirty="0">
-                <a:ln>
-                  <a:noFill/>
-                </a:ln>
-                <a:effectLst/>
-                <a:uLnTx/>
-                <a:uFillTx/>
-                <a:ea typeface="+mn-ea"/>
-                <a:cs typeface="Arial" panose="020B0604020202020204" pitchFamily="34" charset="0"/>
-              </a:rPr>
-            </a:br>
-            <a:r>
-              <a:rPr kumimoji="0" lang="en" sz="1100" b="0" i="0" u="none" strike="noStrike" kern="1200" cap="none" spc="0" normalizeH="0" baseline="0" noProof="0" dirty="0">
-                <a:ln>
-                  <a:noFill/>
-                </a:ln>
-                <a:effectLst/>
-                <a:uLnTx/>
-                <a:uFillTx/>
-                <a:ea typeface="+mn-ea"/>
-                <a:cs typeface="Arial" panose="020B0604020202020204" pitchFamily="34" charset="0"/>
-              </a:rPr>
-              <a:t>Branches</a:t>
-            </a:r>
-            <a:br>
-              <a:rPr kumimoji="0" lang="en" sz="1100" b="0" i="0" u="none" strike="noStrike" kern="1200" cap="none" spc="0" normalizeH="0" baseline="0" noProof="0" dirty="0">
-                <a:ln>
-                  <a:noFill/>
-                </a:ln>
-                <a:effectLst/>
-                <a:uLnTx/>
-                <a:uFillTx/>
-                <a:ea typeface="+mn-ea"/>
-                <a:cs typeface="Arial" panose="020B0604020202020204" pitchFamily="34" charset="0"/>
-              </a:rPr>
-            </a:br>
-            <a:r>
-              <a:rPr kumimoji="0" lang="es-ES_tradnl" sz="800" b="0" i="0" u="none" strike="noStrike" kern="1200" cap="none" spc="0" normalizeH="0" baseline="0" dirty="0">
-                <a:ln>
-                  <a:noFill/>
-                </a:ln>
-                <a:effectLst/>
-                <a:uLnTx/>
-                <a:uFillTx/>
-                <a:ea typeface="+mn-ea"/>
-                <a:cs typeface="Arial" panose="020B0604020202020204" pitchFamily="34" charset="0"/>
-              </a:rPr>
-              <a:t>(por cada HU)</a:t>
-            </a:r>
-          </a:p>
-        </p:txBody>
-      </p:sp>
-      <p:sp>
-        <p:nvSpPr>
-          <p:cNvPr id="9644" name="Google Shape;161;p17">
-            <a:extLst>
-              <a:ext uri="{FF2B5EF4-FFF2-40B4-BE49-F238E27FC236}">
-                <a16:creationId xmlns:a16="http://schemas.microsoft.com/office/drawing/2014/main" id="{12A30F32-C84A-CA15-178A-257894330F7A}"/>
-              </a:ext>
-            </a:extLst>
-          </p:cNvPr>
-          <p:cNvSpPr/>
-          <p:nvPr/>
-        </p:nvSpPr>
-        <p:spPr>
-          <a:xfrm>
-            <a:off x="2976794" y="3238949"/>
-            <a:ext cx="338676" cy="327763"/>
-          </a:xfrm>
-          <a:prstGeom prst="ellipse">
-            <a:avLst/>
-          </a:prstGeom>
-          <a:solidFill>
-            <a:schemeClr val="accent1">
-              <a:lumMod val="25000"/>
-              <a:lumOff val="75000"/>
-            </a:schemeClr>
-          </a:solidFill>
-          <a:ln w="28575" cap="sq">
-            <a:solidFill>
-              <a:schemeClr val="bg1"/>
-            </a:solidFill>
-            <a:miter lim="800000"/>
-          </a:ln>
-        </p:spPr>
-        <p:style>
-          <a:lnRef idx="2">
-            <a:schemeClr val="accent1">
-              <a:shade val="50000"/>
-            </a:schemeClr>
-          </a:lnRef>
-          <a:fillRef idx="1">
-            <a:schemeClr val="accent1"/>
-          </a:fillRef>
-          <a:effectRef idx="0">
-            <a:schemeClr val="accent1"/>
-          </a:effectRef>
-          <a:fontRef idx="minor">
-            <a:schemeClr val="lt1"/>
-          </a:fontRef>
-        </p:style>
-        <p:txBody>
-          <a:bodyPr rot="0" spcFirstLastPara="0" vertOverflow="overflow" horzOverflow="overflow" vert="horz" wrap="square" lIns="91440" tIns="45720" rIns="91440" bIns="45720" numCol="1" spcCol="0" rtlCol="0" fromWordArt="0" anchor="ctr" anchorCtr="0" forceAA="0" compatLnSpc="1">
-            <a:prstTxWarp prst="textNoShape">
-              <a:avLst/>
-            </a:prstTxWarp>
-            <a:noAutofit/>
-          </a:bodyPr>
-          <a:lstStyle/>
-          <a:p>
-            <a:pPr marL="0" marR="0" lvl="0" indent="0" algn="ctr" defTabSz="914400" rtl="0" eaLnBrk="1" fontAlgn="auto" latinLnBrk="0" hangingPunct="1">
-              <a:lnSpc>
-                <a:spcPct val="100000"/>
-              </a:lnSpc>
-              <a:spcBef>
-                <a:spcPts val="300"/>
-              </a:spcBef>
-              <a:spcAft>
-                <a:spcPts val="300"/>
-              </a:spcAft>
-              <a:buClrTx/>
-              <a:buSzTx/>
-              <a:buFontTx/>
-              <a:buNone/>
-              <a:tabLst/>
-              <a:defRPr/>
-            </a:pPr>
-            <a:endParaRPr kumimoji="0" sz="1200" b="0" i="0" u="none" strike="noStrike" kern="1200" cap="none" spc="0" normalizeH="0" baseline="0" noProof="0">
-              <a:ln>
-                <a:noFill/>
-              </a:ln>
-              <a:solidFill>
-                <a:schemeClr val="tx1"/>
-              </a:solidFill>
-              <a:effectLst/>
-              <a:uLnTx/>
-              <a:uFillTx/>
-              <a:ea typeface="+mn-ea"/>
-              <a:cs typeface="Arial" panose="020B0604020202020204" pitchFamily="34" charset="0"/>
-            </a:endParaRPr>
-          </a:p>
-        </p:txBody>
-      </p:sp>
-      <p:cxnSp>
-        <p:nvCxnSpPr>
-          <p:cNvPr id="9645" name="Google Shape;72;p15">
-            <a:extLst>
-              <a:ext uri="{FF2B5EF4-FFF2-40B4-BE49-F238E27FC236}">
-                <a16:creationId xmlns:a16="http://schemas.microsoft.com/office/drawing/2014/main" id="{DE7FC58B-B233-8F0C-1A3C-29F6714EEE5D}"/>
-              </a:ext>
-            </a:extLst>
-          </p:cNvPr>
-          <p:cNvCxnSpPr>
-            <a:cxnSpLocks/>
-            <a:stCxn id="9639" idx="0"/>
-            <a:endCxn id="9644" idx="3"/>
-          </p:cNvCxnSpPr>
-          <p:nvPr/>
-        </p:nvCxnSpPr>
-        <p:spPr>
-          <a:xfrm flipV="1">
-            <a:off x="2442756" y="3518712"/>
-            <a:ext cx="583636" cy="1148186"/>
-          </a:xfrm>
-          <a:prstGeom prst="straightConnector1">
-            <a:avLst/>
-          </a:prstGeom>
-          <a:ln w="12700" cap="flat">
-            <a:solidFill>
-              <a:schemeClr val="tx1"/>
-            </a:solidFill>
-            <a:miter lim="800000"/>
-            <a:tailEnd type="none"/>
-          </a:ln>
-        </p:spPr>
-        <p:style>
-          <a:lnRef idx="1">
-            <a:schemeClr val="accent1"/>
-          </a:lnRef>
-          <a:fillRef idx="0">
-            <a:schemeClr val="accent1"/>
-          </a:fillRef>
-          <a:effectRef idx="0">
-            <a:schemeClr val="accent1"/>
-          </a:effectRef>
-          <a:fontRef idx="minor">
-            <a:schemeClr val="tx1"/>
-          </a:fontRef>
-        </p:style>
-      </p:cxnSp>
-      <p:cxnSp>
-        <p:nvCxnSpPr>
-          <p:cNvPr id="9646" name="Google Shape;72;p15">
-            <a:extLst>
-              <a:ext uri="{FF2B5EF4-FFF2-40B4-BE49-F238E27FC236}">
-                <a16:creationId xmlns:a16="http://schemas.microsoft.com/office/drawing/2014/main" id="{8B340FF0-EFAC-D26F-C26D-FF2286F86A05}"/>
-              </a:ext>
-            </a:extLst>
-          </p:cNvPr>
-          <p:cNvCxnSpPr>
-            <a:cxnSpLocks/>
-            <a:stCxn id="9649" idx="5"/>
-            <a:endCxn id="9641" idx="1"/>
-          </p:cNvCxnSpPr>
-          <p:nvPr/>
-        </p:nvCxnSpPr>
-        <p:spPr>
-          <a:xfrm>
-            <a:off x="4105190" y="3518712"/>
-            <a:ext cx="528579" cy="1222511"/>
-          </a:xfrm>
-          <a:prstGeom prst="straightConnector1">
-            <a:avLst/>
-          </a:prstGeom>
-          <a:ln w="12700" cap="flat">
-            <a:solidFill>
-              <a:schemeClr val="tx1"/>
-            </a:solidFill>
-            <a:miter lim="800000"/>
-            <a:tailEnd type="none"/>
-          </a:ln>
-        </p:spPr>
-        <p:style>
-          <a:lnRef idx="1">
-            <a:schemeClr val="accent1"/>
-          </a:lnRef>
-          <a:fillRef idx="0">
-            <a:schemeClr val="accent1"/>
-          </a:fillRef>
-          <a:effectRef idx="0">
-            <a:schemeClr val="accent1"/>
-          </a:effectRef>
-          <a:fontRef idx="minor">
-            <a:schemeClr val="tx1"/>
-          </a:fontRef>
-        </p:style>
-      </p:cxnSp>
-      <p:sp>
-        <p:nvSpPr>
-          <p:cNvPr id="9647" name="Google Shape;66;p15">
-            <a:extLst>
-              <a:ext uri="{FF2B5EF4-FFF2-40B4-BE49-F238E27FC236}">
-                <a16:creationId xmlns:a16="http://schemas.microsoft.com/office/drawing/2014/main" id="{9AE42955-0F89-0686-FD54-532902E46C81}"/>
-              </a:ext>
-            </a:extLst>
-          </p:cNvPr>
-          <p:cNvSpPr txBox="1"/>
-          <p:nvPr/>
-        </p:nvSpPr>
-        <p:spPr>
-          <a:xfrm>
-            <a:off x="10196102" y="4608000"/>
-            <a:ext cx="1621368" cy="415458"/>
-          </a:xfrm>
-          <a:prstGeom prst="rect">
-            <a:avLst/>
-          </a:prstGeom>
-          <a:noFill/>
-          <a:ln>
-            <a:noFill/>
-          </a:ln>
-        </p:spPr>
-        <p:txBody>
-          <a:bodyPr spcFirstLastPara="1" wrap="square" lIns="72000" tIns="121900" rIns="72000" bIns="121900" anchor="t" anchorCtr="0">
-            <a:spAutoFit/>
-          </a:bodyPr>
-          <a:lstStyle/>
-          <a:p>
-            <a:pPr marL="0" marR="0" lvl="0" indent="0" algn="l" defTabSz="914400" rtl="0" eaLnBrk="1" fontAlgn="auto" latinLnBrk="0" hangingPunct="1">
-              <a:lnSpc>
-                <a:spcPct val="100000"/>
-              </a:lnSpc>
-              <a:spcBef>
-                <a:spcPts val="0"/>
-              </a:spcBef>
-              <a:spcAft>
-                <a:spcPts val="0"/>
-              </a:spcAft>
-              <a:buClrTx/>
-              <a:buSzTx/>
-              <a:buFontTx/>
-              <a:buNone/>
-              <a:tabLst/>
-              <a:defRPr/>
-            </a:pPr>
-            <a:r>
-              <a:rPr kumimoji="0" lang="en" sz="1050" b="0" i="0" u="none" strike="noStrike" kern="1200" cap="none" spc="0" normalizeH="0" baseline="0" noProof="0" dirty="0">
-                <a:ln>
-                  <a:noFill/>
-                </a:ln>
-                <a:effectLst/>
-                <a:uLnTx/>
-                <a:uFillTx/>
-                <a:ea typeface="+mn-ea"/>
-                <a:cs typeface="Arial" panose="020B0604020202020204" pitchFamily="34" charset="0"/>
-              </a:rPr>
-              <a:t>QA Code</a:t>
-            </a:r>
-            <a:endParaRPr kumimoji="0" sz="1050" b="0" i="0" u="none" strike="noStrike" kern="1200" cap="none" spc="0" normalizeH="0" baseline="0" noProof="0" dirty="0">
-              <a:ln>
-                <a:noFill/>
-              </a:ln>
-              <a:effectLst/>
-              <a:uLnTx/>
-              <a:uFillTx/>
-              <a:ea typeface="+mn-ea"/>
-              <a:cs typeface="Arial" panose="020B0604020202020204" pitchFamily="34" charset="0"/>
-            </a:endParaRPr>
-          </a:p>
-        </p:txBody>
-      </p:sp>
-      <p:sp>
-        <p:nvSpPr>
-          <p:cNvPr id="9648" name="Google Shape;66;p15">
-            <a:extLst>
-              <a:ext uri="{FF2B5EF4-FFF2-40B4-BE49-F238E27FC236}">
-                <a16:creationId xmlns:a16="http://schemas.microsoft.com/office/drawing/2014/main" id="{89C80CF8-DA4F-0171-E12C-C169AF39132A}"/>
-              </a:ext>
-            </a:extLst>
-          </p:cNvPr>
-          <p:cNvSpPr txBox="1"/>
-          <p:nvPr/>
-        </p:nvSpPr>
-        <p:spPr>
-          <a:xfrm>
-            <a:off x="4486487" y="3453482"/>
-            <a:ext cx="761086" cy="377170"/>
-          </a:xfrm>
-          <a:prstGeom prst="rect">
-            <a:avLst/>
-          </a:prstGeom>
-          <a:noFill/>
-          <a:ln>
-            <a:noFill/>
-          </a:ln>
-        </p:spPr>
-        <p:txBody>
-          <a:bodyPr spcFirstLastPara="1" wrap="square" lIns="121900" tIns="121900" rIns="121900" bIns="121900" anchor="ctr" anchorCtr="0">
-            <a:noAutofit/>
-          </a:bodyPr>
-          <a:lstStyle/>
-          <a:p>
-            <a:pPr marL="0" marR="0" lvl="0" indent="0" algn="ctr" defTabSz="914400" rtl="0" eaLnBrk="1" fontAlgn="auto" latinLnBrk="0" hangingPunct="1">
-              <a:lnSpc>
-                <a:spcPct val="100000"/>
-              </a:lnSpc>
-              <a:spcBef>
-                <a:spcPts val="0"/>
-              </a:spcBef>
-              <a:spcAft>
-                <a:spcPts val="0"/>
-              </a:spcAft>
-              <a:buClrTx/>
-              <a:buSzTx/>
-              <a:buFontTx/>
-              <a:buNone/>
-              <a:tabLst/>
-              <a:defRPr/>
-            </a:pPr>
-            <a:r>
-              <a:rPr kumimoji="0" lang="en" sz="1050" b="0" i="0" u="none" strike="noStrike" kern="1200" cap="none" spc="0" normalizeH="0" baseline="0" noProof="0" dirty="0">
-                <a:ln>
-                  <a:noFill/>
-                </a:ln>
-                <a:effectLst/>
-                <a:uLnTx/>
-                <a:uFillTx/>
-                <a:ea typeface="+mn-ea"/>
-                <a:cs typeface="Arial" panose="020B0604020202020204" pitchFamily="34" charset="0"/>
-              </a:rPr>
-              <a:t>Pull Request</a:t>
-            </a:r>
-            <a:endParaRPr kumimoji="0" sz="1050" b="0" i="0" u="none" strike="noStrike" kern="1200" cap="none" spc="0" normalizeH="0" baseline="0" noProof="0" dirty="0">
-              <a:ln>
-                <a:noFill/>
-              </a:ln>
-              <a:effectLst/>
-              <a:uLnTx/>
-              <a:uFillTx/>
-              <a:ea typeface="+mn-ea"/>
-              <a:cs typeface="Arial" panose="020B0604020202020204" pitchFamily="34" charset="0"/>
-            </a:endParaRPr>
-          </a:p>
-        </p:txBody>
-      </p:sp>
-      <p:sp>
-        <p:nvSpPr>
-          <p:cNvPr id="9649" name="Google Shape;161;p17">
-            <a:extLst>
-              <a:ext uri="{FF2B5EF4-FFF2-40B4-BE49-F238E27FC236}">
-                <a16:creationId xmlns:a16="http://schemas.microsoft.com/office/drawing/2014/main" id="{C65766B4-9EDA-3DB0-DA1A-6113F0F70CA8}"/>
-              </a:ext>
-            </a:extLst>
-          </p:cNvPr>
-          <p:cNvSpPr/>
-          <p:nvPr/>
-        </p:nvSpPr>
-        <p:spPr>
-          <a:xfrm>
-            <a:off x="3816112" y="3238949"/>
-            <a:ext cx="338676" cy="327763"/>
-          </a:xfrm>
-          <a:prstGeom prst="ellipse">
-            <a:avLst/>
-          </a:prstGeom>
-          <a:solidFill>
-            <a:schemeClr val="accent1">
-              <a:lumMod val="25000"/>
-              <a:lumOff val="75000"/>
-            </a:schemeClr>
-          </a:solidFill>
-          <a:ln w="28575" cap="sq">
-            <a:solidFill>
-              <a:schemeClr val="bg1"/>
-            </a:solidFill>
-            <a:miter lim="800000"/>
-          </a:ln>
-        </p:spPr>
-        <p:style>
-          <a:lnRef idx="2">
-            <a:schemeClr val="accent1">
-              <a:shade val="50000"/>
-            </a:schemeClr>
-          </a:lnRef>
-          <a:fillRef idx="1">
-            <a:schemeClr val="accent1"/>
-          </a:fillRef>
-          <a:effectRef idx="0">
-            <a:schemeClr val="accent1"/>
-          </a:effectRef>
-          <a:fontRef idx="minor">
-            <a:schemeClr val="lt1"/>
-          </a:fontRef>
-        </p:style>
-        <p:txBody>
-          <a:bodyPr rot="0" spcFirstLastPara="0" vertOverflow="overflow" horzOverflow="overflow" vert="horz" wrap="square" lIns="91440" tIns="45720" rIns="91440" bIns="45720" numCol="1" spcCol="0" rtlCol="0" fromWordArt="0" anchor="ctr" anchorCtr="0" forceAA="0" compatLnSpc="1">
-            <a:prstTxWarp prst="textNoShape">
-              <a:avLst/>
-            </a:prstTxWarp>
-            <a:noAutofit/>
-          </a:bodyPr>
-          <a:lstStyle/>
-          <a:p>
-            <a:pPr marL="0" marR="0" lvl="0" indent="0" algn="ctr" defTabSz="914400" rtl="0" eaLnBrk="1" fontAlgn="auto" latinLnBrk="0" hangingPunct="1">
-              <a:lnSpc>
-                <a:spcPct val="100000"/>
-              </a:lnSpc>
-              <a:spcBef>
-                <a:spcPts val="300"/>
-              </a:spcBef>
-              <a:spcAft>
-                <a:spcPts val="300"/>
-              </a:spcAft>
-              <a:buClrTx/>
-              <a:buSzTx/>
-              <a:buFontTx/>
-              <a:buNone/>
-              <a:tabLst/>
-              <a:defRPr/>
-            </a:pPr>
-            <a:endParaRPr kumimoji="0" sz="1200" b="0" i="0" u="none" strike="noStrike" kern="1200" cap="none" spc="0" normalizeH="0" baseline="0" noProof="0">
-              <a:ln>
-                <a:noFill/>
-              </a:ln>
-              <a:solidFill>
-                <a:schemeClr val="tx1"/>
-              </a:solidFill>
-              <a:effectLst/>
-              <a:uLnTx/>
-              <a:uFillTx/>
-              <a:ea typeface="+mn-ea"/>
-              <a:cs typeface="Arial" panose="020B0604020202020204" pitchFamily="34" charset="0"/>
-            </a:endParaRPr>
-          </a:p>
-        </p:txBody>
-      </p:sp>
-      <p:cxnSp>
-        <p:nvCxnSpPr>
-          <p:cNvPr id="9650" name="Google Shape;166;p17">
-            <a:extLst>
-              <a:ext uri="{FF2B5EF4-FFF2-40B4-BE49-F238E27FC236}">
-                <a16:creationId xmlns:a16="http://schemas.microsoft.com/office/drawing/2014/main" id="{2F086CEF-BA12-D8E7-2BCA-09F40DAE190E}"/>
-              </a:ext>
-            </a:extLst>
-          </p:cNvPr>
-          <p:cNvCxnSpPr>
-            <a:cxnSpLocks/>
-          </p:cNvCxnSpPr>
-          <p:nvPr/>
-        </p:nvCxnSpPr>
-        <p:spPr>
-          <a:xfrm>
-            <a:off x="3315470" y="3402830"/>
-            <a:ext cx="500642" cy="0"/>
-          </a:xfrm>
-          <a:prstGeom prst="straightConnector1">
-            <a:avLst/>
-          </a:prstGeom>
-          <a:ln w="12700" cap="flat">
-            <a:solidFill>
-              <a:schemeClr val="tx1"/>
-            </a:solidFill>
-            <a:miter lim="800000"/>
-            <a:tailEnd type="none"/>
-          </a:ln>
-        </p:spPr>
-        <p:style>
-          <a:lnRef idx="1">
-            <a:schemeClr val="accent1"/>
-          </a:lnRef>
-          <a:fillRef idx="0">
-            <a:schemeClr val="accent1"/>
-          </a:fillRef>
-          <a:effectRef idx="0">
-            <a:schemeClr val="accent1"/>
-          </a:effectRef>
-          <a:fontRef idx="minor">
-            <a:schemeClr val="tx1"/>
-          </a:fontRef>
-        </p:style>
-      </p:cxnSp>
-      <p:sp>
-        <p:nvSpPr>
-          <p:cNvPr id="9651" name="Google Shape;66;p15">
-            <a:extLst>
-              <a:ext uri="{FF2B5EF4-FFF2-40B4-BE49-F238E27FC236}">
-                <a16:creationId xmlns:a16="http://schemas.microsoft.com/office/drawing/2014/main" id="{44732493-5230-8F7F-03E6-35906F0820A5}"/>
-              </a:ext>
-            </a:extLst>
-          </p:cNvPr>
-          <p:cNvSpPr txBox="1"/>
-          <p:nvPr/>
-        </p:nvSpPr>
-        <p:spPr>
-          <a:xfrm>
-            <a:off x="10196102" y="2868672"/>
-            <a:ext cx="1353856" cy="391830"/>
-          </a:xfrm>
-          <a:prstGeom prst="rect">
-            <a:avLst/>
-          </a:prstGeom>
-          <a:noFill/>
-          <a:ln>
-            <a:noFill/>
-          </a:ln>
-        </p:spPr>
-        <p:txBody>
-          <a:bodyPr spcFirstLastPara="1" wrap="square" lIns="72000" tIns="121900" rIns="72000" bIns="121900" anchor="t" anchorCtr="0">
-            <a:noAutofit/>
-          </a:bodyPr>
-          <a:lstStyle/>
-          <a:p>
-            <a:pPr marL="0" marR="0" lvl="0" indent="0" algn="l" defTabSz="914400" rtl="0" eaLnBrk="1" fontAlgn="auto" latinLnBrk="0" hangingPunct="1">
-              <a:lnSpc>
-                <a:spcPct val="100000"/>
-              </a:lnSpc>
-              <a:spcBef>
-                <a:spcPts val="0"/>
-              </a:spcBef>
-              <a:spcAft>
-                <a:spcPts val="0"/>
-              </a:spcAft>
-              <a:buClrTx/>
-              <a:buSzTx/>
-              <a:buFontTx/>
-              <a:buNone/>
-              <a:tabLst/>
-              <a:defRPr/>
-            </a:pPr>
-            <a:r>
-              <a:rPr kumimoji="0" lang="en" sz="1050" b="0" i="0" u="none" strike="noStrike" kern="1200" cap="none" spc="0" normalizeH="0" baseline="0" noProof="0" dirty="0">
-                <a:ln>
-                  <a:noFill/>
-                </a:ln>
-                <a:effectLst/>
-                <a:uLnTx/>
-                <a:uFillTx/>
-                <a:ea typeface="+mn-ea"/>
-                <a:cs typeface="Arial" panose="020B0604020202020204" pitchFamily="34" charset="0"/>
-              </a:rPr>
-              <a:t>Development Code</a:t>
-            </a:r>
-            <a:endParaRPr kumimoji="0" sz="1050" b="0" i="0" u="none" strike="noStrike" kern="1200" cap="none" spc="0" normalizeH="0" baseline="0" noProof="0" dirty="0">
-              <a:ln>
-                <a:noFill/>
-              </a:ln>
-              <a:effectLst/>
-              <a:uLnTx/>
-              <a:uFillTx/>
-              <a:ea typeface="+mn-ea"/>
-              <a:cs typeface="Arial" panose="020B0604020202020204" pitchFamily="34" charset="0"/>
-            </a:endParaRPr>
-          </a:p>
-        </p:txBody>
-      </p:sp>
-      <p:pic>
-        <p:nvPicPr>
-          <p:cNvPr id="9652" name="Picture 10" descr="Resultado de imagen para reloj de arena logo">
-            <a:extLst>
-              <a:ext uri="{FF2B5EF4-FFF2-40B4-BE49-F238E27FC236}">
-                <a16:creationId xmlns:a16="http://schemas.microsoft.com/office/drawing/2014/main" id="{8A8DDAF7-FAB6-7662-6B1F-6FF9607EB8C4}"/>
-              </a:ext>
-            </a:extLst>
-          </p:cNvPr>
-          <p:cNvPicPr>
-            <a:picLocks noChangeAspect="1" noChangeArrowheads="1"/>
-          </p:cNvPicPr>
-          <p:nvPr/>
-        </p:nvPicPr>
-        <p:blipFill>
-          <a:blip r:embed="rId7" cstate="screen">
-            <a:extLst>
-              <a:ext uri="{28A0092B-C50C-407E-A947-70E740481C1C}">
-                <a14:useLocalDpi xmlns:a14="http://schemas.microsoft.com/office/drawing/2010/main"/>
-              </a:ext>
-            </a:extLst>
-          </a:blip>
-          <a:srcRect/>
-          <a:stretch>
-            <a:fillRect/>
-          </a:stretch>
-        </p:blipFill>
-        <p:spPr bwMode="auto">
-          <a:xfrm>
-            <a:off x="881785" y="2899203"/>
-            <a:ext cx="356865" cy="356865"/>
-          </a:xfrm>
-          <a:prstGeom prst="rect">
-            <a:avLst/>
-          </a:prstGeom>
-          <a:noFill/>
-          <a:extLst>
-            <a:ext uri="{909E8E84-426E-40DD-AFC4-6F175D3DCCD1}">
-              <a14:hiddenFill xmlns:a14="http://schemas.microsoft.com/office/drawing/2010/main">
-                <a:solidFill>
-                  <a:srgbClr val="FFFFFF"/>
-                </a:solidFill>
-              </a14:hiddenFill>
-            </a:ext>
-          </a:extLst>
-        </p:spPr>
-      </p:pic>
-      <p:pic>
-        <p:nvPicPr>
-          <p:cNvPr id="9653" name="Shape 98">
-            <a:extLst>
-              <a:ext uri="{FF2B5EF4-FFF2-40B4-BE49-F238E27FC236}">
-                <a16:creationId xmlns:a16="http://schemas.microsoft.com/office/drawing/2014/main" id="{419E1C9D-C711-E534-7E60-C0014E947454}"/>
-              </a:ext>
-            </a:extLst>
-          </p:cNvPr>
-          <p:cNvPicPr preferRelativeResize="0"/>
-          <p:nvPr/>
-        </p:nvPicPr>
-        <p:blipFill rotWithShape="1">
-          <a:blip r:embed="rId8" cstate="screen">
-            <a:alphaModFix/>
-            <a:extLst>
-              <a:ext uri="{28A0092B-C50C-407E-A947-70E740481C1C}">
-                <a14:useLocalDpi xmlns:a14="http://schemas.microsoft.com/office/drawing/2010/main"/>
-              </a:ext>
-            </a:extLst>
-          </a:blip>
-          <a:srcRect/>
-          <a:stretch/>
-        </p:blipFill>
-        <p:spPr>
-          <a:xfrm>
-            <a:off x="4302159" y="3456596"/>
-            <a:ext cx="196439" cy="196439"/>
-          </a:xfrm>
-          <a:prstGeom prst="rect">
-            <a:avLst/>
-          </a:prstGeom>
-          <a:noFill/>
-          <a:ln>
-            <a:noFill/>
-          </a:ln>
-        </p:spPr>
-      </p:pic>
-      <p:sp>
-        <p:nvSpPr>
-          <p:cNvPr id="9654" name="Google Shape;66;p15">
-            <a:extLst>
-              <a:ext uri="{FF2B5EF4-FFF2-40B4-BE49-F238E27FC236}">
-                <a16:creationId xmlns:a16="http://schemas.microsoft.com/office/drawing/2014/main" id="{1FE34112-5E5B-9A27-3F86-190489471686}"/>
-              </a:ext>
-            </a:extLst>
-          </p:cNvPr>
-          <p:cNvSpPr txBox="1"/>
-          <p:nvPr/>
-        </p:nvSpPr>
-        <p:spPr>
-          <a:xfrm>
-            <a:off x="4172876" y="3637598"/>
-            <a:ext cx="451112" cy="200156"/>
-          </a:xfrm>
-          <a:prstGeom prst="rect">
-            <a:avLst/>
-          </a:prstGeom>
-          <a:noFill/>
-          <a:ln>
-            <a:noFill/>
-          </a:ln>
-        </p:spPr>
-        <p:txBody>
-          <a:bodyPr spcFirstLastPara="1" wrap="square" lIns="121900" tIns="121900" rIns="121900" bIns="121900" anchor="ctr" anchorCtr="0">
-            <a:noAutofit/>
-          </a:bodyPr>
-          <a:lstStyle/>
-          <a:p>
-            <a:pPr marL="0" marR="0" lvl="0" indent="0" algn="ctr" defTabSz="914400" rtl="0" eaLnBrk="1" fontAlgn="auto" latinLnBrk="0" hangingPunct="1">
-              <a:lnSpc>
-                <a:spcPct val="100000"/>
-              </a:lnSpc>
-              <a:spcBef>
-                <a:spcPts val="0"/>
-              </a:spcBef>
-              <a:spcAft>
-                <a:spcPts val="0"/>
-              </a:spcAft>
-              <a:buClrTx/>
-              <a:buSzTx/>
-              <a:buFontTx/>
-              <a:buNone/>
-              <a:tabLst/>
-              <a:defRPr/>
-            </a:pPr>
-            <a:r>
-              <a:rPr kumimoji="0" lang="en" sz="800" b="0" i="0" u="none" strike="noStrike" kern="1200" cap="none" spc="0" normalizeH="0" baseline="0" noProof="0" dirty="0">
-                <a:ln>
-                  <a:noFill/>
-                </a:ln>
-                <a:effectLst/>
-                <a:uLnTx/>
-                <a:uFillTx/>
-                <a:ea typeface="+mn-ea"/>
-                <a:cs typeface="Arial" panose="020B0604020202020204" pitchFamily="34" charset="0"/>
-              </a:rPr>
-              <a:t>Dev</a:t>
-            </a:r>
-            <a:endParaRPr kumimoji="0" sz="800" b="0" i="0" u="none" strike="noStrike" kern="1200" cap="none" spc="0" normalizeH="0" baseline="0" noProof="0" dirty="0">
-              <a:ln>
-                <a:noFill/>
-              </a:ln>
-              <a:effectLst/>
-              <a:uLnTx/>
-              <a:uFillTx/>
-              <a:ea typeface="+mn-ea"/>
-              <a:cs typeface="Arial" panose="020B0604020202020204" pitchFamily="34" charset="0"/>
-            </a:endParaRPr>
-          </a:p>
-        </p:txBody>
-      </p:sp>
-      <p:pic>
-        <p:nvPicPr>
-          <p:cNvPr id="9655" name="Shape 103">
-            <a:extLst>
-              <a:ext uri="{FF2B5EF4-FFF2-40B4-BE49-F238E27FC236}">
-                <a16:creationId xmlns:a16="http://schemas.microsoft.com/office/drawing/2014/main" id="{1598882D-0887-471F-DE6C-022815BF650C}"/>
-              </a:ext>
-            </a:extLst>
-          </p:cNvPr>
-          <p:cNvPicPr preferRelativeResize="0"/>
-          <p:nvPr/>
-        </p:nvPicPr>
-        <p:blipFill rotWithShape="1">
-          <a:blip r:embed="rId9" cstate="screen">
-            <a:alphaModFix/>
-            <a:extLst>
-              <a:ext uri="{28A0092B-C50C-407E-A947-70E740481C1C}">
-                <a14:useLocalDpi xmlns:a14="http://schemas.microsoft.com/office/drawing/2010/main"/>
-              </a:ext>
-            </a:extLst>
-          </a:blip>
-          <a:srcRect/>
-          <a:stretch/>
-        </p:blipFill>
-        <p:spPr>
-          <a:xfrm>
-            <a:off x="4604428" y="4316768"/>
-            <a:ext cx="196439" cy="196439"/>
-          </a:xfrm>
-          <a:prstGeom prst="rect">
-            <a:avLst/>
-          </a:prstGeom>
-          <a:noFill/>
-          <a:ln>
-            <a:noFill/>
-          </a:ln>
-        </p:spPr>
-      </p:pic>
-      <p:cxnSp>
-        <p:nvCxnSpPr>
-          <p:cNvPr id="9656" name="Google Shape;166;p17">
-            <a:extLst>
-              <a:ext uri="{FF2B5EF4-FFF2-40B4-BE49-F238E27FC236}">
-                <a16:creationId xmlns:a16="http://schemas.microsoft.com/office/drawing/2014/main" id="{F076A4C4-AF26-9F3D-F5DE-0E2E1E6B6558}"/>
-              </a:ext>
-            </a:extLst>
-          </p:cNvPr>
-          <p:cNvCxnSpPr>
-            <a:cxnSpLocks/>
-          </p:cNvCxnSpPr>
-          <p:nvPr/>
-        </p:nvCxnSpPr>
-        <p:spPr>
-          <a:xfrm>
-            <a:off x="5078715" y="3620307"/>
-            <a:ext cx="327399" cy="0"/>
-          </a:xfrm>
-          <a:prstGeom prst="straightConnector1">
-            <a:avLst/>
-          </a:prstGeom>
-          <a:noFill/>
-          <a:ln w="6350" cap="flat" cmpd="sng">
-            <a:solidFill>
-              <a:srgbClr val="000000"/>
-            </a:solidFill>
-            <a:prstDash val="solid"/>
-            <a:round/>
-            <a:headEnd type="none" w="med" len="med"/>
-            <a:tailEnd type="triangle" w="med" len="med"/>
-          </a:ln>
-        </p:spPr>
-      </p:cxnSp>
-      <p:sp>
-        <p:nvSpPr>
-          <p:cNvPr id="9657" name="Flecha abajo 26">
-            <a:extLst>
-              <a:ext uri="{FF2B5EF4-FFF2-40B4-BE49-F238E27FC236}">
-                <a16:creationId xmlns:a16="http://schemas.microsoft.com/office/drawing/2014/main" id="{5683E852-6358-AADC-A13A-FEDC25FE1B79}"/>
-              </a:ext>
-            </a:extLst>
-          </p:cNvPr>
-          <p:cNvSpPr/>
-          <p:nvPr/>
-        </p:nvSpPr>
-        <p:spPr>
-          <a:xfrm rot="10800000">
-            <a:off x="2298218" y="5061975"/>
-            <a:ext cx="289078" cy="146658"/>
-          </a:xfrm>
-          <a:prstGeom prst="downArrow">
-            <a:avLst/>
-          </a:prstGeom>
-        </p:spPr>
-        <p:style>
-          <a:lnRef idx="2">
-            <a:schemeClr val="accent1">
-              <a:shade val="50000"/>
-            </a:schemeClr>
-          </a:lnRef>
-          <a:fillRef idx="1">
-            <a:schemeClr val="accent1"/>
-          </a:fillRef>
-          <a:effectRef idx="0">
-            <a:schemeClr val="accent1"/>
-          </a:effectRef>
-          <a:fontRef idx="minor">
-            <a:schemeClr val="lt1"/>
-          </a:fontRef>
-        </p:style>
-        <p:txBody>
-          <a:bodyPr rtlCol="0" anchor="ctr"/>
-          <a:lstStyle/>
-          <a:p>
-            <a:pPr marL="0" marR="0" lvl="0" indent="0" algn="ctr" defTabSz="914400" rtl="0" eaLnBrk="1" fontAlgn="auto" latinLnBrk="0" hangingPunct="1">
-              <a:lnSpc>
-                <a:spcPct val="100000"/>
-              </a:lnSpc>
-              <a:spcBef>
-                <a:spcPts val="0"/>
-              </a:spcBef>
-              <a:spcAft>
-                <a:spcPts val="0"/>
-              </a:spcAft>
-              <a:buClrTx/>
-              <a:buSzTx/>
-              <a:buFontTx/>
-              <a:buNone/>
-              <a:tabLst/>
-              <a:defRPr/>
-            </a:pPr>
-            <a:endParaRPr kumimoji="0" lang="es-PE" sz="1400" b="0" i="0" u="none" strike="noStrike" kern="1200" cap="none" spc="0" normalizeH="0" baseline="0" noProof="0">
-              <a:ln>
-                <a:noFill/>
-              </a:ln>
-              <a:solidFill>
-                <a:schemeClr val="tx1"/>
-              </a:solidFill>
-              <a:effectLst/>
-              <a:uLnTx/>
-              <a:uFillTx/>
-              <a:ea typeface="+mn-ea"/>
-              <a:cs typeface="Arial" panose="020B0604020202020204" pitchFamily="34" charset="0"/>
-            </a:endParaRPr>
-          </a:p>
-        </p:txBody>
-      </p:sp>
-      <p:sp>
-        <p:nvSpPr>
-          <p:cNvPr id="9658" name="Google Shape;66;p15">
-            <a:extLst>
-              <a:ext uri="{FF2B5EF4-FFF2-40B4-BE49-F238E27FC236}">
-                <a16:creationId xmlns:a16="http://schemas.microsoft.com/office/drawing/2014/main" id="{8C14C4B5-33D5-FC2D-5E77-F46FC2267BBD}"/>
-              </a:ext>
-            </a:extLst>
-          </p:cNvPr>
-          <p:cNvSpPr txBox="1"/>
-          <p:nvPr/>
-        </p:nvSpPr>
-        <p:spPr>
-          <a:xfrm>
-            <a:off x="2070765" y="5160486"/>
-            <a:ext cx="744214" cy="402745"/>
-          </a:xfrm>
-          <a:prstGeom prst="rect">
-            <a:avLst/>
-          </a:prstGeom>
-          <a:noFill/>
-          <a:ln>
-            <a:noFill/>
-          </a:ln>
-        </p:spPr>
-        <p:txBody>
-          <a:bodyPr spcFirstLastPara="1" wrap="square" lIns="121900" tIns="121900" rIns="121900" bIns="121900" anchor="t" anchorCtr="0">
-            <a:noAutofit/>
-          </a:bodyPr>
-          <a:lstStyle/>
-          <a:p>
-            <a:pPr marL="0" marR="0" lvl="0" indent="0" algn="ctr" defTabSz="914400" rtl="0" eaLnBrk="1" fontAlgn="auto" latinLnBrk="0" hangingPunct="1">
-              <a:lnSpc>
-                <a:spcPct val="100000"/>
-              </a:lnSpc>
-              <a:spcBef>
-                <a:spcPts val="0"/>
-              </a:spcBef>
-              <a:spcAft>
-                <a:spcPts val="0"/>
-              </a:spcAft>
-              <a:buClrTx/>
-              <a:buSzTx/>
-              <a:buFontTx/>
-              <a:buNone/>
-              <a:tabLst/>
-              <a:defRPr/>
-            </a:pPr>
-            <a:r>
-              <a:rPr kumimoji="0" lang="en" sz="1050" b="0" i="0" u="none" strike="noStrike" kern="1200" cap="none" spc="0" normalizeH="0" baseline="0" noProof="0" dirty="0">
-                <a:ln>
-                  <a:noFill/>
-                </a:ln>
-                <a:effectLst/>
-                <a:uLnTx/>
-                <a:uFillTx/>
-                <a:ea typeface="+mn-ea"/>
-                <a:cs typeface="Arial" panose="020B0604020202020204" pitchFamily="34" charset="0"/>
-              </a:rPr>
-              <a:t>Release</a:t>
-            </a:r>
-            <a:br>
-              <a:rPr kumimoji="0" lang="en" sz="1050" b="0" i="0" u="none" strike="noStrike" kern="1200" cap="none" spc="0" normalizeH="0" baseline="0" noProof="0" dirty="0">
-                <a:ln>
-                  <a:noFill/>
-                </a:ln>
-                <a:effectLst/>
-                <a:uLnTx/>
-                <a:uFillTx/>
-                <a:ea typeface="+mn-ea"/>
-                <a:cs typeface="Arial" panose="020B0604020202020204" pitchFamily="34" charset="0"/>
-              </a:rPr>
-            </a:br>
-            <a:r>
-              <a:rPr kumimoji="0" lang="en" sz="1050" b="0" i="0" u="none" strike="noStrike" kern="1200" cap="none" spc="0" normalizeH="0" baseline="0" noProof="0" dirty="0">
-                <a:ln>
-                  <a:noFill/>
-                </a:ln>
-                <a:effectLst/>
-                <a:uLnTx/>
-                <a:uFillTx/>
-                <a:ea typeface="+mn-ea"/>
-                <a:cs typeface="Arial" panose="020B0604020202020204" pitchFamily="34" charset="0"/>
-              </a:rPr>
-              <a:t>v1.0</a:t>
-            </a:r>
-            <a:endParaRPr kumimoji="0" sz="1050" b="0" i="0" u="none" strike="noStrike" kern="1200" cap="none" spc="0" normalizeH="0" baseline="0" noProof="0" dirty="0">
-              <a:ln>
-                <a:noFill/>
-              </a:ln>
-              <a:effectLst/>
-              <a:uLnTx/>
-              <a:uFillTx/>
-              <a:ea typeface="+mn-ea"/>
-              <a:cs typeface="Arial" panose="020B0604020202020204" pitchFamily="34" charset="0"/>
-            </a:endParaRPr>
-          </a:p>
-        </p:txBody>
-      </p:sp>
-      <p:sp>
-        <p:nvSpPr>
-          <p:cNvPr id="9659" name="Google Shape;66;p15">
-            <a:extLst>
-              <a:ext uri="{FF2B5EF4-FFF2-40B4-BE49-F238E27FC236}">
-                <a16:creationId xmlns:a16="http://schemas.microsoft.com/office/drawing/2014/main" id="{C4CC5DBD-7F0D-1A4C-5202-78613B4F5AB3}"/>
-              </a:ext>
-            </a:extLst>
-          </p:cNvPr>
-          <p:cNvSpPr txBox="1"/>
-          <p:nvPr/>
-        </p:nvSpPr>
-        <p:spPr>
-          <a:xfrm>
-            <a:off x="4634915" y="4493825"/>
-            <a:ext cx="636960" cy="195814"/>
-          </a:xfrm>
-          <a:prstGeom prst="rect">
-            <a:avLst/>
-          </a:prstGeom>
-          <a:noFill/>
-          <a:ln>
-            <a:noFill/>
-          </a:ln>
-        </p:spPr>
-        <p:txBody>
-          <a:bodyPr spcFirstLastPara="1" wrap="none" lIns="36000" tIns="36000" rIns="36000" bIns="36000" anchor="t" anchorCtr="0">
-            <a:spAutoFit/>
-          </a:bodyPr>
-          <a:lstStyle/>
-          <a:p>
-            <a:pPr marL="0" marR="0" lvl="0" indent="0" algn="ctr" defTabSz="914400" rtl="0" eaLnBrk="1" fontAlgn="auto" latinLnBrk="0" hangingPunct="1">
-              <a:lnSpc>
-                <a:spcPct val="100000"/>
-              </a:lnSpc>
-              <a:spcBef>
-                <a:spcPts val="0"/>
-              </a:spcBef>
-              <a:spcAft>
-                <a:spcPts val="0"/>
-              </a:spcAft>
-              <a:buClrTx/>
-              <a:buSzTx/>
-              <a:buFontTx/>
-              <a:buNone/>
-              <a:tabLst/>
-              <a:defRPr/>
-            </a:pPr>
-            <a:r>
-              <a:rPr kumimoji="0" lang="en" sz="800" b="0" i="0" u="none" strike="noStrike" kern="1200" cap="none" spc="0" normalizeH="0" baseline="0" noProof="0" dirty="0">
-                <a:ln>
-                  <a:noFill/>
-                </a:ln>
-                <a:effectLst/>
-                <a:uLnTx/>
-                <a:uFillTx/>
-                <a:ea typeface="+mn-ea"/>
-                <a:cs typeface="Arial" panose="020B0604020202020204" pitchFamily="34" charset="0"/>
-              </a:rPr>
-              <a:t>Tech Leader</a:t>
-            </a:r>
-            <a:endParaRPr kumimoji="0" sz="800" b="0" i="0" u="none" strike="noStrike" kern="1200" cap="none" spc="0" normalizeH="0" baseline="0" noProof="0" dirty="0">
-              <a:ln>
-                <a:noFill/>
-              </a:ln>
-              <a:effectLst/>
-              <a:uLnTx/>
-              <a:uFillTx/>
-              <a:ea typeface="+mn-ea"/>
-              <a:cs typeface="Arial" panose="020B0604020202020204" pitchFamily="34" charset="0"/>
-            </a:endParaRPr>
-          </a:p>
-        </p:txBody>
-      </p:sp>
-      <p:sp>
-        <p:nvSpPr>
-          <p:cNvPr id="9660" name="Google Shape;66;p15">
-            <a:extLst>
-              <a:ext uri="{FF2B5EF4-FFF2-40B4-BE49-F238E27FC236}">
-                <a16:creationId xmlns:a16="http://schemas.microsoft.com/office/drawing/2014/main" id="{D3BCA397-00EB-E5DD-6312-2B285F56A950}"/>
-              </a:ext>
-            </a:extLst>
-          </p:cNvPr>
-          <p:cNvSpPr txBox="1"/>
-          <p:nvPr/>
-        </p:nvSpPr>
-        <p:spPr>
-          <a:xfrm>
-            <a:off x="5140500" y="4354803"/>
-            <a:ext cx="1359411" cy="327763"/>
-          </a:xfrm>
-          <a:prstGeom prst="rect">
-            <a:avLst/>
-          </a:prstGeom>
-          <a:noFill/>
-          <a:ln>
-            <a:noFill/>
-          </a:ln>
-        </p:spPr>
-        <p:txBody>
-          <a:bodyPr spcFirstLastPara="1" wrap="square" lIns="121900" tIns="121900" rIns="121900" bIns="121900" anchor="ctr" anchorCtr="0">
-            <a:noAutofit/>
-          </a:bodyPr>
-          <a:lstStyle/>
-          <a:p>
-            <a:pPr marL="0" marR="0" lvl="0" indent="0" algn="ctr" defTabSz="914400" rtl="0" eaLnBrk="1" fontAlgn="auto" latinLnBrk="0" hangingPunct="1">
-              <a:lnSpc>
-                <a:spcPct val="100000"/>
-              </a:lnSpc>
-              <a:spcBef>
-                <a:spcPts val="0"/>
-              </a:spcBef>
-              <a:spcAft>
-                <a:spcPts val="0"/>
-              </a:spcAft>
-              <a:buClrTx/>
-              <a:buSzTx/>
-              <a:buFontTx/>
-              <a:buNone/>
-              <a:tabLst/>
-              <a:defRPr/>
-            </a:pPr>
-            <a:r>
-              <a:rPr kumimoji="0" lang="es-ES_tradnl" sz="1050" b="0" i="0" u="none" strike="noStrike" kern="1200" cap="none" spc="0" normalizeH="0" baseline="0" noProof="0" dirty="0" err="1">
-                <a:ln>
-                  <a:noFill/>
-                </a:ln>
-                <a:effectLst/>
-                <a:uLnTx/>
-                <a:uFillTx/>
-                <a:ea typeface="+mn-ea"/>
-                <a:cs typeface="Arial" panose="020B0604020202020204" pitchFamily="34" charset="0"/>
-              </a:rPr>
-              <a:t>Code</a:t>
-            </a:r>
-            <a:r>
-              <a:rPr kumimoji="0" lang="es-ES_tradnl" sz="1050" b="0" i="0" u="none" strike="noStrike" kern="1200" cap="none" spc="0" normalizeH="0" baseline="0" noProof="0" dirty="0">
-                <a:ln>
-                  <a:noFill/>
-                </a:ln>
-                <a:effectLst/>
-                <a:uLnTx/>
-                <a:uFillTx/>
-                <a:ea typeface="+mn-ea"/>
-                <a:cs typeface="Arial" panose="020B0604020202020204" pitchFamily="34" charset="0"/>
-              </a:rPr>
-              <a:t> </a:t>
-            </a:r>
-            <a:r>
-              <a:rPr kumimoji="0" lang="es-ES_tradnl" sz="1050" b="0" i="0" u="none" strike="noStrike" kern="1200" cap="none" spc="0" normalizeH="0" baseline="0" noProof="0" dirty="0" err="1">
-                <a:ln>
-                  <a:noFill/>
-                </a:ln>
-                <a:effectLst/>
-                <a:uLnTx/>
-                <a:uFillTx/>
-                <a:ea typeface="+mn-ea"/>
-                <a:cs typeface="Arial" panose="020B0604020202020204" pitchFamily="34" charset="0"/>
-              </a:rPr>
-              <a:t>Review</a:t>
-            </a:r>
-            <a:r>
-              <a:rPr kumimoji="0" lang="es-ES_tradnl" sz="1050" b="0" i="0" u="none" strike="noStrike" kern="1200" cap="none" spc="0" normalizeH="0" baseline="0" noProof="0" dirty="0">
-                <a:ln>
-                  <a:noFill/>
-                </a:ln>
-                <a:effectLst/>
-                <a:uLnTx/>
-                <a:uFillTx/>
-                <a:ea typeface="+mn-ea"/>
-                <a:cs typeface="Arial" panose="020B0604020202020204" pitchFamily="34" charset="0"/>
-              </a:rPr>
-              <a:t> and </a:t>
-            </a:r>
-            <a:br>
-              <a:rPr kumimoji="0" lang="es-ES_tradnl" sz="1050" b="0" i="0" u="none" strike="noStrike" kern="1200" cap="none" spc="0" normalizeH="0" baseline="0" noProof="0" dirty="0">
-                <a:ln>
-                  <a:noFill/>
-                </a:ln>
-                <a:effectLst/>
-                <a:uLnTx/>
-                <a:uFillTx/>
-                <a:ea typeface="+mn-ea"/>
-                <a:cs typeface="Arial" panose="020B0604020202020204" pitchFamily="34" charset="0"/>
-              </a:rPr>
-            </a:br>
-            <a:r>
-              <a:rPr kumimoji="0" lang="es-ES_tradnl" sz="1050" b="0" i="0" u="none" strike="noStrike" kern="1200" cap="none" spc="0" normalizeH="0" baseline="0" noProof="0" dirty="0" err="1">
-                <a:ln>
-                  <a:noFill/>
-                </a:ln>
-                <a:effectLst/>
-                <a:uLnTx/>
-                <a:uFillTx/>
-                <a:ea typeface="+mn-ea"/>
-                <a:cs typeface="Arial" panose="020B0604020202020204" pitchFamily="34" charset="0"/>
-              </a:rPr>
-              <a:t>Approve</a:t>
-            </a:r>
-            <a:r>
-              <a:rPr kumimoji="0" lang="es-ES_tradnl" sz="1050" b="0" i="0" u="none" strike="noStrike" kern="1200" cap="none" spc="0" normalizeH="0" baseline="0" noProof="0" dirty="0">
-                <a:ln>
-                  <a:noFill/>
-                </a:ln>
-                <a:effectLst/>
-                <a:uLnTx/>
-                <a:uFillTx/>
-                <a:ea typeface="+mn-ea"/>
-                <a:cs typeface="Arial" panose="020B0604020202020204" pitchFamily="34" charset="0"/>
-              </a:rPr>
-              <a:t> PR</a:t>
-            </a:r>
-          </a:p>
-        </p:txBody>
-      </p:sp>
-      <p:cxnSp>
-        <p:nvCxnSpPr>
-          <p:cNvPr id="9661" name="Google Shape;72;p15">
-            <a:extLst>
-              <a:ext uri="{FF2B5EF4-FFF2-40B4-BE49-F238E27FC236}">
-                <a16:creationId xmlns:a16="http://schemas.microsoft.com/office/drawing/2014/main" id="{36BDEE33-7E06-9BE7-3DE2-99538302E74E}"/>
-              </a:ext>
-            </a:extLst>
-          </p:cNvPr>
-          <p:cNvCxnSpPr>
-            <a:cxnSpLocks/>
-          </p:cNvCxnSpPr>
-          <p:nvPr/>
-        </p:nvCxnSpPr>
-        <p:spPr>
-          <a:xfrm flipH="1" flipV="1">
-            <a:off x="3972579" y="3594084"/>
-            <a:ext cx="0" cy="1162720"/>
-          </a:xfrm>
-          <a:prstGeom prst="straightConnector1">
-            <a:avLst/>
-          </a:prstGeom>
-          <a:noFill/>
-          <a:ln w="6350" cap="flat" cmpd="sng">
-            <a:solidFill>
-              <a:schemeClr val="tx1"/>
-            </a:solidFill>
-            <a:prstDash val="sysDash"/>
-            <a:round/>
-            <a:headEnd type="none" w="med" len="med"/>
-            <a:tailEnd type="triangle" w="med" len="med"/>
-          </a:ln>
-        </p:spPr>
-      </p:cxnSp>
-      <p:sp>
-        <p:nvSpPr>
-          <p:cNvPr id="9662" name="Google Shape;66;p15">
-            <a:extLst>
-              <a:ext uri="{FF2B5EF4-FFF2-40B4-BE49-F238E27FC236}">
-                <a16:creationId xmlns:a16="http://schemas.microsoft.com/office/drawing/2014/main" id="{F222D3DF-DF7D-1A40-D081-AEDC94C84FA4}"/>
-              </a:ext>
-            </a:extLst>
-          </p:cNvPr>
-          <p:cNvSpPr txBox="1"/>
-          <p:nvPr/>
-        </p:nvSpPr>
-        <p:spPr>
-          <a:xfrm>
-            <a:off x="3917852" y="4010777"/>
-            <a:ext cx="481934" cy="377170"/>
-          </a:xfrm>
-          <a:prstGeom prst="rect">
-            <a:avLst/>
-          </a:prstGeom>
-          <a:noFill/>
-          <a:ln>
-            <a:noFill/>
-          </a:ln>
-        </p:spPr>
-        <p:txBody>
-          <a:bodyPr spcFirstLastPara="1" wrap="square" lIns="121900" tIns="121900" rIns="121900" bIns="121900" anchor="ctr" anchorCtr="0">
-            <a:noAutofit/>
-          </a:bodyPr>
-          <a:lstStyle/>
-          <a:p>
-            <a:pPr marL="0" marR="0" lvl="0" indent="0" algn="ctr" defTabSz="914400" rtl="0" eaLnBrk="1" fontAlgn="auto" latinLnBrk="0" hangingPunct="1">
-              <a:lnSpc>
-                <a:spcPct val="100000"/>
-              </a:lnSpc>
-              <a:spcBef>
-                <a:spcPts val="0"/>
-              </a:spcBef>
-              <a:spcAft>
-                <a:spcPts val="0"/>
-              </a:spcAft>
-              <a:buClrTx/>
-              <a:buSzTx/>
-              <a:buFontTx/>
-              <a:buNone/>
-              <a:tabLst/>
-              <a:defRPr/>
-            </a:pPr>
-            <a:r>
-              <a:rPr kumimoji="0" lang="en" sz="1050" b="0" i="0" u="none" strike="noStrike" kern="1200" cap="none" spc="0" normalizeH="0" baseline="0" noProof="0" dirty="0">
-                <a:ln>
-                  <a:noFill/>
-                </a:ln>
-                <a:effectLst/>
-                <a:uLnTx/>
-                <a:uFillTx/>
-                <a:ea typeface="+mn-ea"/>
-                <a:cs typeface="Arial" panose="020B0604020202020204" pitchFamily="34" charset="0"/>
-              </a:rPr>
-              <a:t>Pull</a:t>
-            </a:r>
-            <a:endParaRPr kumimoji="0" sz="1050" b="0" i="0" u="none" strike="noStrike" kern="1200" cap="none" spc="0" normalizeH="0" baseline="0" noProof="0" dirty="0">
-              <a:ln>
-                <a:noFill/>
-              </a:ln>
-              <a:effectLst/>
-              <a:uLnTx/>
-              <a:uFillTx/>
-              <a:ea typeface="+mn-ea"/>
-              <a:cs typeface="Arial" panose="020B0604020202020204" pitchFamily="34" charset="0"/>
-            </a:endParaRPr>
-          </a:p>
-        </p:txBody>
-      </p:sp>
-      <p:grpSp>
-        <p:nvGrpSpPr>
-          <p:cNvPr id="9663" name="Group 71">
-            <a:extLst>
-              <a:ext uri="{FF2B5EF4-FFF2-40B4-BE49-F238E27FC236}">
-                <a16:creationId xmlns:a16="http://schemas.microsoft.com/office/drawing/2014/main" id="{33B2DBAA-013B-5BDB-2199-F6B38ABD3322}"/>
-              </a:ext>
-            </a:extLst>
-          </p:cNvPr>
-          <p:cNvGrpSpPr/>
-          <p:nvPr/>
-        </p:nvGrpSpPr>
-        <p:grpSpPr>
-          <a:xfrm>
-            <a:off x="6874767" y="3430206"/>
-            <a:ext cx="2038101" cy="559773"/>
-            <a:chOff x="6178679" y="2736672"/>
-            <a:chExt cx="2241046" cy="615513"/>
-          </a:xfrm>
-        </p:grpSpPr>
-        <p:sp>
-          <p:nvSpPr>
-            <p:cNvPr id="9664" name="Shape 114">
-              <a:extLst>
-                <a:ext uri="{FF2B5EF4-FFF2-40B4-BE49-F238E27FC236}">
-                  <a16:creationId xmlns:a16="http://schemas.microsoft.com/office/drawing/2014/main" id="{D6F0B2F4-78D2-283A-2456-6246F4196C99}"/>
-                </a:ext>
-              </a:extLst>
-            </p:cNvPr>
-            <p:cNvSpPr txBox="1"/>
-            <p:nvPr/>
-          </p:nvSpPr>
-          <p:spPr>
-            <a:xfrm>
-              <a:off x="6531663" y="2736672"/>
-              <a:ext cx="1888062" cy="615513"/>
-            </a:xfrm>
-            <a:prstGeom prst="rect">
-              <a:avLst/>
-            </a:prstGeom>
-            <a:noFill/>
-            <a:ln>
-              <a:noFill/>
-            </a:ln>
-          </p:spPr>
-          <p:txBody>
-            <a:bodyPr spcFirstLastPara="1" wrap="square" lIns="108000" tIns="121900" rIns="36000" bIns="121900" anchor="ctr" anchorCtr="0">
-              <a:noAutofit/>
-            </a:bodyPr>
-            <a:lstStyle/>
-            <a:p>
-              <a:pPr marL="0" marR="0" lvl="0" indent="0" algn="l" defTabSz="914400" rtl="0" eaLnBrk="1" fontAlgn="auto" latinLnBrk="0" hangingPunct="1">
-                <a:lnSpc>
-                  <a:spcPct val="100000"/>
-                </a:lnSpc>
-                <a:spcBef>
-                  <a:spcPts val="0"/>
-                </a:spcBef>
-                <a:spcAft>
-                  <a:spcPts val="0"/>
-                </a:spcAft>
-                <a:buClrTx/>
-                <a:buSzTx/>
-                <a:buFontTx/>
-                <a:buNone/>
-                <a:tabLst/>
-                <a:defRPr/>
-              </a:pPr>
-              <a:r>
-                <a:rPr kumimoji="0" lang="es-PE" sz="1050" b="0" i="0" u="none" strike="noStrike" kern="1200" cap="none" spc="0" normalizeH="0" baseline="0" noProof="0" dirty="0">
-                  <a:ln>
-                    <a:noFill/>
-                  </a:ln>
-                  <a:effectLst/>
-                  <a:uLnTx/>
-                  <a:uFillTx/>
-                  <a:ea typeface="Open Sans" panose="020B0606030504020204" pitchFamily="34" charset="0"/>
-                  <a:cs typeface="Arial" panose="020B0604020202020204" pitchFamily="34" charset="0"/>
-                </a:rPr>
-                <a:t>Continuous Integration</a:t>
-              </a:r>
-              <a:endParaRPr kumimoji="0" sz="1050" b="0" i="0" u="none" strike="noStrike" kern="1200" cap="none" spc="0" normalizeH="0" baseline="0" noProof="0" dirty="0">
-                <a:ln>
-                  <a:noFill/>
-                </a:ln>
-                <a:effectLst/>
-                <a:uLnTx/>
-                <a:uFillTx/>
-                <a:ea typeface="Open Sans" panose="020B0606030504020204" pitchFamily="34" charset="0"/>
-                <a:cs typeface="Arial" panose="020B0604020202020204" pitchFamily="34" charset="0"/>
-              </a:endParaRPr>
-            </a:p>
-          </p:txBody>
-        </p:sp>
-        <p:pic>
-          <p:nvPicPr>
-            <p:cNvPr id="9665" name="Graphic 73" descr="Single gear">
-              <a:extLst>
-                <a:ext uri="{FF2B5EF4-FFF2-40B4-BE49-F238E27FC236}">
-                  <a16:creationId xmlns:a16="http://schemas.microsoft.com/office/drawing/2014/main" id="{6244D32A-BD9B-200A-BD7B-405062A81EBE}"/>
-                </a:ext>
-              </a:extLst>
-            </p:cNvPr>
-            <p:cNvPicPr>
-              <a:picLocks noChangeAspect="1"/>
-            </p:cNvPicPr>
-            <p:nvPr/>
-          </p:nvPicPr>
-          <p:blipFill>
-            <a:blip r:embed="rId10" cstate="screen">
-              <a:extLst>
-                <a:ext uri="{28A0092B-C50C-407E-A947-70E740481C1C}">
-                  <a14:useLocalDpi xmlns:a14="http://schemas.microsoft.com/office/drawing/2010/main"/>
-                </a:ext>
-                <a:ext uri="{96DAC541-7B7A-43D3-8B79-37D633B846F1}">
-                  <asvg:svgBlip xmlns:asvg="http://schemas.microsoft.com/office/drawing/2016/SVG/main" r:embed="rId11"/>
-                </a:ext>
-              </a:extLst>
-            </a:blip>
-            <a:stretch>
-              <a:fillRect/>
-            </a:stretch>
-          </p:blipFill>
-          <p:spPr>
-            <a:xfrm>
-              <a:off x="6178679" y="2808355"/>
-              <a:ext cx="457200" cy="458329"/>
-            </a:xfrm>
-            <a:prstGeom prst="rect">
-              <a:avLst/>
-            </a:prstGeom>
-          </p:spPr>
-        </p:pic>
-      </p:grpSp>
-      <p:cxnSp>
-        <p:nvCxnSpPr>
-          <p:cNvPr id="9666" name="Google Shape;166;p17">
-            <a:extLst>
-              <a:ext uri="{FF2B5EF4-FFF2-40B4-BE49-F238E27FC236}">
-                <a16:creationId xmlns:a16="http://schemas.microsoft.com/office/drawing/2014/main" id="{70D387EA-1C79-45CD-A263-F7120FFD4901}"/>
-              </a:ext>
-            </a:extLst>
-          </p:cNvPr>
-          <p:cNvCxnSpPr>
-            <a:cxnSpLocks/>
-            <a:endCxn id="9665" idx="1"/>
-          </p:cNvCxnSpPr>
-          <p:nvPr/>
-        </p:nvCxnSpPr>
-        <p:spPr>
-          <a:xfrm flipV="1">
-            <a:off x="5850340" y="3703809"/>
-            <a:ext cx="1024427" cy="0"/>
-          </a:xfrm>
-          <a:prstGeom prst="straightConnector1">
-            <a:avLst/>
-          </a:prstGeom>
-          <a:noFill/>
-          <a:ln w="6350" cap="flat" cmpd="sng">
-            <a:solidFill>
-              <a:srgbClr val="000000"/>
-            </a:solidFill>
-            <a:prstDash val="solid"/>
-            <a:round/>
-            <a:headEnd type="none" w="med" len="med"/>
-            <a:tailEnd type="triangle" w="med" len="med"/>
-          </a:ln>
-        </p:spPr>
-      </p:cxnSp>
-      <p:grpSp>
-        <p:nvGrpSpPr>
-          <p:cNvPr id="9667" name="Group 75">
-            <a:extLst>
-              <a:ext uri="{FF2B5EF4-FFF2-40B4-BE49-F238E27FC236}">
-                <a16:creationId xmlns:a16="http://schemas.microsoft.com/office/drawing/2014/main" id="{A71BBC74-B22E-29CC-FDD9-EF5C96C0F651}"/>
-              </a:ext>
-            </a:extLst>
-          </p:cNvPr>
-          <p:cNvGrpSpPr/>
-          <p:nvPr/>
-        </p:nvGrpSpPr>
-        <p:grpSpPr>
-          <a:xfrm>
-            <a:off x="4392927" y="5655513"/>
-            <a:ext cx="1699066" cy="416824"/>
-            <a:chOff x="5025518" y="1732174"/>
-            <a:chExt cx="1872865" cy="458329"/>
-          </a:xfrm>
-        </p:grpSpPr>
-        <p:sp>
-          <p:nvSpPr>
-            <p:cNvPr id="9668" name="Shape 114">
-              <a:extLst>
-                <a:ext uri="{FF2B5EF4-FFF2-40B4-BE49-F238E27FC236}">
-                  <a16:creationId xmlns:a16="http://schemas.microsoft.com/office/drawing/2014/main" id="{1B04F188-DCB4-2EC1-8CAD-940051A6697D}"/>
-                </a:ext>
-              </a:extLst>
-            </p:cNvPr>
-            <p:cNvSpPr txBox="1"/>
-            <p:nvPr/>
-          </p:nvSpPr>
-          <p:spPr>
-            <a:xfrm>
-              <a:off x="5370298" y="1804161"/>
-              <a:ext cx="1528085" cy="328173"/>
-            </a:xfrm>
-            <a:prstGeom prst="rect">
-              <a:avLst/>
-            </a:prstGeom>
-            <a:noFill/>
-            <a:ln>
-              <a:noFill/>
-            </a:ln>
-          </p:spPr>
-          <p:txBody>
-            <a:bodyPr spcFirstLastPara="1" wrap="square" lIns="121900" tIns="121900" rIns="121900" bIns="121900" anchor="ctr" anchorCtr="0">
-              <a:noAutofit/>
-            </a:bodyPr>
-            <a:lstStyle/>
-            <a:p>
-              <a:pPr marL="0" marR="0" lvl="0" indent="0" algn="l" defTabSz="914400" rtl="0" eaLnBrk="1" fontAlgn="auto" latinLnBrk="0" hangingPunct="1">
-                <a:lnSpc>
-                  <a:spcPct val="100000"/>
-                </a:lnSpc>
-                <a:spcBef>
-                  <a:spcPts val="0"/>
-                </a:spcBef>
-                <a:spcAft>
-                  <a:spcPts val="0"/>
-                </a:spcAft>
-                <a:buClrTx/>
-                <a:buSzTx/>
-                <a:buFontTx/>
-                <a:buNone/>
-                <a:tabLst/>
-                <a:defRPr/>
-              </a:pPr>
-              <a:r>
-                <a:rPr kumimoji="0" lang="es-PE" sz="1050" b="0" i="0" u="none" strike="noStrike" kern="1200" cap="none" spc="0" normalizeH="0" baseline="0" noProof="0" dirty="0">
-                  <a:ln>
-                    <a:noFill/>
-                  </a:ln>
-                  <a:effectLst/>
-                  <a:uLnTx/>
-                  <a:uFillTx/>
-                  <a:ea typeface="Open Sans" panose="020B0606030504020204" pitchFamily="34" charset="0"/>
-                  <a:cs typeface="Arial" panose="020B0604020202020204" pitchFamily="34" charset="0"/>
-                </a:rPr>
-                <a:t>Deploy QA</a:t>
-              </a:r>
-              <a:endParaRPr kumimoji="0" sz="1050" b="0" i="0" u="none" strike="noStrike" kern="1200" cap="none" spc="0" normalizeH="0" baseline="0" noProof="0" dirty="0">
-                <a:ln>
-                  <a:noFill/>
-                </a:ln>
-                <a:effectLst/>
-                <a:uLnTx/>
-                <a:uFillTx/>
-                <a:ea typeface="Open Sans" panose="020B0606030504020204" pitchFamily="34" charset="0"/>
-                <a:cs typeface="Arial" panose="020B0604020202020204" pitchFamily="34" charset="0"/>
-              </a:endParaRPr>
-            </a:p>
-          </p:txBody>
-        </p:sp>
-        <p:pic>
-          <p:nvPicPr>
-            <p:cNvPr id="9669" name="Graphic 77" descr="Single gear">
-              <a:extLst>
-                <a:ext uri="{FF2B5EF4-FFF2-40B4-BE49-F238E27FC236}">
-                  <a16:creationId xmlns:a16="http://schemas.microsoft.com/office/drawing/2014/main" id="{4AF863C2-646D-4A7E-29B3-0C846147EB52}"/>
-                </a:ext>
-              </a:extLst>
-            </p:cNvPr>
-            <p:cNvPicPr>
-              <a:picLocks noChangeAspect="1"/>
-            </p:cNvPicPr>
-            <p:nvPr/>
-          </p:nvPicPr>
-          <p:blipFill>
-            <a:blip r:embed="rId10" cstate="screen">
-              <a:extLst>
-                <a:ext uri="{28A0092B-C50C-407E-A947-70E740481C1C}">
-                  <a14:useLocalDpi xmlns:a14="http://schemas.microsoft.com/office/drawing/2010/main"/>
-                </a:ext>
-                <a:ext uri="{96DAC541-7B7A-43D3-8B79-37D633B846F1}">
-                  <asvg:svgBlip xmlns:asvg="http://schemas.microsoft.com/office/drawing/2016/SVG/main" r:embed="rId11"/>
-                </a:ext>
-              </a:extLst>
-            </a:blip>
-            <a:stretch>
-              <a:fillRect/>
-            </a:stretch>
-          </p:blipFill>
-          <p:spPr>
-            <a:xfrm>
-              <a:off x="5025516" y="1732174"/>
-              <a:ext cx="458329" cy="458329"/>
-            </a:xfrm>
-            <a:prstGeom prst="rect">
-              <a:avLst/>
-            </a:prstGeom>
-          </p:spPr>
-        </p:pic>
-      </p:grpSp>
-      <p:cxnSp>
-        <p:nvCxnSpPr>
-          <p:cNvPr id="9670" name="Google Shape;166;p17">
-            <a:extLst>
-              <a:ext uri="{FF2B5EF4-FFF2-40B4-BE49-F238E27FC236}">
-                <a16:creationId xmlns:a16="http://schemas.microsoft.com/office/drawing/2014/main" id="{E02354B4-9631-7A02-8F2B-230B47877176}"/>
-              </a:ext>
-            </a:extLst>
-          </p:cNvPr>
-          <p:cNvCxnSpPr>
-            <a:cxnSpLocks/>
-          </p:cNvCxnSpPr>
-          <p:nvPr/>
-        </p:nvCxnSpPr>
-        <p:spPr>
-          <a:xfrm>
-            <a:off x="4600824" y="5580363"/>
-            <a:ext cx="0" cy="99849"/>
-          </a:xfrm>
-          <a:prstGeom prst="straightConnector1">
-            <a:avLst/>
-          </a:prstGeom>
-          <a:noFill/>
-          <a:ln w="6350" cap="flat" cmpd="sng">
-            <a:solidFill>
-              <a:srgbClr val="000000"/>
-            </a:solidFill>
-            <a:prstDash val="solid"/>
-            <a:round/>
-            <a:headEnd type="none" w="med" len="med"/>
-            <a:tailEnd type="triangle" w="med" len="med"/>
-          </a:ln>
-        </p:spPr>
-      </p:cxnSp>
-      <p:grpSp>
-        <p:nvGrpSpPr>
-          <p:cNvPr id="9671" name="Group 79">
-            <a:extLst>
-              <a:ext uri="{FF2B5EF4-FFF2-40B4-BE49-F238E27FC236}">
-                <a16:creationId xmlns:a16="http://schemas.microsoft.com/office/drawing/2014/main" id="{A047F094-291B-9DF4-6EAA-F769106E7F5D}"/>
-              </a:ext>
-            </a:extLst>
-          </p:cNvPr>
-          <p:cNvGrpSpPr>
-            <a:grpSpLocks noChangeAspect="1"/>
-          </p:cNvGrpSpPr>
-          <p:nvPr/>
-        </p:nvGrpSpPr>
-        <p:grpSpPr>
-          <a:xfrm>
-            <a:off x="5245030" y="3458828"/>
-            <a:ext cx="674865" cy="463510"/>
-            <a:chOff x="3424036" y="4960128"/>
-            <a:chExt cx="860582" cy="591064"/>
-          </a:xfrm>
-        </p:grpSpPr>
-        <p:pic>
-          <p:nvPicPr>
-            <p:cNvPr id="9672" name="Picture 6" descr="GitHub Actions · GitHub">
-              <a:extLst>
-                <a:ext uri="{FF2B5EF4-FFF2-40B4-BE49-F238E27FC236}">
-                  <a16:creationId xmlns:a16="http://schemas.microsoft.com/office/drawing/2014/main" id="{0F0EFCEB-CE8A-723C-6288-6BFF95AA0988}"/>
-                </a:ext>
-              </a:extLst>
-            </p:cNvPr>
-            <p:cNvPicPr>
-              <a:picLocks noChangeAspect="1" noChangeArrowheads="1"/>
-            </p:cNvPicPr>
-            <p:nvPr/>
-          </p:nvPicPr>
-          <p:blipFill>
-            <a:blip r:embed="rId12" cstate="screen">
-              <a:extLst>
-                <a:ext uri="{28A0092B-C50C-407E-A947-70E740481C1C}">
-                  <a14:useLocalDpi xmlns:a14="http://schemas.microsoft.com/office/drawing/2010/main"/>
-                </a:ext>
-              </a:extLst>
-            </a:blip>
-            <a:srcRect/>
-            <a:stretch>
-              <a:fillRect/>
-            </a:stretch>
-          </p:blipFill>
-          <p:spPr bwMode="auto">
-            <a:xfrm>
-              <a:off x="3681940" y="4960128"/>
-              <a:ext cx="411844" cy="411845"/>
-            </a:xfrm>
-            <a:prstGeom prst="rect">
-              <a:avLst/>
-            </a:prstGeom>
-            <a:noFill/>
-            <a:extLst>
-              <a:ext uri="{909E8E84-426E-40DD-AFC4-6F175D3DCCD1}">
-                <a14:hiddenFill xmlns:a14="http://schemas.microsoft.com/office/drawing/2010/main">
-                  <a:solidFill>
-                    <a:srgbClr val="FFFFFF"/>
-                  </a:solidFill>
-                </a14:hiddenFill>
-              </a:ext>
-            </a:extLst>
-          </p:spPr>
-        </p:pic>
-        <p:sp>
-          <p:nvSpPr>
-            <p:cNvPr id="9673" name="TextBox 81">
-              <a:extLst>
-                <a:ext uri="{FF2B5EF4-FFF2-40B4-BE49-F238E27FC236}">
-                  <a16:creationId xmlns:a16="http://schemas.microsoft.com/office/drawing/2014/main" id="{B397D8C1-77EA-A276-7253-217B6A5BFB10}"/>
-                </a:ext>
-              </a:extLst>
-            </p:cNvPr>
-            <p:cNvSpPr txBox="1"/>
-            <p:nvPr/>
-          </p:nvSpPr>
-          <p:spPr>
-            <a:xfrm>
-              <a:off x="3424036" y="5394202"/>
-              <a:ext cx="860582" cy="156990"/>
-            </a:xfrm>
-            <a:prstGeom prst="rect">
-              <a:avLst/>
-            </a:prstGeom>
-          </p:spPr>
-          <p:txBody>
-            <a:bodyPr vert="horz" wrap="none" lIns="0" tIns="0" rIns="0" bIns="0" rtlCol="0">
-              <a:spAutoFit/>
-            </a:bodyPr>
-            <a:lstStyle>
-              <a:lvl1pPr lvl="0" indent="0">
-                <a:lnSpc>
-                  <a:spcPct val="100000"/>
-                </a:lnSpc>
-                <a:spcBef>
-                  <a:spcPts val="300"/>
-                </a:spcBef>
-                <a:spcAft>
-                  <a:spcPts val="300"/>
-                </a:spcAft>
-                <a:buFont typeface="Segoe UI" panose="020B0502040204020203" pitchFamily="34" charset="0"/>
-                <a:buChar char="​"/>
-                <a:defRPr sz="1600">
-                  <a:cs typeface="Arial" panose="020B0604020202020204" pitchFamily="34" charset="0"/>
-                </a:defRPr>
-              </a:lvl1pPr>
-              <a:lvl2pPr marL="228600" lvl="1" indent="-225425">
-                <a:lnSpc>
-                  <a:spcPct val="100000"/>
-                </a:lnSpc>
-                <a:spcBef>
-                  <a:spcPts val="0"/>
-                </a:spcBef>
-                <a:spcAft>
-                  <a:spcPts val="300"/>
-                </a:spcAft>
-                <a:buFont typeface="Wingdings" panose="05000000000000000000" pitchFamily="2" charset="2"/>
-                <a:buChar char=""/>
-                <a:defRPr sz="1600">
-                  <a:cs typeface="Arial" panose="020B0604020202020204" pitchFamily="34" charset="0"/>
-                </a:defRPr>
-              </a:lvl2pPr>
-              <a:lvl3pPr marL="515938" lvl="2" indent="-287338">
-                <a:lnSpc>
-                  <a:spcPct val="100000"/>
-                </a:lnSpc>
-                <a:spcBef>
-                  <a:spcPts val="0"/>
-                </a:spcBef>
-                <a:spcAft>
-                  <a:spcPts val="300"/>
-                </a:spcAft>
-                <a:buFont typeface="Arial" panose="020B0604020202020204" pitchFamily="34" charset="0"/>
-                <a:buChar char="—"/>
-                <a:defRPr sz="1600">
-                  <a:cs typeface="Arial" panose="020B0604020202020204" pitchFamily="34" charset="0"/>
-                </a:defRPr>
-              </a:lvl3pPr>
-              <a:lvl4pPr marL="742950" lvl="3" indent="-182563">
-                <a:lnSpc>
-                  <a:spcPct val="100000"/>
-                </a:lnSpc>
-                <a:spcBef>
-                  <a:spcPts val="0"/>
-                </a:spcBef>
-                <a:spcAft>
-                  <a:spcPts val="300"/>
-                </a:spcAft>
-                <a:buFont typeface="Arial" panose="020B0604020202020204" pitchFamily="34" charset="0"/>
-                <a:buChar char="»"/>
-                <a:defRPr sz="1600">
-                  <a:cs typeface="Arial" panose="020B0604020202020204" pitchFamily="34" charset="0"/>
-                </a:defRPr>
-              </a:lvl4pPr>
-              <a:lvl5pPr marL="914400" lvl="4" indent="-136525">
-                <a:lnSpc>
-                  <a:spcPct val="100000"/>
-                </a:lnSpc>
-                <a:spcBef>
-                  <a:spcPts val="0"/>
-                </a:spcBef>
-                <a:spcAft>
-                  <a:spcPts val="300"/>
-                </a:spcAft>
-                <a:buSzPct val="100000"/>
-                <a:buFont typeface="Arial" panose="020B0604020202020204" pitchFamily="34" charset="0"/>
-                <a:buChar char="›"/>
-                <a:defRPr sz="1600">
-                  <a:cs typeface="Arial" panose="020B0604020202020204" pitchFamily="34" charset="0"/>
-                </a:defRPr>
-              </a:lvl5pPr>
-              <a:lvl6pPr marL="1085850" indent="-171450">
-                <a:lnSpc>
-                  <a:spcPct val="100000"/>
-                </a:lnSpc>
-                <a:spcBef>
-                  <a:spcPts val="0"/>
-                </a:spcBef>
-                <a:spcAft>
-                  <a:spcPts val="300"/>
-                </a:spcAft>
-                <a:buSzPct val="100000"/>
-                <a:buFont typeface="Arial" panose="020B0604020202020204" pitchFamily="34" charset="0"/>
-                <a:buChar char="▫"/>
-                <a:defRPr sz="1600">
-                  <a:cs typeface="Arial" panose="020B0604020202020204" pitchFamily="34" charset="0"/>
-                </a:defRPr>
-              </a:lvl6pPr>
-              <a:lvl7pPr marL="1085850" indent="-171450">
-                <a:lnSpc>
-                  <a:spcPct val="100000"/>
-                </a:lnSpc>
-                <a:spcBef>
-                  <a:spcPts val="0"/>
-                </a:spcBef>
-                <a:spcAft>
-                  <a:spcPts val="300"/>
-                </a:spcAft>
-                <a:buSzPct val="100000"/>
-                <a:buFont typeface="Arial" panose="020B0604020202020204" pitchFamily="34" charset="0"/>
-                <a:buChar char="▫"/>
-                <a:defRPr sz="1600">
-                  <a:cs typeface="Arial" panose="020B0604020202020204" pitchFamily="34" charset="0"/>
-                </a:defRPr>
-              </a:lvl7pPr>
-              <a:lvl8pPr marL="1085850" indent="-171450">
-                <a:lnSpc>
-                  <a:spcPct val="100000"/>
-                </a:lnSpc>
-                <a:spcBef>
-                  <a:spcPts val="0"/>
-                </a:spcBef>
-                <a:spcAft>
-                  <a:spcPts val="300"/>
-                </a:spcAft>
-                <a:buSzPct val="100000"/>
-                <a:buFont typeface="Arial" panose="020B0604020202020204" pitchFamily="34" charset="0"/>
-                <a:buChar char="▫"/>
-                <a:defRPr sz="1600">
-                  <a:cs typeface="Arial" panose="020B0604020202020204" pitchFamily="34" charset="0"/>
-                </a:defRPr>
-              </a:lvl8pPr>
-              <a:lvl9pPr marL="1085850" indent="-171450">
-                <a:lnSpc>
-                  <a:spcPct val="100000"/>
-                </a:lnSpc>
-                <a:spcBef>
-                  <a:spcPts val="0"/>
-                </a:spcBef>
-                <a:spcAft>
-                  <a:spcPts val="300"/>
-                </a:spcAft>
-                <a:buSzPct val="100000"/>
-                <a:buFont typeface="Arial" panose="020B0604020202020204" pitchFamily="34" charset="0"/>
-                <a:buChar char="▫"/>
-                <a:defRPr sz="1600">
-                  <a:cs typeface="Arial" panose="020B0604020202020204" pitchFamily="34" charset="0"/>
-                </a:defRPr>
-              </a:lvl9pPr>
-            </a:lstStyle>
-            <a:p>
-              <a:pPr marL="0" marR="0" lvl="0" indent="0" algn="l" defTabSz="914400" rtl="0" eaLnBrk="1" fontAlgn="auto" latinLnBrk="0" hangingPunct="1">
-                <a:lnSpc>
-                  <a:spcPct val="100000"/>
-                </a:lnSpc>
-                <a:spcBef>
-                  <a:spcPts val="300"/>
-                </a:spcBef>
-                <a:spcAft>
-                  <a:spcPts val="300"/>
-                </a:spcAft>
-                <a:buClrTx/>
-                <a:buSzTx/>
-                <a:buFont typeface="Segoe UI" panose="020B0502040204020203" pitchFamily="34" charset="0"/>
-                <a:buChar char="​"/>
-                <a:tabLst/>
-                <a:defRPr/>
-              </a:pPr>
-              <a:r>
-                <a:rPr kumimoji="0" lang="en-GB" sz="800" b="0" i="0" u="none" strike="noStrike" kern="1200" cap="none" spc="0" normalizeH="0" baseline="0" noProof="0" dirty="0" err="1">
-                  <a:ln>
-                    <a:noFill/>
-                  </a:ln>
-                  <a:effectLst/>
-                  <a:uLnTx/>
-                  <a:uFillTx/>
-                  <a:ea typeface="+mn-ea"/>
-                  <a:cs typeface="Arial" panose="020B0604020202020204" pitchFamily="34" charset="0"/>
-                </a:rPr>
-                <a:t>Github</a:t>
-              </a:r>
-              <a:r>
-                <a:rPr kumimoji="0" lang="en-GB" sz="800" b="0" i="0" u="none" strike="noStrike" kern="1200" cap="none" spc="0" normalizeH="0" baseline="0" noProof="0" dirty="0">
-                  <a:ln>
-                    <a:noFill/>
-                  </a:ln>
-                  <a:effectLst/>
-                  <a:uLnTx/>
-                  <a:uFillTx/>
-                  <a:ea typeface="+mn-ea"/>
-                  <a:cs typeface="Arial" panose="020B0604020202020204" pitchFamily="34" charset="0"/>
-                </a:rPr>
-                <a:t> Actions</a:t>
-              </a:r>
-            </a:p>
-          </p:txBody>
-        </p:sp>
-      </p:grpSp>
-      <p:grpSp>
-        <p:nvGrpSpPr>
-          <p:cNvPr id="9674" name="Group 82">
-            <a:extLst>
-              <a:ext uri="{FF2B5EF4-FFF2-40B4-BE49-F238E27FC236}">
-                <a16:creationId xmlns:a16="http://schemas.microsoft.com/office/drawing/2014/main" id="{1B73FCF9-B34F-4EF1-8CFD-9618C40065D7}"/>
-              </a:ext>
-            </a:extLst>
-          </p:cNvPr>
-          <p:cNvGrpSpPr>
-            <a:grpSpLocks noChangeAspect="1"/>
-          </p:cNvGrpSpPr>
-          <p:nvPr/>
-        </p:nvGrpSpPr>
-        <p:grpSpPr>
-          <a:xfrm>
-            <a:off x="4482667" y="5065590"/>
-            <a:ext cx="674865" cy="463510"/>
-            <a:chOff x="3424036" y="4960128"/>
-            <a:chExt cx="860582" cy="591064"/>
-          </a:xfrm>
-        </p:grpSpPr>
-        <p:pic>
-          <p:nvPicPr>
-            <p:cNvPr id="9675" name="Picture 6" descr="GitHub Actions · GitHub">
-              <a:extLst>
-                <a:ext uri="{FF2B5EF4-FFF2-40B4-BE49-F238E27FC236}">
-                  <a16:creationId xmlns:a16="http://schemas.microsoft.com/office/drawing/2014/main" id="{41576BAF-6AA2-5A79-9889-08F74BF2E442}"/>
-                </a:ext>
-              </a:extLst>
-            </p:cNvPr>
-            <p:cNvPicPr>
-              <a:picLocks noChangeAspect="1" noChangeArrowheads="1"/>
-            </p:cNvPicPr>
-            <p:nvPr/>
-          </p:nvPicPr>
-          <p:blipFill>
-            <a:blip r:embed="rId12" cstate="screen">
-              <a:extLst>
-                <a:ext uri="{28A0092B-C50C-407E-A947-70E740481C1C}">
-                  <a14:useLocalDpi xmlns:a14="http://schemas.microsoft.com/office/drawing/2010/main"/>
-                </a:ext>
-              </a:extLst>
-            </a:blip>
-            <a:srcRect/>
-            <a:stretch>
-              <a:fillRect/>
-            </a:stretch>
-          </p:blipFill>
-          <p:spPr bwMode="auto">
-            <a:xfrm>
-              <a:off x="3681940" y="4960128"/>
-              <a:ext cx="411844" cy="411845"/>
-            </a:xfrm>
-            <a:prstGeom prst="rect">
-              <a:avLst/>
-            </a:prstGeom>
-            <a:noFill/>
-            <a:extLst>
-              <a:ext uri="{909E8E84-426E-40DD-AFC4-6F175D3DCCD1}">
-                <a14:hiddenFill xmlns:a14="http://schemas.microsoft.com/office/drawing/2010/main">
-                  <a:solidFill>
-                    <a:srgbClr val="FFFFFF"/>
-                  </a:solidFill>
-                </a14:hiddenFill>
-              </a:ext>
-            </a:extLst>
-          </p:spPr>
-        </p:pic>
-        <p:sp>
-          <p:nvSpPr>
-            <p:cNvPr id="9676" name="TextBox 84">
-              <a:extLst>
-                <a:ext uri="{FF2B5EF4-FFF2-40B4-BE49-F238E27FC236}">
-                  <a16:creationId xmlns:a16="http://schemas.microsoft.com/office/drawing/2014/main" id="{6E40B184-E3EB-B556-1C02-01E114E45040}"/>
-                </a:ext>
-              </a:extLst>
-            </p:cNvPr>
-            <p:cNvSpPr txBox="1"/>
-            <p:nvPr/>
-          </p:nvSpPr>
-          <p:spPr>
-            <a:xfrm>
-              <a:off x="3424036" y="5394202"/>
-              <a:ext cx="860582" cy="156990"/>
-            </a:xfrm>
-            <a:prstGeom prst="rect">
-              <a:avLst/>
-            </a:prstGeom>
-          </p:spPr>
-          <p:txBody>
-            <a:bodyPr vert="horz" wrap="none" lIns="0" tIns="0" rIns="0" bIns="0" rtlCol="0">
-              <a:spAutoFit/>
-            </a:bodyPr>
-            <a:lstStyle>
-              <a:lvl1pPr lvl="0" indent="0">
-                <a:lnSpc>
-                  <a:spcPct val="100000"/>
-                </a:lnSpc>
-                <a:spcBef>
-                  <a:spcPts val="300"/>
-                </a:spcBef>
-                <a:spcAft>
-                  <a:spcPts val="300"/>
-                </a:spcAft>
-                <a:buFont typeface="Segoe UI" panose="020B0502040204020203" pitchFamily="34" charset="0"/>
-                <a:buChar char="​"/>
-                <a:defRPr sz="1600">
-                  <a:cs typeface="Arial" panose="020B0604020202020204" pitchFamily="34" charset="0"/>
-                </a:defRPr>
-              </a:lvl1pPr>
-              <a:lvl2pPr marL="228600" lvl="1" indent="-225425">
-                <a:lnSpc>
-                  <a:spcPct val="100000"/>
-                </a:lnSpc>
-                <a:spcBef>
-                  <a:spcPts val="0"/>
-                </a:spcBef>
-                <a:spcAft>
-                  <a:spcPts val="300"/>
-                </a:spcAft>
-                <a:buFont typeface="Wingdings" panose="05000000000000000000" pitchFamily="2" charset="2"/>
-                <a:buChar char=""/>
-                <a:defRPr sz="1600">
-                  <a:cs typeface="Arial" panose="020B0604020202020204" pitchFamily="34" charset="0"/>
-                </a:defRPr>
-              </a:lvl2pPr>
-              <a:lvl3pPr marL="515938" lvl="2" indent="-287338">
-                <a:lnSpc>
-                  <a:spcPct val="100000"/>
-                </a:lnSpc>
-                <a:spcBef>
-                  <a:spcPts val="0"/>
-                </a:spcBef>
-                <a:spcAft>
-                  <a:spcPts val="300"/>
-                </a:spcAft>
-                <a:buFont typeface="Arial" panose="020B0604020202020204" pitchFamily="34" charset="0"/>
-                <a:buChar char="—"/>
-                <a:defRPr sz="1600">
-                  <a:cs typeface="Arial" panose="020B0604020202020204" pitchFamily="34" charset="0"/>
-                </a:defRPr>
-              </a:lvl3pPr>
-              <a:lvl4pPr marL="742950" lvl="3" indent="-182563">
-                <a:lnSpc>
-                  <a:spcPct val="100000"/>
-                </a:lnSpc>
-                <a:spcBef>
-                  <a:spcPts val="0"/>
-                </a:spcBef>
-                <a:spcAft>
-                  <a:spcPts val="300"/>
-                </a:spcAft>
-                <a:buFont typeface="Arial" panose="020B0604020202020204" pitchFamily="34" charset="0"/>
-                <a:buChar char="»"/>
-                <a:defRPr sz="1600">
-                  <a:cs typeface="Arial" panose="020B0604020202020204" pitchFamily="34" charset="0"/>
-                </a:defRPr>
-              </a:lvl4pPr>
-              <a:lvl5pPr marL="914400" lvl="4" indent="-136525">
-                <a:lnSpc>
-                  <a:spcPct val="100000"/>
-                </a:lnSpc>
-                <a:spcBef>
-                  <a:spcPts val="0"/>
-                </a:spcBef>
-                <a:spcAft>
-                  <a:spcPts val="300"/>
-                </a:spcAft>
-                <a:buSzPct val="100000"/>
-                <a:buFont typeface="Arial" panose="020B0604020202020204" pitchFamily="34" charset="0"/>
-                <a:buChar char="›"/>
-                <a:defRPr sz="1600">
-                  <a:cs typeface="Arial" panose="020B0604020202020204" pitchFamily="34" charset="0"/>
-                </a:defRPr>
-              </a:lvl5pPr>
-              <a:lvl6pPr marL="1085850" indent="-171450">
-                <a:lnSpc>
-                  <a:spcPct val="100000"/>
-                </a:lnSpc>
-                <a:spcBef>
-                  <a:spcPts val="0"/>
-                </a:spcBef>
-                <a:spcAft>
-                  <a:spcPts val="300"/>
-                </a:spcAft>
-                <a:buSzPct val="100000"/>
-                <a:buFont typeface="Arial" panose="020B0604020202020204" pitchFamily="34" charset="0"/>
-                <a:buChar char="▫"/>
-                <a:defRPr sz="1600">
-                  <a:cs typeface="Arial" panose="020B0604020202020204" pitchFamily="34" charset="0"/>
-                </a:defRPr>
-              </a:lvl6pPr>
-              <a:lvl7pPr marL="1085850" indent="-171450">
-                <a:lnSpc>
-                  <a:spcPct val="100000"/>
-                </a:lnSpc>
-                <a:spcBef>
-                  <a:spcPts val="0"/>
-                </a:spcBef>
-                <a:spcAft>
-                  <a:spcPts val="300"/>
-                </a:spcAft>
-                <a:buSzPct val="100000"/>
-                <a:buFont typeface="Arial" panose="020B0604020202020204" pitchFamily="34" charset="0"/>
-                <a:buChar char="▫"/>
-                <a:defRPr sz="1600">
-                  <a:cs typeface="Arial" panose="020B0604020202020204" pitchFamily="34" charset="0"/>
-                </a:defRPr>
-              </a:lvl7pPr>
-              <a:lvl8pPr marL="1085850" indent="-171450">
-                <a:lnSpc>
-                  <a:spcPct val="100000"/>
-                </a:lnSpc>
-                <a:spcBef>
-                  <a:spcPts val="0"/>
-                </a:spcBef>
-                <a:spcAft>
-                  <a:spcPts val="300"/>
-                </a:spcAft>
-                <a:buSzPct val="100000"/>
-                <a:buFont typeface="Arial" panose="020B0604020202020204" pitchFamily="34" charset="0"/>
-                <a:buChar char="▫"/>
-                <a:defRPr sz="1600">
-                  <a:cs typeface="Arial" panose="020B0604020202020204" pitchFamily="34" charset="0"/>
-                </a:defRPr>
-              </a:lvl8pPr>
-              <a:lvl9pPr marL="1085850" indent="-171450">
-                <a:lnSpc>
-                  <a:spcPct val="100000"/>
-                </a:lnSpc>
-                <a:spcBef>
-                  <a:spcPts val="0"/>
-                </a:spcBef>
-                <a:spcAft>
-                  <a:spcPts val="300"/>
-                </a:spcAft>
-                <a:buSzPct val="100000"/>
-                <a:buFont typeface="Arial" panose="020B0604020202020204" pitchFamily="34" charset="0"/>
-                <a:buChar char="▫"/>
-                <a:defRPr sz="1600">
-                  <a:cs typeface="Arial" panose="020B0604020202020204" pitchFamily="34" charset="0"/>
-                </a:defRPr>
-              </a:lvl9pPr>
-            </a:lstStyle>
-            <a:p>
-              <a:pPr marL="0" marR="0" lvl="0" indent="0" algn="l" defTabSz="914400" rtl="0" eaLnBrk="1" fontAlgn="auto" latinLnBrk="0" hangingPunct="1">
-                <a:lnSpc>
-                  <a:spcPct val="100000"/>
-                </a:lnSpc>
-                <a:spcBef>
-                  <a:spcPts val="300"/>
-                </a:spcBef>
-                <a:spcAft>
-                  <a:spcPts val="300"/>
-                </a:spcAft>
-                <a:buClrTx/>
-                <a:buSzTx/>
-                <a:buFont typeface="Segoe UI" panose="020B0502040204020203" pitchFamily="34" charset="0"/>
-                <a:buChar char="​"/>
-                <a:tabLst/>
-                <a:defRPr/>
-              </a:pPr>
-              <a:r>
-                <a:rPr kumimoji="0" lang="en-GB" sz="800" b="0" i="0" u="none" strike="noStrike" kern="1200" cap="none" spc="0" normalizeH="0" baseline="0" noProof="0" dirty="0" err="1">
-                  <a:ln>
-                    <a:noFill/>
-                  </a:ln>
-                  <a:effectLst/>
-                  <a:uLnTx/>
-                  <a:uFillTx/>
-                  <a:ea typeface="+mn-ea"/>
-                  <a:cs typeface="Arial" panose="020B0604020202020204" pitchFamily="34" charset="0"/>
-                </a:rPr>
-                <a:t>Github</a:t>
-              </a:r>
-              <a:r>
-                <a:rPr kumimoji="0" lang="en-GB" sz="800" b="0" i="0" u="none" strike="noStrike" kern="1200" cap="none" spc="0" normalizeH="0" baseline="0" noProof="0" dirty="0">
-                  <a:ln>
-                    <a:noFill/>
-                  </a:ln>
-                  <a:effectLst/>
-                  <a:uLnTx/>
-                  <a:uFillTx/>
-                  <a:ea typeface="+mn-ea"/>
-                  <a:cs typeface="Arial" panose="020B0604020202020204" pitchFamily="34" charset="0"/>
-                </a:rPr>
-                <a:t> Actions</a:t>
-              </a:r>
-            </a:p>
-          </p:txBody>
-        </p:sp>
-      </p:grpSp>
-      <p:sp>
-        <p:nvSpPr>
-          <p:cNvPr id="9677" name="Google Shape;82;p15">
-            <a:extLst>
-              <a:ext uri="{FF2B5EF4-FFF2-40B4-BE49-F238E27FC236}">
-                <a16:creationId xmlns:a16="http://schemas.microsoft.com/office/drawing/2014/main" id="{9D3735A4-9CD3-11CA-3202-E741F4CE05C7}"/>
-              </a:ext>
-            </a:extLst>
-          </p:cNvPr>
-          <p:cNvSpPr/>
-          <p:nvPr/>
-        </p:nvSpPr>
-        <p:spPr>
-          <a:xfrm>
-            <a:off x="6650568" y="4693223"/>
-            <a:ext cx="338676" cy="327763"/>
-          </a:xfrm>
-          <a:prstGeom prst="ellipse">
-            <a:avLst/>
-          </a:prstGeom>
-          <a:solidFill>
-            <a:schemeClr val="accent3"/>
-          </a:solidFill>
-          <a:ln w="19050" cap="flat" cmpd="sng">
-            <a:solidFill>
-              <a:schemeClr val="bg1"/>
-            </a:solidFill>
-            <a:prstDash val="solid"/>
-            <a:round/>
-            <a:headEnd type="none" w="sm" len="sm"/>
-            <a:tailEnd type="none" w="sm" len="sm"/>
-          </a:ln>
-        </p:spPr>
-        <p:txBody>
-          <a:bodyPr spcFirstLastPara="1" wrap="square" lIns="121900" tIns="121900" rIns="121900" bIns="121900" anchor="ctr" anchorCtr="0">
-            <a:noAutofit/>
-          </a:bodyPr>
-          <a:lstStyle/>
-          <a:p>
-            <a:pPr marL="0" marR="0" lvl="0" indent="0" algn="l" defTabSz="914400" rtl="0" eaLnBrk="1" fontAlgn="auto" latinLnBrk="0" hangingPunct="1">
-              <a:lnSpc>
-                <a:spcPct val="100000"/>
-              </a:lnSpc>
-              <a:spcBef>
-                <a:spcPts val="0"/>
-              </a:spcBef>
-              <a:spcAft>
-                <a:spcPts val="0"/>
-              </a:spcAft>
-              <a:buClrTx/>
-              <a:buSzTx/>
-              <a:buFontTx/>
-              <a:buNone/>
-              <a:tabLst/>
-              <a:defRPr/>
-            </a:pPr>
-            <a:endParaRPr kumimoji="0" sz="1600" b="0" i="0" u="none" strike="noStrike" kern="1200" cap="none" spc="0" normalizeH="0" baseline="0" noProof="0">
-              <a:ln>
-                <a:noFill/>
-              </a:ln>
-              <a:effectLst/>
-              <a:uLnTx/>
-              <a:uFillTx/>
-              <a:ea typeface="+mn-ea"/>
-              <a:cs typeface="Arial" panose="020B0604020202020204" pitchFamily="34" charset="0"/>
-            </a:endParaRPr>
-          </a:p>
-        </p:txBody>
-      </p:sp>
-      <p:cxnSp>
-        <p:nvCxnSpPr>
-          <p:cNvPr id="9678" name="Straight Connector 86">
-            <a:extLst>
-              <a:ext uri="{FF2B5EF4-FFF2-40B4-BE49-F238E27FC236}">
-                <a16:creationId xmlns:a16="http://schemas.microsoft.com/office/drawing/2014/main" id="{2F638C0D-94B6-31AD-3CD8-CBEF4AE45D74}"/>
-              </a:ext>
-            </a:extLst>
-          </p:cNvPr>
-          <p:cNvCxnSpPr>
-            <a:cxnSpLocks/>
-          </p:cNvCxnSpPr>
-          <p:nvPr/>
-        </p:nvCxnSpPr>
-        <p:spPr>
-          <a:xfrm>
-            <a:off x="2093412" y="2747169"/>
-            <a:ext cx="7956000" cy="0"/>
-          </a:xfrm>
-          <a:prstGeom prst="line">
-            <a:avLst/>
-          </a:prstGeom>
-          <a:ln w="6350" cap="flat">
-            <a:solidFill>
-              <a:srgbClr val="7F7F7F"/>
-            </a:solidFill>
-            <a:prstDash val="solid"/>
-            <a:miter lim="800000"/>
-            <a:tailEnd type="none"/>
-          </a:ln>
-        </p:spPr>
-        <p:style>
-          <a:lnRef idx="1">
-            <a:schemeClr val="accent1"/>
-          </a:lnRef>
-          <a:fillRef idx="0">
-            <a:schemeClr val="accent1"/>
-          </a:fillRef>
-          <a:effectRef idx="0">
-            <a:schemeClr val="accent1"/>
-          </a:effectRef>
-          <a:fontRef idx="minor">
-            <a:schemeClr val="tx1"/>
-          </a:fontRef>
-        </p:style>
-      </p:cxnSp>
-      <p:sp>
-        <p:nvSpPr>
-          <p:cNvPr id="9679" name="Google Shape;161;p17">
-            <a:extLst>
-              <a:ext uri="{FF2B5EF4-FFF2-40B4-BE49-F238E27FC236}">
-                <a16:creationId xmlns:a16="http://schemas.microsoft.com/office/drawing/2014/main" id="{2969F9CA-882A-B941-D736-F6B16AF87767}"/>
-              </a:ext>
-            </a:extLst>
-          </p:cNvPr>
-          <p:cNvSpPr/>
-          <p:nvPr/>
-        </p:nvSpPr>
-        <p:spPr>
-          <a:xfrm>
-            <a:off x="2962092" y="2583288"/>
-            <a:ext cx="338676" cy="327763"/>
-          </a:xfrm>
-          <a:prstGeom prst="ellipse">
-            <a:avLst/>
-          </a:prstGeom>
-          <a:solidFill>
-            <a:schemeClr val="accent1">
-              <a:lumMod val="25000"/>
-              <a:lumOff val="75000"/>
-            </a:schemeClr>
-          </a:solidFill>
-          <a:ln w="28575" cap="sq">
-            <a:solidFill>
-              <a:schemeClr val="bg1"/>
-            </a:solidFill>
-            <a:miter lim="800000"/>
-          </a:ln>
-        </p:spPr>
-        <p:style>
-          <a:lnRef idx="2">
-            <a:schemeClr val="accent1">
-              <a:shade val="50000"/>
-            </a:schemeClr>
-          </a:lnRef>
-          <a:fillRef idx="1">
-            <a:schemeClr val="accent1"/>
-          </a:fillRef>
-          <a:effectRef idx="0">
-            <a:schemeClr val="accent1"/>
-          </a:effectRef>
-          <a:fontRef idx="minor">
-            <a:schemeClr val="lt1"/>
-          </a:fontRef>
-        </p:style>
-        <p:txBody>
-          <a:bodyPr rot="0" spcFirstLastPara="0" vertOverflow="overflow" horzOverflow="overflow" vert="horz" wrap="square" lIns="91440" tIns="45720" rIns="91440" bIns="45720" numCol="1" spcCol="0" rtlCol="0" fromWordArt="0" anchor="ctr" anchorCtr="0" forceAA="0" compatLnSpc="1">
-            <a:prstTxWarp prst="textNoShape">
-              <a:avLst/>
-            </a:prstTxWarp>
-            <a:noAutofit/>
-          </a:bodyPr>
-          <a:lstStyle/>
-          <a:p>
-            <a:pPr marL="0" marR="0" lvl="0" indent="0" algn="ctr" defTabSz="914400" rtl="0" eaLnBrk="1" fontAlgn="auto" latinLnBrk="0" hangingPunct="1">
-              <a:lnSpc>
-                <a:spcPct val="100000"/>
-              </a:lnSpc>
-              <a:spcBef>
-                <a:spcPts val="300"/>
-              </a:spcBef>
-              <a:spcAft>
-                <a:spcPts val="300"/>
-              </a:spcAft>
-              <a:buClrTx/>
-              <a:buSzTx/>
-              <a:buFontTx/>
-              <a:buNone/>
-              <a:tabLst/>
-              <a:defRPr/>
-            </a:pPr>
-            <a:endParaRPr kumimoji="0" sz="1200" b="0" i="0" u="none" strike="noStrike" kern="1200" cap="none" spc="0" normalizeH="0" baseline="0" noProof="0" dirty="0">
-              <a:ln>
-                <a:noFill/>
-              </a:ln>
-              <a:solidFill>
-                <a:schemeClr val="tx1"/>
-              </a:solidFill>
-              <a:effectLst/>
-              <a:uLnTx/>
-              <a:uFillTx/>
-              <a:ea typeface="+mn-ea"/>
-              <a:cs typeface="Arial" panose="020B0604020202020204" pitchFamily="34" charset="0"/>
-            </a:endParaRPr>
-          </a:p>
-        </p:txBody>
-      </p:sp>
-      <p:sp>
-        <p:nvSpPr>
-          <p:cNvPr id="9680" name="Google Shape;161;p17">
-            <a:extLst>
-              <a:ext uri="{FF2B5EF4-FFF2-40B4-BE49-F238E27FC236}">
-                <a16:creationId xmlns:a16="http://schemas.microsoft.com/office/drawing/2014/main" id="{CFA6918D-8F7A-54C8-662D-E03C725FB04C}"/>
-              </a:ext>
-            </a:extLst>
-          </p:cNvPr>
-          <p:cNvSpPr/>
-          <p:nvPr/>
-        </p:nvSpPr>
-        <p:spPr>
-          <a:xfrm>
-            <a:off x="4517732" y="2583288"/>
-            <a:ext cx="338676" cy="327763"/>
-          </a:xfrm>
-          <a:prstGeom prst="ellipse">
-            <a:avLst/>
-          </a:prstGeom>
-          <a:solidFill>
-            <a:schemeClr val="accent1">
-              <a:lumMod val="25000"/>
-              <a:lumOff val="75000"/>
-            </a:schemeClr>
-          </a:solidFill>
-          <a:ln w="28575" cap="sq">
-            <a:solidFill>
-              <a:schemeClr val="bg1"/>
-            </a:solidFill>
-            <a:miter lim="800000"/>
-          </a:ln>
-        </p:spPr>
-        <p:style>
-          <a:lnRef idx="2">
-            <a:schemeClr val="accent1">
-              <a:shade val="50000"/>
-            </a:schemeClr>
-          </a:lnRef>
-          <a:fillRef idx="1">
-            <a:schemeClr val="accent1"/>
-          </a:fillRef>
-          <a:effectRef idx="0">
-            <a:schemeClr val="accent1"/>
-          </a:effectRef>
-          <a:fontRef idx="minor">
-            <a:schemeClr val="lt1"/>
-          </a:fontRef>
-        </p:style>
-        <p:txBody>
-          <a:bodyPr rot="0" spcFirstLastPara="0" vertOverflow="overflow" horzOverflow="overflow" vert="horz" wrap="square" lIns="91440" tIns="45720" rIns="91440" bIns="45720" numCol="1" spcCol="0" rtlCol="0" fromWordArt="0" anchor="ctr" anchorCtr="0" forceAA="0" compatLnSpc="1">
-            <a:prstTxWarp prst="textNoShape">
-              <a:avLst/>
-            </a:prstTxWarp>
-            <a:noAutofit/>
-          </a:bodyPr>
-          <a:lstStyle/>
-          <a:p>
-            <a:pPr marL="0" marR="0" lvl="0" indent="0" algn="ctr" defTabSz="914400" rtl="0" eaLnBrk="1" fontAlgn="auto" latinLnBrk="0" hangingPunct="1">
-              <a:lnSpc>
-                <a:spcPct val="100000"/>
-              </a:lnSpc>
-              <a:spcBef>
-                <a:spcPts val="300"/>
-              </a:spcBef>
-              <a:spcAft>
-                <a:spcPts val="300"/>
-              </a:spcAft>
-              <a:buClrTx/>
-              <a:buSzTx/>
-              <a:buFontTx/>
-              <a:buNone/>
-              <a:tabLst/>
-              <a:defRPr/>
-            </a:pPr>
-            <a:endParaRPr kumimoji="0" sz="1200" b="0" i="0" u="none" strike="noStrike" kern="1200" cap="none" spc="0" normalizeH="0" baseline="0" noProof="0">
-              <a:ln>
-                <a:noFill/>
-              </a:ln>
-              <a:solidFill>
-                <a:schemeClr val="tx1"/>
-              </a:solidFill>
-              <a:effectLst/>
-              <a:uLnTx/>
-              <a:uFillTx/>
-              <a:ea typeface="+mn-ea"/>
-              <a:cs typeface="Arial" panose="020B0604020202020204" pitchFamily="34" charset="0"/>
-            </a:endParaRPr>
-          </a:p>
-        </p:txBody>
-      </p:sp>
-      <p:cxnSp>
-        <p:nvCxnSpPr>
-          <p:cNvPr id="9681" name="Google Shape;166;p17">
-            <a:extLst>
-              <a:ext uri="{FF2B5EF4-FFF2-40B4-BE49-F238E27FC236}">
-                <a16:creationId xmlns:a16="http://schemas.microsoft.com/office/drawing/2014/main" id="{A1AF3A74-DB35-B357-C9EB-6017252F9814}"/>
-              </a:ext>
-            </a:extLst>
-          </p:cNvPr>
-          <p:cNvCxnSpPr>
-            <a:cxnSpLocks/>
-          </p:cNvCxnSpPr>
-          <p:nvPr/>
-        </p:nvCxnSpPr>
-        <p:spPr>
-          <a:xfrm>
-            <a:off x="3300769" y="2747169"/>
-            <a:ext cx="1216963" cy="0"/>
-          </a:xfrm>
-          <a:prstGeom prst="straightConnector1">
-            <a:avLst/>
-          </a:prstGeom>
-          <a:ln w="12700" cap="flat">
-            <a:solidFill>
-              <a:schemeClr val="tx1"/>
-            </a:solidFill>
-            <a:miter lim="800000"/>
-            <a:tailEnd type="none"/>
-          </a:ln>
-        </p:spPr>
-        <p:style>
-          <a:lnRef idx="1">
-            <a:schemeClr val="accent1"/>
-          </a:lnRef>
-          <a:fillRef idx="0">
-            <a:schemeClr val="accent1"/>
-          </a:fillRef>
-          <a:effectRef idx="0">
-            <a:schemeClr val="accent1"/>
-          </a:effectRef>
-          <a:fontRef idx="minor">
-            <a:schemeClr val="tx1"/>
-          </a:fontRef>
-        </p:style>
-      </p:cxnSp>
-      <p:cxnSp>
-        <p:nvCxnSpPr>
-          <p:cNvPr id="9682" name="Google Shape;72;p15">
-            <a:extLst>
-              <a:ext uri="{FF2B5EF4-FFF2-40B4-BE49-F238E27FC236}">
-                <a16:creationId xmlns:a16="http://schemas.microsoft.com/office/drawing/2014/main" id="{80A2D48F-59AB-CC55-14EC-E00E8008BF16}"/>
-              </a:ext>
-            </a:extLst>
-          </p:cNvPr>
-          <p:cNvCxnSpPr>
-            <a:cxnSpLocks/>
-            <a:stCxn id="9639" idx="0"/>
-            <a:endCxn id="9679" idx="3"/>
-          </p:cNvCxnSpPr>
-          <p:nvPr/>
-        </p:nvCxnSpPr>
-        <p:spPr>
-          <a:xfrm flipV="1">
-            <a:off x="2442756" y="2863051"/>
-            <a:ext cx="568934" cy="1803847"/>
-          </a:xfrm>
-          <a:prstGeom prst="straightConnector1">
-            <a:avLst/>
-          </a:prstGeom>
-          <a:ln w="12700" cap="flat">
-            <a:solidFill>
-              <a:schemeClr val="tx1"/>
-            </a:solidFill>
-            <a:miter lim="800000"/>
-            <a:tailEnd type="none"/>
-          </a:ln>
-        </p:spPr>
-        <p:style>
-          <a:lnRef idx="1">
-            <a:schemeClr val="accent1"/>
-          </a:lnRef>
-          <a:fillRef idx="0">
-            <a:schemeClr val="accent1"/>
-          </a:fillRef>
-          <a:effectRef idx="0">
-            <a:schemeClr val="accent1"/>
-          </a:effectRef>
-          <a:fontRef idx="minor">
-            <a:schemeClr val="tx1"/>
-          </a:fontRef>
-        </p:style>
-      </p:cxnSp>
-      <p:sp>
-        <p:nvSpPr>
-          <p:cNvPr id="9683" name="Google Shape;161;p17">
-            <a:extLst>
-              <a:ext uri="{FF2B5EF4-FFF2-40B4-BE49-F238E27FC236}">
-                <a16:creationId xmlns:a16="http://schemas.microsoft.com/office/drawing/2014/main" id="{D359CE5A-AC21-DA69-96B9-1002280F73B3}"/>
-              </a:ext>
-            </a:extLst>
-          </p:cNvPr>
-          <p:cNvSpPr/>
-          <p:nvPr/>
-        </p:nvSpPr>
-        <p:spPr>
-          <a:xfrm>
-            <a:off x="5851067" y="2583288"/>
-            <a:ext cx="338676" cy="327763"/>
-          </a:xfrm>
-          <a:prstGeom prst="ellipse">
-            <a:avLst/>
-          </a:prstGeom>
-          <a:solidFill>
-            <a:schemeClr val="accent1">
-              <a:lumMod val="25000"/>
-              <a:lumOff val="75000"/>
-            </a:schemeClr>
-          </a:solidFill>
-          <a:ln w="28575" cap="sq">
-            <a:solidFill>
-              <a:schemeClr val="bg1"/>
-            </a:solidFill>
-            <a:miter lim="800000"/>
-          </a:ln>
-        </p:spPr>
-        <p:style>
-          <a:lnRef idx="2">
-            <a:schemeClr val="accent1">
-              <a:shade val="50000"/>
-            </a:schemeClr>
-          </a:lnRef>
-          <a:fillRef idx="1">
-            <a:schemeClr val="accent1"/>
-          </a:fillRef>
-          <a:effectRef idx="0">
-            <a:schemeClr val="accent1"/>
-          </a:effectRef>
-          <a:fontRef idx="minor">
-            <a:schemeClr val="lt1"/>
-          </a:fontRef>
-        </p:style>
-        <p:txBody>
-          <a:bodyPr rot="0" spcFirstLastPara="0" vertOverflow="overflow" horzOverflow="overflow" vert="horz" wrap="square" lIns="91440" tIns="45720" rIns="91440" bIns="45720" numCol="1" spcCol="0" rtlCol="0" fromWordArt="0" anchor="ctr" anchorCtr="0" forceAA="0" compatLnSpc="1">
-            <a:prstTxWarp prst="textNoShape">
-              <a:avLst/>
-            </a:prstTxWarp>
-            <a:noAutofit/>
-          </a:bodyPr>
-          <a:lstStyle/>
-          <a:p>
-            <a:pPr marL="0" marR="0" lvl="0" indent="0" algn="ctr" defTabSz="914400" rtl="0" eaLnBrk="1" fontAlgn="auto" latinLnBrk="0" hangingPunct="1">
-              <a:lnSpc>
-                <a:spcPct val="100000"/>
-              </a:lnSpc>
-              <a:spcBef>
-                <a:spcPts val="300"/>
-              </a:spcBef>
-              <a:spcAft>
-                <a:spcPts val="300"/>
-              </a:spcAft>
-              <a:buClrTx/>
-              <a:buSzTx/>
-              <a:buFontTx/>
-              <a:buNone/>
-              <a:tabLst/>
-              <a:defRPr/>
-            </a:pPr>
-            <a:endParaRPr kumimoji="0" sz="1200" b="0" i="0" u="none" strike="noStrike" kern="1200" cap="none" spc="0" normalizeH="0" baseline="0" noProof="0">
-              <a:ln>
-                <a:noFill/>
-              </a:ln>
-              <a:solidFill>
-                <a:schemeClr val="tx1"/>
-              </a:solidFill>
-              <a:effectLst/>
-              <a:uLnTx/>
-              <a:uFillTx/>
-              <a:ea typeface="+mn-ea"/>
-              <a:cs typeface="Arial" panose="020B0604020202020204" pitchFamily="34" charset="0"/>
-            </a:endParaRPr>
-          </a:p>
-        </p:txBody>
-      </p:sp>
-      <p:cxnSp>
-        <p:nvCxnSpPr>
-          <p:cNvPr id="9684" name="Google Shape;166;p17">
-            <a:extLst>
-              <a:ext uri="{FF2B5EF4-FFF2-40B4-BE49-F238E27FC236}">
-                <a16:creationId xmlns:a16="http://schemas.microsoft.com/office/drawing/2014/main" id="{CE4FCC83-3160-95C0-1B07-16BB46645E06}"/>
-              </a:ext>
-            </a:extLst>
-          </p:cNvPr>
-          <p:cNvCxnSpPr>
-            <a:cxnSpLocks/>
-          </p:cNvCxnSpPr>
-          <p:nvPr/>
-        </p:nvCxnSpPr>
-        <p:spPr>
-          <a:xfrm>
-            <a:off x="4856408" y="2744135"/>
-            <a:ext cx="994659" cy="6069"/>
-          </a:xfrm>
-          <a:prstGeom prst="straightConnector1">
-            <a:avLst/>
-          </a:prstGeom>
-          <a:ln w="12700" cap="flat">
-            <a:solidFill>
-              <a:schemeClr val="tx1"/>
-            </a:solidFill>
-            <a:miter lim="800000"/>
-            <a:tailEnd type="none"/>
-          </a:ln>
-        </p:spPr>
-        <p:style>
-          <a:lnRef idx="1">
-            <a:schemeClr val="accent1"/>
-          </a:lnRef>
-          <a:fillRef idx="0">
-            <a:schemeClr val="accent1"/>
-          </a:fillRef>
-          <a:effectRef idx="0">
-            <a:schemeClr val="accent1"/>
-          </a:effectRef>
-          <a:fontRef idx="minor">
-            <a:schemeClr val="tx1"/>
-          </a:fontRef>
-        </p:style>
-      </p:cxnSp>
-      <p:cxnSp>
-        <p:nvCxnSpPr>
-          <p:cNvPr id="9685" name="Google Shape;72;p15">
-            <a:extLst>
-              <a:ext uri="{FF2B5EF4-FFF2-40B4-BE49-F238E27FC236}">
-                <a16:creationId xmlns:a16="http://schemas.microsoft.com/office/drawing/2014/main" id="{F7596EFA-4AD1-E93F-C521-3827A0785618}"/>
-              </a:ext>
-            </a:extLst>
-          </p:cNvPr>
-          <p:cNvCxnSpPr>
-            <a:cxnSpLocks/>
-            <a:stCxn id="9683" idx="4"/>
-            <a:endCxn id="9677" idx="1"/>
-          </p:cNvCxnSpPr>
-          <p:nvPr/>
-        </p:nvCxnSpPr>
-        <p:spPr>
-          <a:xfrm>
-            <a:off x="6020405" y="2911051"/>
-            <a:ext cx="679761" cy="1830172"/>
-          </a:xfrm>
-          <a:prstGeom prst="straightConnector1">
-            <a:avLst/>
-          </a:prstGeom>
-          <a:ln w="12700" cap="flat">
-            <a:solidFill>
-              <a:schemeClr val="tx1"/>
-            </a:solidFill>
-            <a:miter lim="800000"/>
-            <a:tailEnd type="none"/>
-          </a:ln>
-        </p:spPr>
-        <p:style>
-          <a:lnRef idx="1">
-            <a:schemeClr val="accent1"/>
-          </a:lnRef>
-          <a:fillRef idx="0">
-            <a:schemeClr val="accent1"/>
-          </a:fillRef>
-          <a:effectRef idx="0">
-            <a:schemeClr val="accent1"/>
-          </a:effectRef>
-          <a:fontRef idx="minor">
-            <a:schemeClr val="tx1"/>
-          </a:fontRef>
-        </p:style>
-      </p:cxnSp>
-      <p:sp>
-        <p:nvSpPr>
-          <p:cNvPr id="9686" name="Google Shape;161;p17">
-            <a:extLst>
-              <a:ext uri="{FF2B5EF4-FFF2-40B4-BE49-F238E27FC236}">
-                <a16:creationId xmlns:a16="http://schemas.microsoft.com/office/drawing/2014/main" id="{E8A3C00A-B6F6-D8EC-C1FD-13BCA61E31FD}"/>
-              </a:ext>
-            </a:extLst>
-          </p:cNvPr>
-          <p:cNvSpPr/>
-          <p:nvPr/>
-        </p:nvSpPr>
-        <p:spPr>
-          <a:xfrm>
-            <a:off x="7126533" y="6467321"/>
-            <a:ext cx="338676" cy="327763"/>
-          </a:xfrm>
-          <a:prstGeom prst="ellipse">
-            <a:avLst/>
-          </a:prstGeom>
-          <a:solidFill>
-            <a:schemeClr val="accent2"/>
-          </a:solidFill>
-          <a:ln w="28575" cap="sq">
-            <a:solidFill>
-              <a:schemeClr val="bg1"/>
-            </a:solidFill>
-            <a:miter lim="800000"/>
-          </a:ln>
-        </p:spPr>
-        <p:style>
-          <a:lnRef idx="2">
-            <a:schemeClr val="accent1">
-              <a:shade val="50000"/>
-            </a:schemeClr>
-          </a:lnRef>
-          <a:fillRef idx="1">
-            <a:schemeClr val="accent1"/>
-          </a:fillRef>
-          <a:effectRef idx="0">
-            <a:schemeClr val="accent1"/>
-          </a:effectRef>
-          <a:fontRef idx="minor">
-            <a:schemeClr val="lt1"/>
-          </a:fontRef>
-        </p:style>
-        <p:txBody>
-          <a:bodyPr rot="0" spcFirstLastPara="0" vertOverflow="overflow" horzOverflow="overflow" vert="horz" wrap="square" lIns="91440" tIns="45720" rIns="91440" bIns="45720" numCol="1" spcCol="0" rtlCol="0" fromWordArt="0" anchor="ctr" anchorCtr="0" forceAA="0" compatLnSpc="1">
-            <a:prstTxWarp prst="textNoShape">
-              <a:avLst/>
-            </a:prstTxWarp>
-            <a:noAutofit/>
-          </a:bodyPr>
-          <a:lstStyle/>
-          <a:p>
-            <a:pPr marL="0" marR="0" lvl="0" indent="0" algn="ctr" defTabSz="914400" rtl="0" eaLnBrk="1" fontAlgn="auto" latinLnBrk="0" hangingPunct="1">
-              <a:lnSpc>
-                <a:spcPct val="100000"/>
-              </a:lnSpc>
-              <a:spcBef>
-                <a:spcPts val="300"/>
-              </a:spcBef>
-              <a:spcAft>
-                <a:spcPts val="300"/>
-              </a:spcAft>
-              <a:buClrTx/>
-              <a:buSzTx/>
-              <a:buFontTx/>
-              <a:buNone/>
-              <a:tabLst/>
-              <a:defRPr/>
-            </a:pPr>
-            <a:endParaRPr kumimoji="0" sz="1200" b="0" i="0" u="none" strike="noStrike" kern="1200" cap="none" spc="0" normalizeH="0" baseline="0" noProof="0">
-              <a:ln>
-                <a:noFill/>
-              </a:ln>
-              <a:solidFill>
-                <a:schemeClr val="tx1"/>
-              </a:solidFill>
-              <a:effectLst/>
-              <a:uLnTx/>
-              <a:uFillTx/>
-              <a:ea typeface="+mn-ea"/>
-              <a:cs typeface="Arial" panose="020B0604020202020204" pitchFamily="34" charset="0"/>
-            </a:endParaRPr>
-          </a:p>
-        </p:txBody>
-      </p:sp>
-      <p:cxnSp>
-        <p:nvCxnSpPr>
-          <p:cNvPr id="9687" name="Google Shape;166;p17">
-            <a:extLst>
-              <a:ext uri="{FF2B5EF4-FFF2-40B4-BE49-F238E27FC236}">
-                <a16:creationId xmlns:a16="http://schemas.microsoft.com/office/drawing/2014/main" id="{2E29EA62-F5E2-6FCF-DCBC-CC32711E33BE}"/>
-              </a:ext>
-            </a:extLst>
-          </p:cNvPr>
-          <p:cNvCxnSpPr>
-            <a:cxnSpLocks/>
-            <a:stCxn id="9686" idx="6"/>
-          </p:cNvCxnSpPr>
-          <p:nvPr/>
-        </p:nvCxnSpPr>
-        <p:spPr>
-          <a:xfrm flipV="1">
-            <a:off x="7465209" y="6631202"/>
-            <a:ext cx="2618705" cy="1"/>
-          </a:xfrm>
-          <a:prstGeom prst="straightConnector1">
-            <a:avLst/>
-          </a:prstGeom>
-          <a:ln w="12700" cap="flat">
-            <a:solidFill>
-              <a:schemeClr val="tx1"/>
-            </a:solidFill>
-            <a:miter lim="800000"/>
-            <a:tailEnd type="none"/>
-          </a:ln>
-        </p:spPr>
-        <p:style>
-          <a:lnRef idx="1">
-            <a:schemeClr val="accent1"/>
-          </a:lnRef>
-          <a:fillRef idx="0">
-            <a:schemeClr val="accent1"/>
-          </a:fillRef>
-          <a:effectRef idx="0">
-            <a:schemeClr val="accent1"/>
-          </a:effectRef>
-          <a:fontRef idx="minor">
-            <a:schemeClr val="tx1"/>
-          </a:fontRef>
-        </p:style>
-      </p:cxnSp>
-      <p:cxnSp>
-        <p:nvCxnSpPr>
-          <p:cNvPr id="9688" name="Google Shape;72;p15">
-            <a:extLst>
-              <a:ext uri="{FF2B5EF4-FFF2-40B4-BE49-F238E27FC236}">
-                <a16:creationId xmlns:a16="http://schemas.microsoft.com/office/drawing/2014/main" id="{C613BD23-AE78-905D-C457-B8E24A953DEE}"/>
-              </a:ext>
-            </a:extLst>
-          </p:cNvPr>
-          <p:cNvCxnSpPr>
-            <a:cxnSpLocks/>
-            <a:stCxn id="9677" idx="4"/>
-            <a:endCxn id="9686" idx="1"/>
-          </p:cNvCxnSpPr>
-          <p:nvPr/>
-        </p:nvCxnSpPr>
-        <p:spPr>
-          <a:xfrm>
-            <a:off x="6819906" y="5020986"/>
-            <a:ext cx="356226" cy="1494334"/>
-          </a:xfrm>
-          <a:prstGeom prst="straightConnector1">
-            <a:avLst/>
-          </a:prstGeom>
-          <a:ln w="12700" cap="flat">
-            <a:solidFill>
-              <a:schemeClr val="tx1"/>
-            </a:solidFill>
-            <a:miter lim="800000"/>
-            <a:tailEnd type="none"/>
-          </a:ln>
-        </p:spPr>
-        <p:style>
-          <a:lnRef idx="1">
-            <a:schemeClr val="accent1"/>
-          </a:lnRef>
-          <a:fillRef idx="0">
-            <a:schemeClr val="accent1"/>
-          </a:fillRef>
-          <a:effectRef idx="0">
-            <a:schemeClr val="accent1"/>
-          </a:effectRef>
-          <a:fontRef idx="minor">
-            <a:schemeClr val="tx1"/>
-          </a:fontRef>
-        </p:style>
-      </p:cxnSp>
-      <p:grpSp>
-        <p:nvGrpSpPr>
-          <p:cNvPr id="9689" name="Group 97">
-            <a:extLst>
-              <a:ext uri="{FF2B5EF4-FFF2-40B4-BE49-F238E27FC236}">
-                <a16:creationId xmlns:a16="http://schemas.microsoft.com/office/drawing/2014/main" id="{BBA112DF-B41F-DFE6-4075-53032CA8BAA6}"/>
-              </a:ext>
-            </a:extLst>
-          </p:cNvPr>
-          <p:cNvGrpSpPr>
-            <a:grpSpLocks noChangeAspect="1"/>
-          </p:cNvGrpSpPr>
-          <p:nvPr/>
-        </p:nvGrpSpPr>
-        <p:grpSpPr>
-          <a:xfrm>
-            <a:off x="6987604" y="4926622"/>
-            <a:ext cx="674865" cy="463510"/>
-            <a:chOff x="3424036" y="4960128"/>
-            <a:chExt cx="860582" cy="591064"/>
-          </a:xfrm>
-        </p:grpSpPr>
-        <p:pic>
-          <p:nvPicPr>
-            <p:cNvPr id="9690" name="Picture 6" descr="GitHub Actions · GitHub">
-              <a:extLst>
-                <a:ext uri="{FF2B5EF4-FFF2-40B4-BE49-F238E27FC236}">
-                  <a16:creationId xmlns:a16="http://schemas.microsoft.com/office/drawing/2014/main" id="{8882CD32-495E-0616-A3ED-97A7E1B51098}"/>
-                </a:ext>
-              </a:extLst>
-            </p:cNvPr>
-            <p:cNvPicPr>
-              <a:picLocks noChangeAspect="1" noChangeArrowheads="1"/>
-            </p:cNvPicPr>
-            <p:nvPr/>
-          </p:nvPicPr>
-          <p:blipFill>
-            <a:blip r:embed="rId12" cstate="screen">
-              <a:extLst>
-                <a:ext uri="{28A0092B-C50C-407E-A947-70E740481C1C}">
-                  <a14:useLocalDpi xmlns:a14="http://schemas.microsoft.com/office/drawing/2010/main"/>
-                </a:ext>
-              </a:extLst>
-            </a:blip>
-            <a:srcRect/>
-            <a:stretch>
-              <a:fillRect/>
-            </a:stretch>
-          </p:blipFill>
-          <p:spPr bwMode="auto">
-            <a:xfrm>
-              <a:off x="3681940" y="4960128"/>
-              <a:ext cx="411844" cy="411845"/>
-            </a:xfrm>
-            <a:prstGeom prst="rect">
-              <a:avLst/>
-            </a:prstGeom>
-            <a:noFill/>
-            <a:extLst>
-              <a:ext uri="{909E8E84-426E-40DD-AFC4-6F175D3DCCD1}">
-                <a14:hiddenFill xmlns:a14="http://schemas.microsoft.com/office/drawing/2010/main">
-                  <a:solidFill>
-                    <a:srgbClr val="FFFFFF"/>
-                  </a:solidFill>
-                </a14:hiddenFill>
-              </a:ext>
-            </a:extLst>
-          </p:spPr>
-        </p:pic>
-        <p:sp>
-          <p:nvSpPr>
-            <p:cNvPr id="9691" name="TextBox 99">
-              <a:extLst>
-                <a:ext uri="{FF2B5EF4-FFF2-40B4-BE49-F238E27FC236}">
-                  <a16:creationId xmlns:a16="http://schemas.microsoft.com/office/drawing/2014/main" id="{73DEB4C4-54B7-C6FA-81F8-481CD4400C1D}"/>
-                </a:ext>
-              </a:extLst>
-            </p:cNvPr>
-            <p:cNvSpPr txBox="1"/>
-            <p:nvPr/>
-          </p:nvSpPr>
-          <p:spPr>
-            <a:xfrm>
-              <a:off x="3424036" y="5394202"/>
-              <a:ext cx="860582" cy="156990"/>
-            </a:xfrm>
-            <a:prstGeom prst="rect">
-              <a:avLst/>
-            </a:prstGeom>
-          </p:spPr>
-          <p:txBody>
-            <a:bodyPr vert="horz" wrap="none" lIns="0" tIns="0" rIns="0" bIns="0" rtlCol="0">
-              <a:spAutoFit/>
-            </a:bodyPr>
-            <a:lstStyle>
-              <a:lvl1pPr lvl="0" indent="0">
-                <a:lnSpc>
-                  <a:spcPct val="100000"/>
-                </a:lnSpc>
-                <a:spcBef>
-                  <a:spcPts val="300"/>
-                </a:spcBef>
-                <a:spcAft>
-                  <a:spcPts val="300"/>
-                </a:spcAft>
-                <a:buFont typeface="Segoe UI" panose="020B0502040204020203" pitchFamily="34" charset="0"/>
-                <a:buChar char="​"/>
-                <a:defRPr sz="1600">
-                  <a:cs typeface="Arial" panose="020B0604020202020204" pitchFamily="34" charset="0"/>
-                </a:defRPr>
-              </a:lvl1pPr>
-              <a:lvl2pPr marL="228600" lvl="1" indent="-225425">
-                <a:lnSpc>
-                  <a:spcPct val="100000"/>
-                </a:lnSpc>
-                <a:spcBef>
-                  <a:spcPts val="0"/>
-                </a:spcBef>
-                <a:spcAft>
-                  <a:spcPts val="300"/>
-                </a:spcAft>
-                <a:buFont typeface="Wingdings" panose="05000000000000000000" pitchFamily="2" charset="2"/>
-                <a:buChar char=""/>
-                <a:defRPr sz="1600">
-                  <a:cs typeface="Arial" panose="020B0604020202020204" pitchFamily="34" charset="0"/>
-                </a:defRPr>
-              </a:lvl2pPr>
-              <a:lvl3pPr marL="515938" lvl="2" indent="-287338">
-                <a:lnSpc>
-                  <a:spcPct val="100000"/>
-                </a:lnSpc>
-                <a:spcBef>
-                  <a:spcPts val="0"/>
-                </a:spcBef>
-                <a:spcAft>
-                  <a:spcPts val="300"/>
-                </a:spcAft>
-                <a:buFont typeface="Arial" panose="020B0604020202020204" pitchFamily="34" charset="0"/>
-                <a:buChar char="—"/>
-                <a:defRPr sz="1600">
-                  <a:cs typeface="Arial" panose="020B0604020202020204" pitchFamily="34" charset="0"/>
-                </a:defRPr>
-              </a:lvl3pPr>
-              <a:lvl4pPr marL="742950" lvl="3" indent="-182563">
-                <a:lnSpc>
-                  <a:spcPct val="100000"/>
-                </a:lnSpc>
-                <a:spcBef>
-                  <a:spcPts val="0"/>
-                </a:spcBef>
-                <a:spcAft>
-                  <a:spcPts val="300"/>
-                </a:spcAft>
-                <a:buFont typeface="Arial" panose="020B0604020202020204" pitchFamily="34" charset="0"/>
-                <a:buChar char="»"/>
-                <a:defRPr sz="1600">
-                  <a:cs typeface="Arial" panose="020B0604020202020204" pitchFamily="34" charset="0"/>
-                </a:defRPr>
-              </a:lvl4pPr>
-              <a:lvl5pPr marL="914400" lvl="4" indent="-136525">
-                <a:lnSpc>
-                  <a:spcPct val="100000"/>
-                </a:lnSpc>
-                <a:spcBef>
-                  <a:spcPts val="0"/>
-                </a:spcBef>
-                <a:spcAft>
-                  <a:spcPts val="300"/>
-                </a:spcAft>
-                <a:buSzPct val="100000"/>
-                <a:buFont typeface="Arial" panose="020B0604020202020204" pitchFamily="34" charset="0"/>
-                <a:buChar char="›"/>
-                <a:defRPr sz="1600">
-                  <a:cs typeface="Arial" panose="020B0604020202020204" pitchFamily="34" charset="0"/>
-                </a:defRPr>
-              </a:lvl5pPr>
-              <a:lvl6pPr marL="1085850" indent="-171450">
-                <a:lnSpc>
-                  <a:spcPct val="100000"/>
-                </a:lnSpc>
-                <a:spcBef>
-                  <a:spcPts val="0"/>
-                </a:spcBef>
-                <a:spcAft>
-                  <a:spcPts val="300"/>
-                </a:spcAft>
-                <a:buSzPct val="100000"/>
-                <a:buFont typeface="Arial" panose="020B0604020202020204" pitchFamily="34" charset="0"/>
-                <a:buChar char="▫"/>
-                <a:defRPr sz="1600">
-                  <a:cs typeface="Arial" panose="020B0604020202020204" pitchFamily="34" charset="0"/>
-                </a:defRPr>
-              </a:lvl6pPr>
-              <a:lvl7pPr marL="1085850" indent="-171450">
-                <a:lnSpc>
-                  <a:spcPct val="100000"/>
-                </a:lnSpc>
-                <a:spcBef>
-                  <a:spcPts val="0"/>
-                </a:spcBef>
-                <a:spcAft>
-                  <a:spcPts val="300"/>
-                </a:spcAft>
-                <a:buSzPct val="100000"/>
-                <a:buFont typeface="Arial" panose="020B0604020202020204" pitchFamily="34" charset="0"/>
-                <a:buChar char="▫"/>
-                <a:defRPr sz="1600">
-                  <a:cs typeface="Arial" panose="020B0604020202020204" pitchFamily="34" charset="0"/>
-                </a:defRPr>
-              </a:lvl7pPr>
-              <a:lvl8pPr marL="1085850" indent="-171450">
-                <a:lnSpc>
-                  <a:spcPct val="100000"/>
-                </a:lnSpc>
-                <a:spcBef>
-                  <a:spcPts val="0"/>
-                </a:spcBef>
-                <a:spcAft>
-                  <a:spcPts val="300"/>
-                </a:spcAft>
-                <a:buSzPct val="100000"/>
-                <a:buFont typeface="Arial" panose="020B0604020202020204" pitchFamily="34" charset="0"/>
-                <a:buChar char="▫"/>
-                <a:defRPr sz="1600">
-                  <a:cs typeface="Arial" panose="020B0604020202020204" pitchFamily="34" charset="0"/>
-                </a:defRPr>
-              </a:lvl8pPr>
-              <a:lvl9pPr marL="1085850" indent="-171450">
-                <a:lnSpc>
-                  <a:spcPct val="100000"/>
-                </a:lnSpc>
-                <a:spcBef>
-                  <a:spcPts val="0"/>
-                </a:spcBef>
-                <a:spcAft>
-                  <a:spcPts val="300"/>
-                </a:spcAft>
-                <a:buSzPct val="100000"/>
-                <a:buFont typeface="Arial" panose="020B0604020202020204" pitchFamily="34" charset="0"/>
-                <a:buChar char="▫"/>
-                <a:defRPr sz="1600">
-                  <a:cs typeface="Arial" panose="020B0604020202020204" pitchFamily="34" charset="0"/>
-                </a:defRPr>
-              </a:lvl9pPr>
-            </a:lstStyle>
-            <a:p>
-              <a:pPr marL="0" marR="0" lvl="0" indent="0" algn="l" defTabSz="914400" rtl="0" eaLnBrk="1" fontAlgn="auto" latinLnBrk="0" hangingPunct="1">
-                <a:lnSpc>
-                  <a:spcPct val="100000"/>
-                </a:lnSpc>
-                <a:spcBef>
-                  <a:spcPts val="300"/>
-                </a:spcBef>
-                <a:spcAft>
-                  <a:spcPts val="300"/>
-                </a:spcAft>
-                <a:buClrTx/>
-                <a:buSzTx/>
-                <a:buFont typeface="Segoe UI" panose="020B0502040204020203" pitchFamily="34" charset="0"/>
-                <a:buChar char="​"/>
-                <a:tabLst/>
-                <a:defRPr/>
-              </a:pPr>
-              <a:r>
-                <a:rPr kumimoji="0" lang="en-GB" sz="800" b="0" i="0" u="none" strike="noStrike" kern="1200" cap="none" spc="0" normalizeH="0" baseline="0" noProof="0" dirty="0" err="1">
-                  <a:ln>
-                    <a:noFill/>
-                  </a:ln>
-                  <a:effectLst/>
-                  <a:uLnTx/>
-                  <a:uFillTx/>
-                  <a:ea typeface="+mn-ea"/>
-                  <a:cs typeface="Arial" panose="020B0604020202020204" pitchFamily="34" charset="0"/>
-                </a:rPr>
-                <a:t>Github</a:t>
-              </a:r>
-              <a:r>
-                <a:rPr kumimoji="0" lang="en-GB" sz="800" b="0" i="0" u="none" strike="noStrike" kern="1200" cap="none" spc="0" normalizeH="0" baseline="0" noProof="0" dirty="0">
-                  <a:ln>
-                    <a:noFill/>
-                  </a:ln>
-                  <a:effectLst/>
-                  <a:uLnTx/>
-                  <a:uFillTx/>
-                  <a:ea typeface="+mn-ea"/>
-                  <a:cs typeface="Arial" panose="020B0604020202020204" pitchFamily="34" charset="0"/>
-                </a:rPr>
-                <a:t> Actions</a:t>
-              </a:r>
-            </a:p>
-          </p:txBody>
-        </p:sp>
-      </p:grpSp>
-      <p:grpSp>
-        <p:nvGrpSpPr>
-          <p:cNvPr id="9692" name="Group 103">
-            <a:extLst>
-              <a:ext uri="{FF2B5EF4-FFF2-40B4-BE49-F238E27FC236}">
-                <a16:creationId xmlns:a16="http://schemas.microsoft.com/office/drawing/2014/main" id="{3038186C-3830-6450-0BBD-E7A3C1FB0292}"/>
-              </a:ext>
-            </a:extLst>
-          </p:cNvPr>
-          <p:cNvGrpSpPr/>
-          <p:nvPr/>
-        </p:nvGrpSpPr>
-        <p:grpSpPr>
-          <a:xfrm>
-            <a:off x="7606374" y="5834293"/>
-            <a:ext cx="1699066" cy="416824"/>
-            <a:chOff x="5025518" y="1732174"/>
-            <a:chExt cx="1872865" cy="458329"/>
-          </a:xfrm>
-        </p:grpSpPr>
-        <p:sp>
-          <p:nvSpPr>
-            <p:cNvPr id="9693" name="Shape 114">
-              <a:extLst>
-                <a:ext uri="{FF2B5EF4-FFF2-40B4-BE49-F238E27FC236}">
-                  <a16:creationId xmlns:a16="http://schemas.microsoft.com/office/drawing/2014/main" id="{23071DC6-D7D5-F888-0A01-A5A8C6F3C7D4}"/>
-                </a:ext>
-              </a:extLst>
-            </p:cNvPr>
-            <p:cNvSpPr txBox="1"/>
-            <p:nvPr/>
-          </p:nvSpPr>
-          <p:spPr>
-            <a:xfrm>
-              <a:off x="5370298" y="1804161"/>
-              <a:ext cx="1528085" cy="328173"/>
-            </a:xfrm>
-            <a:prstGeom prst="rect">
-              <a:avLst/>
-            </a:prstGeom>
-            <a:noFill/>
-            <a:ln>
-              <a:noFill/>
-            </a:ln>
-          </p:spPr>
-          <p:txBody>
-            <a:bodyPr spcFirstLastPara="1" wrap="square" lIns="121900" tIns="121900" rIns="121900" bIns="121900" anchor="ctr" anchorCtr="0">
-              <a:noAutofit/>
-            </a:bodyPr>
-            <a:lstStyle/>
-            <a:p>
-              <a:pPr marL="0" marR="0" lvl="0" indent="0" algn="l" defTabSz="914400" rtl="0" eaLnBrk="1" fontAlgn="auto" latinLnBrk="0" hangingPunct="1">
-                <a:lnSpc>
-                  <a:spcPct val="100000"/>
-                </a:lnSpc>
-                <a:spcBef>
-                  <a:spcPts val="0"/>
-                </a:spcBef>
-                <a:spcAft>
-                  <a:spcPts val="0"/>
-                </a:spcAft>
-                <a:buClrTx/>
-                <a:buSzTx/>
-                <a:buFontTx/>
-                <a:buNone/>
-                <a:tabLst/>
-                <a:defRPr/>
-              </a:pPr>
-              <a:r>
-                <a:rPr kumimoji="0" lang="es-PE" sz="1050" b="0" i="0" u="none" strike="noStrike" kern="1200" cap="none" spc="0" normalizeH="0" baseline="0" noProof="0" dirty="0">
-                  <a:ln>
-                    <a:noFill/>
-                  </a:ln>
-                  <a:effectLst/>
-                  <a:uLnTx/>
-                  <a:uFillTx/>
-                  <a:ea typeface="Open Sans" panose="020B0606030504020204" pitchFamily="34" charset="0"/>
-                  <a:cs typeface="Arial" panose="020B0604020202020204" pitchFamily="34" charset="0"/>
-                </a:rPr>
-                <a:t>Deploy Prod</a:t>
-              </a:r>
-              <a:endParaRPr kumimoji="0" sz="1050" b="0" i="0" u="none" strike="noStrike" kern="1200" cap="none" spc="0" normalizeH="0" baseline="0" noProof="0" dirty="0">
-                <a:ln>
-                  <a:noFill/>
-                </a:ln>
-                <a:effectLst/>
-                <a:uLnTx/>
-                <a:uFillTx/>
-                <a:ea typeface="Open Sans" panose="020B0606030504020204" pitchFamily="34" charset="0"/>
-                <a:cs typeface="Arial" panose="020B0604020202020204" pitchFamily="34" charset="0"/>
-              </a:endParaRPr>
-            </a:p>
-          </p:txBody>
-        </p:sp>
-        <p:pic>
-          <p:nvPicPr>
-            <p:cNvPr id="9694" name="Graphic 105" descr="Single gear">
-              <a:extLst>
-                <a:ext uri="{FF2B5EF4-FFF2-40B4-BE49-F238E27FC236}">
-                  <a16:creationId xmlns:a16="http://schemas.microsoft.com/office/drawing/2014/main" id="{620BCAE0-CCAD-80B9-A8AE-C631A5D05962}"/>
-                </a:ext>
-              </a:extLst>
-            </p:cNvPr>
-            <p:cNvPicPr>
-              <a:picLocks noChangeAspect="1"/>
-            </p:cNvPicPr>
-            <p:nvPr/>
-          </p:nvPicPr>
-          <p:blipFill>
-            <a:blip r:embed="rId10" cstate="screen">
-              <a:extLst>
-                <a:ext uri="{28A0092B-C50C-407E-A947-70E740481C1C}">
-                  <a14:useLocalDpi xmlns:a14="http://schemas.microsoft.com/office/drawing/2010/main"/>
-                </a:ext>
-                <a:ext uri="{96DAC541-7B7A-43D3-8B79-37D633B846F1}">
-                  <asvg:svgBlip xmlns:asvg="http://schemas.microsoft.com/office/drawing/2016/SVG/main" r:embed="rId11"/>
-                </a:ext>
-              </a:extLst>
-            </a:blip>
-            <a:stretch>
-              <a:fillRect/>
-            </a:stretch>
-          </p:blipFill>
-          <p:spPr>
-            <a:xfrm>
-              <a:off x="5025516" y="1732174"/>
-              <a:ext cx="458329" cy="458329"/>
-            </a:xfrm>
-            <a:prstGeom prst="rect">
-              <a:avLst/>
-            </a:prstGeom>
-          </p:spPr>
-        </p:pic>
-      </p:grpSp>
-      <p:cxnSp>
-        <p:nvCxnSpPr>
-          <p:cNvPr id="9695" name="Google Shape;166;p17">
-            <a:extLst>
-              <a:ext uri="{FF2B5EF4-FFF2-40B4-BE49-F238E27FC236}">
-                <a16:creationId xmlns:a16="http://schemas.microsoft.com/office/drawing/2014/main" id="{54BB77B3-AA78-A501-5F54-2ED54209BEF2}"/>
-              </a:ext>
-            </a:extLst>
-          </p:cNvPr>
-          <p:cNvCxnSpPr>
-            <a:cxnSpLocks/>
-          </p:cNvCxnSpPr>
-          <p:nvPr/>
-        </p:nvCxnSpPr>
-        <p:spPr>
-          <a:xfrm>
-            <a:off x="7176132" y="5529100"/>
-            <a:ext cx="426515" cy="365236"/>
-          </a:xfrm>
-          <a:prstGeom prst="straightConnector1">
-            <a:avLst/>
-          </a:prstGeom>
-          <a:noFill/>
-          <a:ln w="6350" cap="flat" cmpd="sng">
-            <a:solidFill>
-              <a:srgbClr val="000000"/>
-            </a:solidFill>
-            <a:prstDash val="solid"/>
-            <a:round/>
-            <a:headEnd type="none" w="med" len="med"/>
-            <a:tailEnd type="triangle" w="med" len="med"/>
-          </a:ln>
-        </p:spPr>
-      </p:cxnSp>
-      <p:sp>
-        <p:nvSpPr>
-          <p:cNvPr id="9696" name="Google Shape;66;p15">
-            <a:extLst>
-              <a:ext uri="{FF2B5EF4-FFF2-40B4-BE49-F238E27FC236}">
-                <a16:creationId xmlns:a16="http://schemas.microsoft.com/office/drawing/2014/main" id="{F7D8A887-C2BB-1C22-8FEE-1B3D715576F2}"/>
-              </a:ext>
-            </a:extLst>
-          </p:cNvPr>
-          <p:cNvSpPr txBox="1"/>
-          <p:nvPr/>
-        </p:nvSpPr>
-        <p:spPr>
-          <a:xfrm>
-            <a:off x="4921046" y="4875411"/>
-            <a:ext cx="454218" cy="234286"/>
-          </a:xfrm>
-          <a:prstGeom prst="rect">
-            <a:avLst/>
-          </a:prstGeom>
-          <a:noFill/>
-          <a:ln>
-            <a:noFill/>
-          </a:ln>
-        </p:spPr>
-        <p:txBody>
-          <a:bodyPr spcFirstLastPara="1" wrap="none" lIns="36000" tIns="36000" rIns="36000" bIns="36000" anchor="ctr" anchorCtr="0">
-            <a:spAutoFit/>
-          </a:bodyPr>
-          <a:lstStyle/>
-          <a:p>
-            <a:pPr marL="0" marR="0" lvl="0" indent="0" algn="ctr" defTabSz="914400" rtl="0" eaLnBrk="1" fontAlgn="auto" latinLnBrk="0" hangingPunct="1">
-              <a:lnSpc>
-                <a:spcPct val="100000"/>
-              </a:lnSpc>
-              <a:spcBef>
-                <a:spcPts val="0"/>
-              </a:spcBef>
-              <a:spcAft>
-                <a:spcPts val="0"/>
-              </a:spcAft>
-              <a:buClrTx/>
-              <a:buSzTx/>
-              <a:buFontTx/>
-              <a:buNone/>
-              <a:tabLst/>
-              <a:defRPr/>
-            </a:pPr>
-            <a:r>
-              <a:rPr kumimoji="0" lang="en" sz="1050" b="0" i="0" u="none" strike="noStrike" kern="1200" cap="none" spc="0" normalizeH="0" baseline="0" noProof="0" dirty="0">
-                <a:ln>
-                  <a:noFill/>
-                </a:ln>
-                <a:effectLst/>
-                <a:uLnTx/>
-                <a:uFillTx/>
-                <a:ea typeface="+mn-ea"/>
-                <a:cs typeface="Arial" panose="020B0604020202020204" pitchFamily="34" charset="0"/>
-              </a:rPr>
-              <a:t>Merge</a:t>
-            </a:r>
-            <a:endParaRPr kumimoji="0" sz="1050" b="0" i="0" u="none" strike="noStrike" kern="1200" cap="none" spc="0" normalizeH="0" baseline="0" noProof="0" dirty="0">
-              <a:ln>
-                <a:noFill/>
-              </a:ln>
-              <a:effectLst/>
-              <a:uLnTx/>
-              <a:uFillTx/>
-              <a:ea typeface="+mn-ea"/>
-              <a:cs typeface="Arial" panose="020B0604020202020204" pitchFamily="34" charset="0"/>
-            </a:endParaRPr>
-          </a:p>
-        </p:txBody>
-      </p:sp>
-      <p:grpSp>
-        <p:nvGrpSpPr>
-          <p:cNvPr id="9697" name="Group 109">
-            <a:extLst>
-              <a:ext uri="{FF2B5EF4-FFF2-40B4-BE49-F238E27FC236}">
-                <a16:creationId xmlns:a16="http://schemas.microsoft.com/office/drawing/2014/main" id="{4C15B8E3-6555-15D3-3F18-95B314C5980C}"/>
-              </a:ext>
-            </a:extLst>
-          </p:cNvPr>
-          <p:cNvGrpSpPr/>
-          <p:nvPr/>
-        </p:nvGrpSpPr>
-        <p:grpSpPr>
-          <a:xfrm>
-            <a:off x="881785" y="6341917"/>
-            <a:ext cx="1330564" cy="584735"/>
-            <a:chOff x="828241" y="1752545"/>
-            <a:chExt cx="1463056" cy="642960"/>
-          </a:xfrm>
-        </p:grpSpPr>
-        <p:sp>
-          <p:nvSpPr>
-            <p:cNvPr id="9698" name="Google Shape;66;p15">
-              <a:extLst>
-                <a:ext uri="{FF2B5EF4-FFF2-40B4-BE49-F238E27FC236}">
-                  <a16:creationId xmlns:a16="http://schemas.microsoft.com/office/drawing/2014/main" id="{24FD68EA-2416-5E34-4F11-EEA28BF8B447}"/>
-                </a:ext>
-              </a:extLst>
-            </p:cNvPr>
-            <p:cNvSpPr txBox="1"/>
-            <p:nvPr/>
-          </p:nvSpPr>
-          <p:spPr>
-            <a:xfrm>
-              <a:off x="1189153" y="1752545"/>
-              <a:ext cx="1102144" cy="642960"/>
-            </a:xfrm>
-            <a:prstGeom prst="rect">
-              <a:avLst/>
-            </a:prstGeom>
-            <a:noFill/>
-            <a:ln>
-              <a:noFill/>
-            </a:ln>
-          </p:spPr>
-          <p:txBody>
-            <a:bodyPr spcFirstLastPara="1" wrap="square" lIns="121900" tIns="121900" rIns="121900" bIns="121900" anchor="t" anchorCtr="0">
-              <a:spAutoFit/>
-            </a:bodyPr>
-            <a:lstStyle/>
-            <a:p>
-              <a:pPr marL="0" marR="0" lvl="0" indent="0" algn="l" defTabSz="914400" rtl="0" eaLnBrk="1" fontAlgn="auto" latinLnBrk="0" hangingPunct="1">
-                <a:lnSpc>
-                  <a:spcPct val="100000"/>
-                </a:lnSpc>
-                <a:spcBef>
-                  <a:spcPts val="0"/>
-                </a:spcBef>
-                <a:spcAft>
-                  <a:spcPts val="0"/>
-                </a:spcAft>
-                <a:buClrTx/>
-                <a:buSzTx/>
-                <a:buFontTx/>
-                <a:buNone/>
-                <a:tabLst/>
-                <a:defRPr/>
-              </a:pPr>
-              <a:r>
-                <a:rPr kumimoji="0" lang="en" sz="1100" b="0" i="0" u="none" strike="noStrike" kern="1200" cap="none" spc="0" normalizeH="0" baseline="0" noProof="0" dirty="0">
-                  <a:ln>
-                    <a:noFill/>
-                  </a:ln>
-                  <a:effectLst/>
-                  <a:uLnTx/>
-                  <a:uFillTx/>
-                  <a:ea typeface="+mn-ea"/>
-                  <a:cs typeface="Arial" panose="020B0604020202020204" pitchFamily="34" charset="0"/>
-                </a:rPr>
-                <a:t>Release</a:t>
-              </a:r>
-              <a:br>
-                <a:rPr kumimoji="0" lang="en" sz="1100" b="0" i="0" u="none" strike="noStrike" kern="1200" cap="none" spc="0" normalizeH="0" baseline="0" noProof="0" dirty="0">
-                  <a:ln>
-                    <a:noFill/>
-                  </a:ln>
-                  <a:effectLst/>
-                  <a:uLnTx/>
-                  <a:uFillTx/>
-                  <a:ea typeface="+mn-ea"/>
-                  <a:cs typeface="Arial" panose="020B0604020202020204" pitchFamily="34" charset="0"/>
-                </a:rPr>
-              </a:br>
-              <a:r>
-                <a:rPr kumimoji="0" lang="en" sz="1100" b="0" i="0" u="none" strike="noStrike" kern="1200" cap="none" spc="0" normalizeH="0" baseline="0" noProof="0" dirty="0">
-                  <a:ln>
-                    <a:noFill/>
-                  </a:ln>
-                  <a:effectLst/>
-                  <a:uLnTx/>
-                  <a:uFillTx/>
-                  <a:ea typeface="+mn-ea"/>
-                  <a:cs typeface="Arial" panose="020B0604020202020204" pitchFamily="34" charset="0"/>
-                </a:rPr>
-                <a:t>Branches</a:t>
-              </a:r>
-              <a:endParaRPr kumimoji="0" sz="1100" b="0" i="0" u="none" strike="noStrike" kern="1200" cap="none" spc="0" normalizeH="0" baseline="0" noProof="0" dirty="0">
-                <a:ln>
-                  <a:noFill/>
-                </a:ln>
-                <a:effectLst/>
-                <a:uLnTx/>
-                <a:uFillTx/>
-                <a:ea typeface="+mn-ea"/>
-                <a:cs typeface="Arial" panose="020B0604020202020204" pitchFamily="34" charset="0"/>
-              </a:endParaRPr>
-            </a:p>
-          </p:txBody>
-        </p:sp>
-        <p:pic>
-          <p:nvPicPr>
-            <p:cNvPr id="9699" name="Picture 10" descr="Resultado de imagen para reloj de arena logo">
-              <a:extLst>
-                <a:ext uri="{FF2B5EF4-FFF2-40B4-BE49-F238E27FC236}">
-                  <a16:creationId xmlns:a16="http://schemas.microsoft.com/office/drawing/2014/main" id="{98B881D3-FDA4-280D-3C1A-F0428ABCBF81}"/>
-                </a:ext>
-              </a:extLst>
-            </p:cNvPr>
-            <p:cNvPicPr>
-              <a:picLocks noChangeAspect="1" noChangeArrowheads="1"/>
-            </p:cNvPicPr>
-            <p:nvPr/>
-          </p:nvPicPr>
-          <p:blipFill>
-            <a:blip r:embed="rId7" cstate="screen">
-              <a:extLst>
-                <a:ext uri="{28A0092B-C50C-407E-A947-70E740481C1C}">
-                  <a14:useLocalDpi xmlns:a14="http://schemas.microsoft.com/office/drawing/2010/main"/>
-                </a:ext>
-              </a:extLst>
-            </a:blip>
-            <a:srcRect/>
-            <a:stretch>
-              <a:fillRect/>
-            </a:stretch>
-          </p:blipFill>
-          <p:spPr bwMode="auto">
-            <a:xfrm>
-              <a:off x="828241" y="1916517"/>
-              <a:ext cx="392400" cy="392400"/>
-            </a:xfrm>
-            <a:prstGeom prst="rect">
-              <a:avLst/>
-            </a:prstGeom>
-            <a:noFill/>
-            <a:extLst>
-              <a:ext uri="{909E8E84-426E-40DD-AFC4-6F175D3DCCD1}">
-                <a14:hiddenFill xmlns:a14="http://schemas.microsoft.com/office/drawing/2010/main">
-                  <a:solidFill>
-                    <a:srgbClr val="FFFFFF"/>
-                  </a:solidFill>
-                </a14:hiddenFill>
-              </a:ext>
-            </a:extLst>
-          </p:spPr>
-        </p:pic>
-      </p:grpSp>
-      <p:sp>
-        <p:nvSpPr>
-          <p:cNvPr id="9700" name="Flecha abajo 26">
-            <a:extLst>
-              <a:ext uri="{FF2B5EF4-FFF2-40B4-BE49-F238E27FC236}">
-                <a16:creationId xmlns:a16="http://schemas.microsoft.com/office/drawing/2014/main" id="{D7440354-1C49-3458-3534-A7AE068F2071}"/>
-              </a:ext>
-            </a:extLst>
-          </p:cNvPr>
-          <p:cNvSpPr/>
-          <p:nvPr/>
-        </p:nvSpPr>
-        <p:spPr>
-          <a:xfrm rot="10800000">
-            <a:off x="7145910" y="6828655"/>
-            <a:ext cx="289078" cy="147330"/>
-          </a:xfrm>
-          <a:prstGeom prst="downArrow">
-            <a:avLst/>
-          </a:prstGeom>
-        </p:spPr>
-        <p:style>
-          <a:lnRef idx="2">
-            <a:schemeClr val="accent1">
-              <a:shade val="50000"/>
-            </a:schemeClr>
-          </a:lnRef>
-          <a:fillRef idx="1">
-            <a:schemeClr val="accent1"/>
-          </a:fillRef>
-          <a:effectRef idx="0">
-            <a:schemeClr val="accent1"/>
-          </a:effectRef>
-          <a:fontRef idx="minor">
-            <a:schemeClr val="lt1"/>
-          </a:fontRef>
-        </p:style>
-        <p:txBody>
-          <a:bodyPr rtlCol="0" anchor="ctr"/>
-          <a:lstStyle/>
-          <a:p>
-            <a:pPr marL="0" marR="0" lvl="0" indent="0" algn="ctr" defTabSz="914400" rtl="0" eaLnBrk="1" fontAlgn="auto" latinLnBrk="0" hangingPunct="1">
-              <a:lnSpc>
-                <a:spcPct val="100000"/>
-              </a:lnSpc>
-              <a:spcBef>
-                <a:spcPts val="0"/>
-              </a:spcBef>
-              <a:spcAft>
-                <a:spcPts val="0"/>
-              </a:spcAft>
-              <a:buClrTx/>
-              <a:buSzTx/>
-              <a:buFontTx/>
-              <a:buNone/>
-              <a:tabLst/>
-              <a:defRPr/>
-            </a:pPr>
-            <a:endParaRPr kumimoji="0" lang="es-PE" sz="1400" b="0" i="0" u="none" strike="noStrike" kern="1200" cap="none" spc="0" normalizeH="0" baseline="0" noProof="0">
-              <a:ln>
-                <a:noFill/>
-              </a:ln>
-              <a:solidFill>
-                <a:schemeClr val="tx1"/>
-              </a:solidFill>
-              <a:effectLst/>
-              <a:uLnTx/>
-              <a:uFillTx/>
-              <a:ea typeface="+mn-ea"/>
-              <a:cs typeface="Arial" panose="020B0604020202020204" pitchFamily="34" charset="0"/>
-            </a:endParaRPr>
-          </a:p>
-        </p:txBody>
-      </p:sp>
-      <p:sp>
-        <p:nvSpPr>
-          <p:cNvPr id="9701" name="Google Shape;66;p15">
-            <a:extLst>
-              <a:ext uri="{FF2B5EF4-FFF2-40B4-BE49-F238E27FC236}">
-                <a16:creationId xmlns:a16="http://schemas.microsoft.com/office/drawing/2014/main" id="{E03F27D0-8590-D1E0-D36E-9B785077C8B0}"/>
-              </a:ext>
-            </a:extLst>
-          </p:cNvPr>
-          <p:cNvSpPr txBox="1"/>
-          <p:nvPr/>
-        </p:nvSpPr>
-        <p:spPr>
-          <a:xfrm>
-            <a:off x="10199870" y="6426923"/>
-            <a:ext cx="1621368" cy="415458"/>
-          </a:xfrm>
-          <a:prstGeom prst="rect">
-            <a:avLst/>
-          </a:prstGeom>
-          <a:noFill/>
-          <a:ln>
-            <a:noFill/>
-          </a:ln>
-        </p:spPr>
-        <p:txBody>
-          <a:bodyPr spcFirstLastPara="1" wrap="square" lIns="72000" tIns="121900" rIns="72000" bIns="121900" anchor="t" anchorCtr="0">
-            <a:spAutoFit/>
-          </a:bodyPr>
-          <a:lstStyle/>
-          <a:p>
-            <a:pPr marL="0" marR="0" lvl="0" indent="0" algn="l" defTabSz="914400" rtl="0" eaLnBrk="1" fontAlgn="auto" latinLnBrk="0" hangingPunct="1">
-              <a:lnSpc>
-                <a:spcPct val="100000"/>
-              </a:lnSpc>
-              <a:spcBef>
-                <a:spcPts val="0"/>
-              </a:spcBef>
-              <a:spcAft>
-                <a:spcPts val="0"/>
-              </a:spcAft>
-              <a:buClrTx/>
-              <a:buSzTx/>
-              <a:buFontTx/>
-              <a:buNone/>
-              <a:tabLst/>
-              <a:defRPr/>
-            </a:pPr>
-            <a:r>
-              <a:rPr kumimoji="0" lang="en" sz="1050" b="0" i="0" u="none" strike="noStrike" kern="1200" cap="none" spc="0" normalizeH="0" baseline="0" noProof="0" dirty="0">
-                <a:ln>
-                  <a:noFill/>
-                </a:ln>
-                <a:effectLst/>
-                <a:uLnTx/>
-                <a:uFillTx/>
-                <a:ea typeface="+mn-ea"/>
-                <a:cs typeface="Arial" panose="020B0604020202020204" pitchFamily="34" charset="0"/>
-              </a:rPr>
-              <a:t>Production Code</a:t>
-            </a:r>
-            <a:endParaRPr kumimoji="0" sz="1050" b="0" i="0" u="none" strike="noStrike" kern="1200" cap="none" spc="0" normalizeH="0" baseline="0" noProof="0" dirty="0">
-              <a:ln>
-                <a:noFill/>
-              </a:ln>
-              <a:effectLst/>
-              <a:uLnTx/>
-              <a:uFillTx/>
-              <a:ea typeface="+mn-ea"/>
-              <a:cs typeface="Arial" panose="020B0604020202020204" pitchFamily="34" charset="0"/>
-            </a:endParaRPr>
-          </a:p>
-        </p:txBody>
-      </p:sp>
-      <p:sp>
-        <p:nvSpPr>
-          <p:cNvPr id="9702" name="Google Shape;161;p17">
-            <a:extLst>
-              <a:ext uri="{FF2B5EF4-FFF2-40B4-BE49-F238E27FC236}">
-                <a16:creationId xmlns:a16="http://schemas.microsoft.com/office/drawing/2014/main" id="{0CBF681B-4E7E-B610-7AAE-DF63521DD54E}"/>
-              </a:ext>
-            </a:extLst>
-          </p:cNvPr>
-          <p:cNvSpPr/>
-          <p:nvPr/>
-        </p:nvSpPr>
-        <p:spPr>
-          <a:xfrm>
-            <a:off x="8764913" y="4687246"/>
-            <a:ext cx="338676" cy="327763"/>
-          </a:xfrm>
-          <a:prstGeom prst="ellipse">
-            <a:avLst/>
-          </a:prstGeom>
-          <a:solidFill>
-            <a:schemeClr val="accent3"/>
-          </a:solidFill>
-          <a:ln w="19050" cap="flat" cmpd="sng">
-            <a:solidFill>
-              <a:schemeClr val="bg1"/>
-            </a:solidFill>
-            <a:prstDash val="solid"/>
-            <a:round/>
-            <a:headEnd type="none" w="sm" len="sm"/>
-            <a:tailEnd type="none" w="sm" len="sm"/>
-          </a:ln>
-        </p:spPr>
-        <p:txBody>
-          <a:bodyPr spcFirstLastPara="1" wrap="square" lIns="121900" tIns="121900" rIns="121900" bIns="121900" anchor="ctr" anchorCtr="0">
-            <a:noAutofit/>
-          </a:bodyPr>
-          <a:lstStyle/>
-          <a:p>
-            <a:endParaRPr sz="1600">
-              <a:solidFill>
-                <a:schemeClr val="tx1"/>
-              </a:solidFill>
-              <a:cs typeface="Arial" panose="020B0604020202020204" pitchFamily="34" charset="0"/>
-            </a:endParaRPr>
-          </a:p>
-        </p:txBody>
-      </p:sp>
-      <p:sp>
-        <p:nvSpPr>
-          <p:cNvPr id="9703" name="Google Shape;66;p15">
-            <a:extLst>
-              <a:ext uri="{FF2B5EF4-FFF2-40B4-BE49-F238E27FC236}">
-                <a16:creationId xmlns:a16="http://schemas.microsoft.com/office/drawing/2014/main" id="{001E149E-3BF1-5259-FA84-7C4892C137E7}"/>
-              </a:ext>
-            </a:extLst>
-          </p:cNvPr>
-          <p:cNvSpPr txBox="1"/>
-          <p:nvPr/>
-        </p:nvSpPr>
-        <p:spPr>
-          <a:xfrm>
-            <a:off x="8764913" y="4815729"/>
-            <a:ext cx="1105349" cy="407764"/>
-          </a:xfrm>
-          <a:prstGeom prst="rect">
-            <a:avLst/>
-          </a:prstGeom>
-          <a:noFill/>
-          <a:ln>
-            <a:noFill/>
-          </a:ln>
-        </p:spPr>
-        <p:txBody>
-          <a:bodyPr spcFirstLastPara="1" wrap="square" lIns="121900" tIns="121900" rIns="121900" bIns="121900" anchor="t" anchorCtr="0">
-            <a:noAutofit/>
-          </a:bodyPr>
-          <a:lstStyle/>
-          <a:p>
-            <a:pPr marL="0" marR="0" lvl="0" indent="0" algn="ctr" defTabSz="914400" rtl="0" eaLnBrk="1" fontAlgn="auto" latinLnBrk="0" hangingPunct="1">
-              <a:lnSpc>
-                <a:spcPct val="100000"/>
-              </a:lnSpc>
-              <a:spcBef>
-                <a:spcPts val="0"/>
-              </a:spcBef>
-              <a:spcAft>
-                <a:spcPts val="0"/>
-              </a:spcAft>
-              <a:buClrTx/>
-              <a:buSzTx/>
-              <a:buFontTx/>
-              <a:buNone/>
-              <a:tabLst/>
-              <a:defRPr/>
-            </a:pPr>
-            <a:r>
-              <a:rPr kumimoji="0" lang="en" sz="1050" b="0" i="0" u="none" strike="noStrike" kern="1200" cap="none" spc="0" normalizeH="0" baseline="0" noProof="0" dirty="0">
-                <a:ln>
-                  <a:noFill/>
-                </a:ln>
-                <a:effectLst/>
-                <a:uLnTx/>
-                <a:uFillTx/>
-                <a:ea typeface="+mn-ea"/>
-                <a:cs typeface="Arial" panose="020B0604020202020204" pitchFamily="34" charset="0"/>
-              </a:rPr>
-              <a:t>Bug Fix</a:t>
-            </a:r>
-            <a:endParaRPr kumimoji="0" sz="1050" b="0" i="0" u="none" strike="noStrike" kern="1200" cap="none" spc="0" normalizeH="0" baseline="0" noProof="0" dirty="0">
-              <a:ln>
-                <a:noFill/>
-              </a:ln>
-              <a:effectLst/>
-              <a:uLnTx/>
-              <a:uFillTx/>
-              <a:ea typeface="+mn-ea"/>
-              <a:cs typeface="Arial" panose="020B0604020202020204" pitchFamily="34" charset="0"/>
-            </a:endParaRPr>
-          </a:p>
-        </p:txBody>
-      </p:sp>
-      <p:grpSp>
-        <p:nvGrpSpPr>
-          <p:cNvPr id="9704" name="Group 116">
-            <a:extLst>
-              <a:ext uri="{FF2B5EF4-FFF2-40B4-BE49-F238E27FC236}">
-                <a16:creationId xmlns:a16="http://schemas.microsoft.com/office/drawing/2014/main" id="{FF4C820C-F59D-7376-06DD-89586CA2E534}"/>
-              </a:ext>
-            </a:extLst>
-          </p:cNvPr>
-          <p:cNvGrpSpPr>
-            <a:grpSpLocks noChangeAspect="1"/>
-          </p:cNvGrpSpPr>
-          <p:nvPr/>
-        </p:nvGrpSpPr>
-        <p:grpSpPr>
-          <a:xfrm>
-            <a:off x="8998709" y="6823142"/>
-            <a:ext cx="674865" cy="463510"/>
-            <a:chOff x="3424036" y="4960128"/>
-            <a:chExt cx="860582" cy="591064"/>
-          </a:xfrm>
-        </p:grpSpPr>
-        <p:pic>
-          <p:nvPicPr>
-            <p:cNvPr id="9705" name="Picture 6" descr="GitHub Actions · GitHub">
-              <a:extLst>
-                <a:ext uri="{FF2B5EF4-FFF2-40B4-BE49-F238E27FC236}">
-                  <a16:creationId xmlns:a16="http://schemas.microsoft.com/office/drawing/2014/main" id="{0EB593D0-6FFE-A28E-EBFE-270DA0FE19BF}"/>
-                </a:ext>
-              </a:extLst>
-            </p:cNvPr>
-            <p:cNvPicPr>
-              <a:picLocks noChangeAspect="1" noChangeArrowheads="1"/>
-            </p:cNvPicPr>
-            <p:nvPr/>
-          </p:nvPicPr>
-          <p:blipFill>
-            <a:blip r:embed="rId12" cstate="screen">
-              <a:extLst>
-                <a:ext uri="{28A0092B-C50C-407E-A947-70E740481C1C}">
-                  <a14:useLocalDpi xmlns:a14="http://schemas.microsoft.com/office/drawing/2010/main"/>
-                </a:ext>
-              </a:extLst>
-            </a:blip>
-            <a:srcRect/>
-            <a:stretch>
-              <a:fillRect/>
-            </a:stretch>
-          </p:blipFill>
-          <p:spPr bwMode="auto">
-            <a:xfrm>
-              <a:off x="3681940" y="4960128"/>
-              <a:ext cx="411844" cy="411845"/>
-            </a:xfrm>
-            <a:prstGeom prst="rect">
-              <a:avLst/>
-            </a:prstGeom>
-            <a:noFill/>
-            <a:extLst>
-              <a:ext uri="{909E8E84-426E-40DD-AFC4-6F175D3DCCD1}">
-                <a14:hiddenFill xmlns:a14="http://schemas.microsoft.com/office/drawing/2010/main">
-                  <a:solidFill>
-                    <a:srgbClr val="FFFFFF"/>
-                  </a:solidFill>
-                </a14:hiddenFill>
-              </a:ext>
-            </a:extLst>
-          </p:spPr>
-        </p:pic>
-        <p:sp>
-          <p:nvSpPr>
-            <p:cNvPr id="9706" name="TextBox 118">
-              <a:extLst>
-                <a:ext uri="{FF2B5EF4-FFF2-40B4-BE49-F238E27FC236}">
-                  <a16:creationId xmlns:a16="http://schemas.microsoft.com/office/drawing/2014/main" id="{3EBC860E-8EB0-A83F-0FA7-09B07AC95EB0}"/>
-                </a:ext>
-              </a:extLst>
-            </p:cNvPr>
-            <p:cNvSpPr txBox="1"/>
-            <p:nvPr/>
-          </p:nvSpPr>
-          <p:spPr>
-            <a:xfrm>
-              <a:off x="3424036" y="5394202"/>
-              <a:ext cx="860582" cy="156990"/>
-            </a:xfrm>
-            <a:prstGeom prst="rect">
-              <a:avLst/>
-            </a:prstGeom>
-          </p:spPr>
-          <p:txBody>
-            <a:bodyPr vert="horz" wrap="none" lIns="0" tIns="0" rIns="0" bIns="0" rtlCol="0">
-              <a:spAutoFit/>
-            </a:bodyPr>
-            <a:lstStyle>
-              <a:lvl1pPr lvl="0" indent="0">
-                <a:lnSpc>
-                  <a:spcPct val="100000"/>
-                </a:lnSpc>
-                <a:spcBef>
-                  <a:spcPts val="300"/>
-                </a:spcBef>
-                <a:spcAft>
-                  <a:spcPts val="300"/>
-                </a:spcAft>
-                <a:buFont typeface="Segoe UI" panose="020B0502040204020203" pitchFamily="34" charset="0"/>
-                <a:buChar char="​"/>
-                <a:defRPr sz="1600">
-                  <a:cs typeface="Arial" panose="020B0604020202020204" pitchFamily="34" charset="0"/>
-                </a:defRPr>
-              </a:lvl1pPr>
-              <a:lvl2pPr marL="228600" lvl="1" indent="-225425">
-                <a:lnSpc>
-                  <a:spcPct val="100000"/>
-                </a:lnSpc>
-                <a:spcBef>
-                  <a:spcPts val="0"/>
-                </a:spcBef>
-                <a:spcAft>
-                  <a:spcPts val="300"/>
-                </a:spcAft>
-                <a:buFont typeface="Wingdings" panose="05000000000000000000" pitchFamily="2" charset="2"/>
-                <a:buChar char=""/>
-                <a:defRPr sz="1600">
-                  <a:cs typeface="Arial" panose="020B0604020202020204" pitchFamily="34" charset="0"/>
-                </a:defRPr>
-              </a:lvl2pPr>
-              <a:lvl3pPr marL="515938" lvl="2" indent="-287338">
-                <a:lnSpc>
-                  <a:spcPct val="100000"/>
-                </a:lnSpc>
-                <a:spcBef>
-                  <a:spcPts val="0"/>
-                </a:spcBef>
-                <a:spcAft>
-                  <a:spcPts val="300"/>
-                </a:spcAft>
-                <a:buFont typeface="Arial" panose="020B0604020202020204" pitchFamily="34" charset="0"/>
-                <a:buChar char="—"/>
-                <a:defRPr sz="1600">
-                  <a:cs typeface="Arial" panose="020B0604020202020204" pitchFamily="34" charset="0"/>
-                </a:defRPr>
-              </a:lvl3pPr>
-              <a:lvl4pPr marL="742950" lvl="3" indent="-182563">
-                <a:lnSpc>
-                  <a:spcPct val="100000"/>
-                </a:lnSpc>
-                <a:spcBef>
-                  <a:spcPts val="0"/>
-                </a:spcBef>
-                <a:spcAft>
-                  <a:spcPts val="300"/>
-                </a:spcAft>
-                <a:buFont typeface="Arial" panose="020B0604020202020204" pitchFamily="34" charset="0"/>
-                <a:buChar char="»"/>
-                <a:defRPr sz="1600">
-                  <a:cs typeface="Arial" panose="020B0604020202020204" pitchFamily="34" charset="0"/>
-                </a:defRPr>
-              </a:lvl4pPr>
-              <a:lvl5pPr marL="914400" lvl="4" indent="-136525">
-                <a:lnSpc>
-                  <a:spcPct val="100000"/>
-                </a:lnSpc>
-                <a:spcBef>
-                  <a:spcPts val="0"/>
-                </a:spcBef>
-                <a:spcAft>
-                  <a:spcPts val="300"/>
-                </a:spcAft>
-                <a:buSzPct val="100000"/>
-                <a:buFont typeface="Arial" panose="020B0604020202020204" pitchFamily="34" charset="0"/>
-                <a:buChar char="›"/>
-                <a:defRPr sz="1600">
-                  <a:cs typeface="Arial" panose="020B0604020202020204" pitchFamily="34" charset="0"/>
-                </a:defRPr>
-              </a:lvl5pPr>
-              <a:lvl6pPr marL="1085850" indent="-171450">
-                <a:lnSpc>
-                  <a:spcPct val="100000"/>
-                </a:lnSpc>
-                <a:spcBef>
-                  <a:spcPts val="0"/>
-                </a:spcBef>
-                <a:spcAft>
-                  <a:spcPts val="300"/>
-                </a:spcAft>
-                <a:buSzPct val="100000"/>
-                <a:buFont typeface="Arial" panose="020B0604020202020204" pitchFamily="34" charset="0"/>
-                <a:buChar char="▫"/>
-                <a:defRPr sz="1600">
-                  <a:cs typeface="Arial" panose="020B0604020202020204" pitchFamily="34" charset="0"/>
-                </a:defRPr>
-              </a:lvl6pPr>
-              <a:lvl7pPr marL="1085850" indent="-171450">
-                <a:lnSpc>
-                  <a:spcPct val="100000"/>
-                </a:lnSpc>
-                <a:spcBef>
-                  <a:spcPts val="0"/>
-                </a:spcBef>
-                <a:spcAft>
-                  <a:spcPts val="300"/>
-                </a:spcAft>
-                <a:buSzPct val="100000"/>
-                <a:buFont typeface="Arial" panose="020B0604020202020204" pitchFamily="34" charset="0"/>
-                <a:buChar char="▫"/>
-                <a:defRPr sz="1600">
-                  <a:cs typeface="Arial" panose="020B0604020202020204" pitchFamily="34" charset="0"/>
-                </a:defRPr>
-              </a:lvl7pPr>
-              <a:lvl8pPr marL="1085850" indent="-171450">
-                <a:lnSpc>
-                  <a:spcPct val="100000"/>
-                </a:lnSpc>
-                <a:spcBef>
-                  <a:spcPts val="0"/>
-                </a:spcBef>
-                <a:spcAft>
-                  <a:spcPts val="300"/>
-                </a:spcAft>
-                <a:buSzPct val="100000"/>
-                <a:buFont typeface="Arial" panose="020B0604020202020204" pitchFamily="34" charset="0"/>
-                <a:buChar char="▫"/>
-                <a:defRPr sz="1600">
-                  <a:cs typeface="Arial" panose="020B0604020202020204" pitchFamily="34" charset="0"/>
-                </a:defRPr>
-              </a:lvl8pPr>
-              <a:lvl9pPr marL="1085850" indent="-171450">
-                <a:lnSpc>
-                  <a:spcPct val="100000"/>
-                </a:lnSpc>
-                <a:spcBef>
-                  <a:spcPts val="0"/>
-                </a:spcBef>
-                <a:spcAft>
-                  <a:spcPts val="300"/>
-                </a:spcAft>
-                <a:buSzPct val="100000"/>
-                <a:buFont typeface="Arial" panose="020B0604020202020204" pitchFamily="34" charset="0"/>
-                <a:buChar char="▫"/>
-                <a:defRPr sz="1600">
-                  <a:cs typeface="Arial" panose="020B0604020202020204" pitchFamily="34" charset="0"/>
-                </a:defRPr>
-              </a:lvl9pPr>
-            </a:lstStyle>
-            <a:p>
-              <a:pPr marL="0" marR="0" lvl="0" indent="0" algn="l" defTabSz="914400" rtl="0" eaLnBrk="1" fontAlgn="auto" latinLnBrk="0" hangingPunct="1">
-                <a:lnSpc>
-                  <a:spcPct val="100000"/>
-                </a:lnSpc>
-                <a:spcBef>
-                  <a:spcPts val="300"/>
-                </a:spcBef>
-                <a:spcAft>
-                  <a:spcPts val="300"/>
-                </a:spcAft>
-                <a:buClrTx/>
-                <a:buSzTx/>
-                <a:buFont typeface="Segoe UI" panose="020B0502040204020203" pitchFamily="34" charset="0"/>
-                <a:buChar char="​"/>
-                <a:tabLst/>
-                <a:defRPr/>
-              </a:pPr>
-              <a:r>
-                <a:rPr kumimoji="0" lang="en-GB" sz="800" b="0" i="0" u="none" strike="noStrike" kern="1200" cap="none" spc="0" normalizeH="0" baseline="0" noProof="0" dirty="0" err="1">
-                  <a:ln>
-                    <a:noFill/>
-                  </a:ln>
-                  <a:effectLst/>
-                  <a:uLnTx/>
-                  <a:uFillTx/>
-                  <a:ea typeface="+mn-ea"/>
-                  <a:cs typeface="Arial" panose="020B0604020202020204" pitchFamily="34" charset="0"/>
-                </a:rPr>
-                <a:t>Github</a:t>
-              </a:r>
-              <a:r>
-                <a:rPr kumimoji="0" lang="en-GB" sz="800" b="0" i="0" u="none" strike="noStrike" kern="1200" cap="none" spc="0" normalizeH="0" baseline="0" noProof="0" dirty="0">
-                  <a:ln>
-                    <a:noFill/>
-                  </a:ln>
-                  <a:effectLst/>
-                  <a:uLnTx/>
-                  <a:uFillTx/>
-                  <a:ea typeface="+mn-ea"/>
-                  <a:cs typeface="Arial" panose="020B0604020202020204" pitchFamily="34" charset="0"/>
-                </a:rPr>
-                <a:t> Actions</a:t>
-              </a:r>
-            </a:p>
-          </p:txBody>
-        </p:sp>
-      </p:grpSp>
-      <p:grpSp>
-        <p:nvGrpSpPr>
-          <p:cNvPr id="9707" name="Group 119">
-            <a:extLst>
-              <a:ext uri="{FF2B5EF4-FFF2-40B4-BE49-F238E27FC236}">
-                <a16:creationId xmlns:a16="http://schemas.microsoft.com/office/drawing/2014/main" id="{6BF4CF33-8AFF-6754-0EF1-80398D9EA93C}"/>
-              </a:ext>
-            </a:extLst>
-          </p:cNvPr>
-          <p:cNvGrpSpPr/>
-          <p:nvPr/>
-        </p:nvGrpSpPr>
-        <p:grpSpPr>
-          <a:xfrm>
-            <a:off x="9930924" y="6819600"/>
-            <a:ext cx="1699066" cy="416824"/>
-            <a:chOff x="5025518" y="1732174"/>
-            <a:chExt cx="1872865" cy="458329"/>
-          </a:xfrm>
-        </p:grpSpPr>
-        <p:sp>
-          <p:nvSpPr>
-            <p:cNvPr id="9708" name="Shape 114">
-              <a:extLst>
-                <a:ext uri="{FF2B5EF4-FFF2-40B4-BE49-F238E27FC236}">
-                  <a16:creationId xmlns:a16="http://schemas.microsoft.com/office/drawing/2014/main" id="{55E63BC6-7ECC-39E7-DF4D-AE89F930A111}"/>
-                </a:ext>
-              </a:extLst>
-            </p:cNvPr>
-            <p:cNvSpPr txBox="1"/>
-            <p:nvPr/>
-          </p:nvSpPr>
-          <p:spPr>
-            <a:xfrm>
-              <a:off x="5370298" y="1804161"/>
-              <a:ext cx="1528085" cy="328173"/>
-            </a:xfrm>
-            <a:prstGeom prst="rect">
-              <a:avLst/>
-            </a:prstGeom>
-            <a:noFill/>
-            <a:ln>
-              <a:noFill/>
-            </a:ln>
-          </p:spPr>
-          <p:txBody>
-            <a:bodyPr spcFirstLastPara="1" wrap="square" lIns="121900" tIns="121900" rIns="121900" bIns="121900" anchor="ctr" anchorCtr="0">
-              <a:noAutofit/>
-            </a:bodyPr>
-            <a:lstStyle/>
-            <a:p>
-              <a:pPr marL="0" marR="0" lvl="0" indent="0" algn="l" defTabSz="914400" rtl="0" eaLnBrk="1" fontAlgn="auto" latinLnBrk="0" hangingPunct="1">
-                <a:lnSpc>
-                  <a:spcPct val="100000"/>
-                </a:lnSpc>
-                <a:spcBef>
-                  <a:spcPts val="0"/>
-                </a:spcBef>
-                <a:spcAft>
-                  <a:spcPts val="0"/>
-                </a:spcAft>
-                <a:buClrTx/>
-                <a:buSzTx/>
-                <a:buFontTx/>
-                <a:buNone/>
-                <a:tabLst/>
-                <a:defRPr/>
-              </a:pPr>
-              <a:r>
-                <a:rPr kumimoji="0" lang="es-PE" sz="1050" b="0" i="0" u="none" strike="noStrike" kern="1200" cap="none" spc="0" normalizeH="0" baseline="0" noProof="0" dirty="0">
-                  <a:ln>
-                    <a:noFill/>
-                  </a:ln>
-                  <a:effectLst/>
-                  <a:uLnTx/>
-                  <a:uFillTx/>
-                  <a:ea typeface="Open Sans" panose="020B0606030504020204" pitchFamily="34" charset="0"/>
-                  <a:cs typeface="Arial" panose="020B0604020202020204" pitchFamily="34" charset="0"/>
-                </a:rPr>
-                <a:t>Deploy Prod</a:t>
-              </a:r>
-              <a:endParaRPr kumimoji="0" sz="1050" b="0" i="0" u="none" strike="noStrike" kern="1200" cap="none" spc="0" normalizeH="0" baseline="0" noProof="0" dirty="0">
-                <a:ln>
-                  <a:noFill/>
-                </a:ln>
-                <a:effectLst/>
-                <a:uLnTx/>
-                <a:uFillTx/>
-                <a:ea typeface="Open Sans" panose="020B0606030504020204" pitchFamily="34" charset="0"/>
-                <a:cs typeface="Arial" panose="020B0604020202020204" pitchFamily="34" charset="0"/>
-              </a:endParaRPr>
-            </a:p>
-          </p:txBody>
-        </p:sp>
-        <p:pic>
-          <p:nvPicPr>
-            <p:cNvPr id="9709" name="Graphic 121" descr="Single gear">
-              <a:extLst>
-                <a:ext uri="{FF2B5EF4-FFF2-40B4-BE49-F238E27FC236}">
-                  <a16:creationId xmlns:a16="http://schemas.microsoft.com/office/drawing/2014/main" id="{912C897F-3910-1C91-242B-083144D4A9C4}"/>
-                </a:ext>
-              </a:extLst>
-            </p:cNvPr>
-            <p:cNvPicPr>
-              <a:picLocks noChangeAspect="1"/>
-            </p:cNvPicPr>
-            <p:nvPr/>
-          </p:nvPicPr>
-          <p:blipFill>
-            <a:blip r:embed="rId10" cstate="screen">
-              <a:extLst>
-                <a:ext uri="{28A0092B-C50C-407E-A947-70E740481C1C}">
-                  <a14:useLocalDpi xmlns:a14="http://schemas.microsoft.com/office/drawing/2010/main"/>
-                </a:ext>
-                <a:ext uri="{96DAC541-7B7A-43D3-8B79-37D633B846F1}">
-                  <asvg:svgBlip xmlns:asvg="http://schemas.microsoft.com/office/drawing/2016/SVG/main" r:embed="rId11"/>
-                </a:ext>
-              </a:extLst>
-            </a:blip>
-            <a:stretch>
-              <a:fillRect/>
-            </a:stretch>
-          </p:blipFill>
-          <p:spPr>
-            <a:xfrm>
-              <a:off x="5025516" y="1732174"/>
-              <a:ext cx="458329" cy="458329"/>
-            </a:xfrm>
-            <a:prstGeom prst="rect">
-              <a:avLst/>
-            </a:prstGeom>
-          </p:spPr>
-        </p:pic>
-      </p:grpSp>
-      <p:cxnSp>
-        <p:nvCxnSpPr>
-          <p:cNvPr id="9710" name="Google Shape;166;p17">
-            <a:extLst>
-              <a:ext uri="{FF2B5EF4-FFF2-40B4-BE49-F238E27FC236}">
-                <a16:creationId xmlns:a16="http://schemas.microsoft.com/office/drawing/2014/main" id="{DD5945E0-F4FD-46B2-784C-8D1FFBC78E83}"/>
-              </a:ext>
-            </a:extLst>
-          </p:cNvPr>
-          <p:cNvCxnSpPr>
-            <a:cxnSpLocks/>
-          </p:cNvCxnSpPr>
-          <p:nvPr/>
-        </p:nvCxnSpPr>
-        <p:spPr>
-          <a:xfrm>
-            <a:off x="9656707" y="7028009"/>
-            <a:ext cx="274216" cy="4"/>
-          </a:xfrm>
-          <a:prstGeom prst="straightConnector1">
-            <a:avLst/>
-          </a:prstGeom>
-          <a:noFill/>
-          <a:ln w="6350" cap="flat" cmpd="sng">
-            <a:solidFill>
-              <a:srgbClr val="000000"/>
-            </a:solidFill>
-            <a:prstDash val="solid"/>
-            <a:round/>
-            <a:headEnd type="none" w="med" len="med"/>
-            <a:tailEnd type="triangle" w="med" len="med"/>
-          </a:ln>
-        </p:spPr>
-      </p:cxnSp>
-      <p:grpSp>
-        <p:nvGrpSpPr>
-          <p:cNvPr id="9711" name="Group 123">
-            <a:extLst>
-              <a:ext uri="{FF2B5EF4-FFF2-40B4-BE49-F238E27FC236}">
-                <a16:creationId xmlns:a16="http://schemas.microsoft.com/office/drawing/2014/main" id="{08C241AB-F5F1-8589-9A21-65EA31BE9FDE}"/>
-              </a:ext>
-            </a:extLst>
-          </p:cNvPr>
-          <p:cNvGrpSpPr/>
-          <p:nvPr/>
-        </p:nvGrpSpPr>
-        <p:grpSpPr>
-          <a:xfrm>
-            <a:off x="6876419" y="4065896"/>
-            <a:ext cx="1699066" cy="416824"/>
-            <a:chOff x="5025518" y="1732174"/>
-            <a:chExt cx="1872865" cy="458329"/>
-          </a:xfrm>
-        </p:grpSpPr>
-        <p:sp>
-          <p:nvSpPr>
-            <p:cNvPr id="9712" name="Shape 114">
-              <a:extLst>
-                <a:ext uri="{FF2B5EF4-FFF2-40B4-BE49-F238E27FC236}">
-                  <a16:creationId xmlns:a16="http://schemas.microsoft.com/office/drawing/2014/main" id="{45827ED1-26AB-4614-4618-3F59CF68D440}"/>
-                </a:ext>
-              </a:extLst>
-            </p:cNvPr>
-            <p:cNvSpPr txBox="1"/>
-            <p:nvPr/>
-          </p:nvSpPr>
-          <p:spPr>
-            <a:xfrm>
-              <a:off x="5370298" y="1804161"/>
-              <a:ext cx="1528085" cy="328173"/>
-            </a:xfrm>
-            <a:prstGeom prst="rect">
-              <a:avLst/>
-            </a:prstGeom>
-            <a:noFill/>
-            <a:ln>
-              <a:noFill/>
-            </a:ln>
-          </p:spPr>
-          <p:txBody>
-            <a:bodyPr spcFirstLastPara="1" wrap="square" lIns="121900" tIns="121900" rIns="121900" bIns="121900" anchor="ctr" anchorCtr="0">
-              <a:noAutofit/>
-            </a:bodyPr>
-            <a:lstStyle/>
-            <a:p>
-              <a:pPr marL="0" marR="0" lvl="0" indent="0" algn="l" defTabSz="914400" rtl="0" eaLnBrk="1" fontAlgn="auto" latinLnBrk="0" hangingPunct="1">
-                <a:lnSpc>
-                  <a:spcPct val="100000"/>
-                </a:lnSpc>
-                <a:spcBef>
-                  <a:spcPts val="0"/>
-                </a:spcBef>
-                <a:spcAft>
-                  <a:spcPts val="0"/>
-                </a:spcAft>
-                <a:buClrTx/>
-                <a:buSzTx/>
-                <a:buFontTx/>
-                <a:buNone/>
-                <a:tabLst/>
-                <a:defRPr/>
-              </a:pPr>
-              <a:r>
-                <a:rPr kumimoji="0" lang="es-PE" sz="1050" b="0" i="0" u="none" strike="noStrike" kern="1200" cap="none" spc="0" normalizeH="0" baseline="0" noProof="0" dirty="0">
-                  <a:ln>
-                    <a:noFill/>
-                  </a:ln>
-                  <a:effectLst/>
-                  <a:uLnTx/>
-                  <a:uFillTx/>
-                  <a:ea typeface="Open Sans" panose="020B0606030504020204" pitchFamily="34" charset="0"/>
-                  <a:cs typeface="Arial" panose="020B0604020202020204" pitchFamily="34" charset="0"/>
-                </a:rPr>
-                <a:t>Deploy Dev</a:t>
-              </a:r>
-              <a:endParaRPr kumimoji="0" sz="1050" b="0" i="0" u="none" strike="noStrike" kern="1200" cap="none" spc="0" normalizeH="0" baseline="0" noProof="0" dirty="0">
-                <a:ln>
-                  <a:noFill/>
-                </a:ln>
-                <a:effectLst/>
-                <a:uLnTx/>
-                <a:uFillTx/>
-                <a:ea typeface="Open Sans" panose="020B0606030504020204" pitchFamily="34" charset="0"/>
-                <a:cs typeface="Arial" panose="020B0604020202020204" pitchFamily="34" charset="0"/>
-              </a:endParaRPr>
-            </a:p>
-          </p:txBody>
-        </p:sp>
-        <p:pic>
-          <p:nvPicPr>
-            <p:cNvPr id="9713" name="Graphic 125" descr="Single gear">
-              <a:extLst>
-                <a:ext uri="{FF2B5EF4-FFF2-40B4-BE49-F238E27FC236}">
-                  <a16:creationId xmlns:a16="http://schemas.microsoft.com/office/drawing/2014/main" id="{0BABD41A-1EE8-87B8-92AF-CB0FF705CF20}"/>
-                </a:ext>
-              </a:extLst>
-            </p:cNvPr>
-            <p:cNvPicPr>
-              <a:picLocks noChangeAspect="1"/>
-            </p:cNvPicPr>
-            <p:nvPr/>
-          </p:nvPicPr>
-          <p:blipFill>
-            <a:blip r:embed="rId10" cstate="screen">
-              <a:extLst>
-                <a:ext uri="{28A0092B-C50C-407E-A947-70E740481C1C}">
-                  <a14:useLocalDpi xmlns:a14="http://schemas.microsoft.com/office/drawing/2010/main"/>
-                </a:ext>
-                <a:ext uri="{96DAC541-7B7A-43D3-8B79-37D633B846F1}">
-                  <asvg:svgBlip xmlns:asvg="http://schemas.microsoft.com/office/drawing/2016/SVG/main" r:embed="rId11"/>
-                </a:ext>
-              </a:extLst>
-            </a:blip>
-            <a:stretch>
-              <a:fillRect/>
-            </a:stretch>
-          </p:blipFill>
-          <p:spPr>
-            <a:xfrm>
-              <a:off x="5025516" y="1732174"/>
-              <a:ext cx="458329" cy="458329"/>
-            </a:xfrm>
-            <a:prstGeom prst="rect">
-              <a:avLst/>
-            </a:prstGeom>
-          </p:spPr>
-        </p:pic>
-      </p:grpSp>
-      <p:cxnSp>
-        <p:nvCxnSpPr>
-          <p:cNvPr id="9714" name="Google Shape;166;p17">
-            <a:extLst>
-              <a:ext uri="{FF2B5EF4-FFF2-40B4-BE49-F238E27FC236}">
-                <a16:creationId xmlns:a16="http://schemas.microsoft.com/office/drawing/2014/main" id="{3F9B12E0-D6C8-EC79-52A5-E4FEEA85F6A7}"/>
-              </a:ext>
-            </a:extLst>
-          </p:cNvPr>
-          <p:cNvCxnSpPr>
-            <a:cxnSpLocks/>
-            <a:endCxn id="9713" idx="1"/>
-          </p:cNvCxnSpPr>
-          <p:nvPr/>
-        </p:nvCxnSpPr>
-        <p:spPr>
-          <a:xfrm>
-            <a:off x="6657535" y="4274308"/>
-            <a:ext cx="218883" cy="0"/>
-          </a:xfrm>
-          <a:prstGeom prst="straightConnector1">
-            <a:avLst/>
-          </a:prstGeom>
-          <a:noFill/>
-          <a:ln w="6350" cap="flat" cmpd="sng">
-            <a:solidFill>
-              <a:srgbClr val="000000"/>
-            </a:solidFill>
-            <a:prstDash val="solid"/>
-            <a:round/>
-            <a:headEnd type="none" w="med" len="med"/>
-            <a:tailEnd type="triangle" w="med" len="med"/>
-          </a:ln>
-        </p:spPr>
-      </p:cxnSp>
-      <p:cxnSp>
-        <p:nvCxnSpPr>
-          <p:cNvPr id="9715" name="Google Shape;72;p15">
-            <a:extLst>
-              <a:ext uri="{FF2B5EF4-FFF2-40B4-BE49-F238E27FC236}">
-                <a16:creationId xmlns:a16="http://schemas.microsoft.com/office/drawing/2014/main" id="{333F5D03-D59C-655E-88C4-F669C9C0923F}"/>
-              </a:ext>
-            </a:extLst>
-          </p:cNvPr>
-          <p:cNvCxnSpPr>
-            <a:cxnSpLocks/>
-            <a:stCxn id="9702" idx="4"/>
-            <a:endCxn id="9716" idx="0"/>
-          </p:cNvCxnSpPr>
-          <p:nvPr/>
-        </p:nvCxnSpPr>
-        <p:spPr>
-          <a:xfrm>
-            <a:off x="8934251" y="5015009"/>
-            <a:ext cx="340388" cy="1449134"/>
-          </a:xfrm>
-          <a:prstGeom prst="straightConnector1">
-            <a:avLst/>
-          </a:prstGeom>
-          <a:ln w="12700" cap="flat">
-            <a:solidFill>
-              <a:schemeClr val="tx1"/>
-            </a:solidFill>
-            <a:prstDash val="dash"/>
-            <a:miter lim="800000"/>
-            <a:headEnd type="none" w="med" len="med"/>
-            <a:tailEnd type="arrow" w="med" len="med"/>
-          </a:ln>
-        </p:spPr>
-        <p:style>
-          <a:lnRef idx="1">
-            <a:schemeClr val="accent1"/>
-          </a:lnRef>
-          <a:fillRef idx="0">
-            <a:schemeClr val="accent1"/>
-          </a:fillRef>
-          <a:effectRef idx="0">
-            <a:schemeClr val="accent1"/>
-          </a:effectRef>
-          <a:fontRef idx="minor">
-            <a:schemeClr val="tx1"/>
-          </a:fontRef>
-        </p:style>
-      </p:cxnSp>
-      <p:sp>
-        <p:nvSpPr>
-          <p:cNvPr id="9716" name="Google Shape;161;p17">
-            <a:extLst>
-              <a:ext uri="{FF2B5EF4-FFF2-40B4-BE49-F238E27FC236}">
-                <a16:creationId xmlns:a16="http://schemas.microsoft.com/office/drawing/2014/main" id="{1D606874-123F-6B8D-760A-9C0FCD3D8E14}"/>
-              </a:ext>
-            </a:extLst>
-          </p:cNvPr>
-          <p:cNvSpPr/>
-          <p:nvPr/>
-        </p:nvSpPr>
-        <p:spPr>
-          <a:xfrm>
-            <a:off x="9105301" y="6464143"/>
-            <a:ext cx="338676" cy="327763"/>
-          </a:xfrm>
-          <a:prstGeom prst="ellipse">
-            <a:avLst/>
-          </a:prstGeom>
-          <a:solidFill>
-            <a:schemeClr val="accent2"/>
-          </a:solidFill>
-          <a:ln w="28575" cap="sq">
-            <a:solidFill>
-              <a:schemeClr val="bg1"/>
-            </a:solidFill>
-            <a:miter lim="800000"/>
-          </a:ln>
-        </p:spPr>
-        <p:style>
-          <a:lnRef idx="2">
-            <a:schemeClr val="accent1">
-              <a:shade val="50000"/>
-            </a:schemeClr>
-          </a:lnRef>
-          <a:fillRef idx="1">
-            <a:schemeClr val="accent1"/>
-          </a:fillRef>
-          <a:effectRef idx="0">
-            <a:schemeClr val="accent1"/>
-          </a:effectRef>
-          <a:fontRef idx="minor">
-            <a:schemeClr val="lt1"/>
-          </a:fontRef>
-        </p:style>
-        <p:txBody>
-          <a:bodyPr rot="0" spcFirstLastPara="0" vertOverflow="overflow" horzOverflow="overflow" vert="horz" wrap="square" lIns="91440" tIns="45720" rIns="91440" bIns="45720" numCol="1" spcCol="0" rtlCol="0" fromWordArt="0" anchor="ctr" anchorCtr="0" forceAA="0" compatLnSpc="1">
-            <a:prstTxWarp prst="textNoShape">
-              <a:avLst/>
-            </a:prstTxWarp>
-            <a:noAutofit/>
-          </a:bodyPr>
-          <a:lstStyle/>
-          <a:p>
-            <a:pPr marL="0" marR="0" lvl="0" indent="0" algn="ctr" defTabSz="914400" rtl="0" eaLnBrk="1" fontAlgn="auto" latinLnBrk="0" hangingPunct="1">
-              <a:lnSpc>
-                <a:spcPct val="100000"/>
-              </a:lnSpc>
-              <a:spcBef>
-                <a:spcPts val="300"/>
-              </a:spcBef>
-              <a:spcAft>
-                <a:spcPts val="300"/>
-              </a:spcAft>
-              <a:buClrTx/>
-              <a:buSzTx/>
-              <a:buFontTx/>
-              <a:buNone/>
-              <a:tabLst/>
-              <a:defRPr/>
-            </a:pPr>
-            <a:endParaRPr kumimoji="0" sz="1200" b="0" i="0" u="none" strike="noStrike" kern="1200" cap="none" spc="0" normalizeH="0" baseline="0" noProof="0">
-              <a:ln>
-                <a:noFill/>
-              </a:ln>
-              <a:solidFill>
-                <a:schemeClr val="tx1"/>
-              </a:solidFill>
-              <a:effectLst/>
-              <a:uLnTx/>
-              <a:uFillTx/>
-              <a:ea typeface="+mn-ea"/>
-              <a:cs typeface="Arial" panose="020B0604020202020204" pitchFamily="34" charset="0"/>
-            </a:endParaRPr>
-          </a:p>
-        </p:txBody>
-      </p:sp>
-      <p:sp>
-        <p:nvSpPr>
-          <p:cNvPr id="9717" name="Google Shape;66;p15">
-            <a:extLst>
-              <a:ext uri="{FF2B5EF4-FFF2-40B4-BE49-F238E27FC236}">
-                <a16:creationId xmlns:a16="http://schemas.microsoft.com/office/drawing/2014/main" id="{7F5BE539-AB98-1C5F-8DF0-E9DFD50B5C54}"/>
-              </a:ext>
-            </a:extLst>
-          </p:cNvPr>
-          <p:cNvSpPr txBox="1"/>
-          <p:nvPr/>
-        </p:nvSpPr>
-        <p:spPr>
-          <a:xfrm>
-            <a:off x="9234448" y="5708211"/>
-            <a:ext cx="690012" cy="196676"/>
-          </a:xfrm>
-          <a:prstGeom prst="rect">
-            <a:avLst/>
-          </a:prstGeom>
-          <a:noFill/>
-          <a:ln>
-            <a:noFill/>
-          </a:ln>
-        </p:spPr>
-        <p:txBody>
-          <a:bodyPr spcFirstLastPara="1" wrap="square" lIns="0" tIns="0" rIns="0" bIns="0" anchor="t" anchorCtr="0">
-            <a:noAutofit/>
-          </a:bodyPr>
-          <a:lstStyle/>
-          <a:p>
-            <a:pPr marL="0" marR="0" lvl="0" indent="0" defTabSz="914400" rtl="0" eaLnBrk="1" fontAlgn="auto" latinLnBrk="0" hangingPunct="1">
-              <a:lnSpc>
-                <a:spcPct val="100000"/>
-              </a:lnSpc>
-              <a:spcBef>
-                <a:spcPts val="0"/>
-              </a:spcBef>
-              <a:spcAft>
-                <a:spcPts val="0"/>
-              </a:spcAft>
-              <a:buClrTx/>
-              <a:buSzTx/>
-              <a:buFontTx/>
-              <a:buNone/>
-              <a:tabLst/>
-              <a:defRPr/>
-            </a:pPr>
-            <a:r>
-              <a:rPr kumimoji="0" lang="en" sz="1050" b="0" i="0" u="none" strike="noStrike" kern="1200" cap="none" spc="0" normalizeH="0" baseline="0" noProof="0" dirty="0">
-                <a:ln>
-                  <a:noFill/>
-                </a:ln>
-                <a:effectLst/>
-                <a:uLnTx/>
-                <a:uFillTx/>
-                <a:ea typeface="+mn-ea"/>
-                <a:cs typeface="Arial" panose="020B0604020202020204" pitchFamily="34" charset="0"/>
-              </a:rPr>
-              <a:t>Cherry Pick</a:t>
-            </a:r>
-            <a:endParaRPr kumimoji="0" sz="1050" b="0" i="0" u="none" strike="noStrike" kern="1200" cap="none" spc="0" normalizeH="0" baseline="0" noProof="0" dirty="0">
-              <a:ln>
-                <a:noFill/>
-              </a:ln>
-              <a:effectLst/>
-              <a:uLnTx/>
-              <a:uFillTx/>
-              <a:ea typeface="+mn-ea"/>
-              <a:cs typeface="Arial" panose="020B0604020202020204" pitchFamily="34" charset="0"/>
-            </a:endParaRPr>
-          </a:p>
-        </p:txBody>
-      </p:sp>
     </p:spTree>
     <p:extLst>
       <p:ext uri="{BB962C8B-B14F-4D97-AF65-F5344CB8AC3E}">
@@ -34526,6 +29103,26 @@
 </file>
 
 <file path=customXml/item1.xml><?xml version="1.0" encoding="utf-8"?>
+<?mso-contentType ?>
+<FormTemplates xmlns="http://schemas.microsoft.com/sharepoint/v3/contenttype/forms">
+  <Display>DocumentLibraryForm</Display>
+  <Edit>DocumentLibraryForm</Edit>
+  <New>DocumentLibraryForm</New>
+</FormTemplates>
+</file>
+
+<file path=customXml/item2.xml><?xml version="1.0" encoding="utf-8"?>
+<p:properties xmlns:p="http://schemas.microsoft.com/office/2006/metadata/properties" xmlns:xsi="http://www.w3.org/2001/XMLSchema-instance" xmlns:pc="http://schemas.microsoft.com/office/infopath/2007/PartnerControls">
+  <documentManagement>
+    <TaxCatchAll xmlns="cd0e0202-030e-462a-aa27-6a6a82479e70" xsi:nil="true"/>
+    <lcf76f155ced4ddcb4097134ff3c332f xmlns="6c275f7e-0654-4a6d-8904-2cca8e28e712">
+      <Terms xmlns="http://schemas.microsoft.com/office/infopath/2007/PartnerControls"/>
+    </lcf76f155ced4ddcb4097134ff3c332f>
+  </documentManagement>
+</p:properties>
+</file>
+
+<file path=customXml/item3.xml><?xml version="1.0" encoding="utf-8"?>
 <ct:contentTypeSchema xmlns:ct="http://schemas.microsoft.com/office/2006/metadata/contentType" xmlns:ma="http://schemas.microsoft.com/office/2006/metadata/properties/metaAttributes" ct:_="" ma:_="" ma:contentTypeName="Documento" ma:contentTypeID="0x0101009E0DDBAFD1725F409D01B56EA32EFDE3" ma:contentTypeVersion="7" ma:contentTypeDescription="Crear nuevo documento." ma:contentTypeScope="" ma:versionID="0e3a372f9aebe1af25825ebaa0c18744">
   <xsd:schema xmlns:xsd="http://www.w3.org/2001/XMLSchema" xmlns:xs="http://www.w3.org/2001/XMLSchema" xmlns:p="http://schemas.microsoft.com/office/2006/metadata/properties" xmlns:ns2="6c275f7e-0654-4a6d-8904-2cca8e28e712" xmlns:ns3="cd0e0202-030e-462a-aa27-6a6a82479e70" targetNamespace="http://schemas.microsoft.com/office/2006/metadata/properties" ma:root="true" ma:fieldsID="0eaab62a3d55c6ce655e721a70c7681c" ns2:_="" ns3:_="">
     <xsd:import namespace="6c275f7e-0654-4a6d-8904-2cca8e28e712"/>
@@ -34670,41 +29267,10 @@
 </ct:contentTypeSchema>
 </file>
 
-<file path=customXml/item2.xml><?xml version="1.0" encoding="utf-8"?>
-<p:properties xmlns:p="http://schemas.microsoft.com/office/2006/metadata/properties" xmlns:xsi="http://www.w3.org/2001/XMLSchema-instance" xmlns:pc="http://schemas.microsoft.com/office/infopath/2007/PartnerControls">
-  <documentManagement>
-    <TaxCatchAll xmlns="cd0e0202-030e-462a-aa27-6a6a82479e70" xsi:nil="true"/>
-    <lcf76f155ced4ddcb4097134ff3c332f xmlns="6c275f7e-0654-4a6d-8904-2cca8e28e712">
-      <Terms xmlns="http://schemas.microsoft.com/office/infopath/2007/PartnerControls"/>
-    </lcf76f155ced4ddcb4097134ff3c332f>
-  </documentManagement>
-</p:properties>
-</file>
-
-<file path=customXml/item3.xml><?xml version="1.0" encoding="utf-8"?>
-<?mso-contentType ?>
-<FormTemplates xmlns="http://schemas.microsoft.com/sharepoint/v3/contenttype/forms">
-  <Display>DocumentLibraryForm</Display>
-  <Edit>DocumentLibraryForm</Edit>
-  <New>DocumentLibraryForm</New>
-</FormTemplates>
-</file>
-
 <file path=customXml/itemProps1.xml><?xml version="1.0" encoding="utf-8"?>
-<ds:datastoreItem xmlns:ds="http://schemas.openxmlformats.org/officeDocument/2006/customXml" ds:itemID="{ECB2B6EA-D349-4B2F-B929-6B75BC50FCA4}">
+<ds:datastoreItem xmlns:ds="http://schemas.openxmlformats.org/officeDocument/2006/customXml" ds:itemID="{5A23B340-D820-43E7-9E27-6EAE6AACC61A}">
   <ds:schemaRefs>
-    <ds:schemaRef ds:uri="http://schemas.microsoft.com/office/2006/metadata/contentType"/>
-    <ds:schemaRef ds:uri="http://schemas.microsoft.com/office/2006/metadata/properties/metaAttributes"/>
-    <ds:schemaRef ds:uri="http://www.w3.org/2001/XMLSchema"/>
-    <ds:schemaRef ds:uri="http://schemas.microsoft.com/office/2006/metadata/properties"/>
-    <ds:schemaRef ds:uri="6c275f7e-0654-4a6d-8904-2cca8e28e712"/>
-    <ds:schemaRef ds:uri="cd0e0202-030e-462a-aa27-6a6a82479e70"/>
-    <ds:schemaRef ds:uri="http://schemas.microsoft.com/office/2006/documentManagement/types"/>
-    <ds:schemaRef ds:uri="http://schemas.microsoft.com/office/infopath/2007/PartnerControls"/>
-    <ds:schemaRef ds:uri="http://schemas.openxmlformats.org/package/2006/metadata/core-properties"/>
-    <ds:schemaRef ds:uri="http://purl.org/dc/elements/1.1/"/>
-    <ds:schemaRef ds:uri="http://purl.org/dc/terms/"/>
-    <ds:schemaRef ds:uri="http://schemas.microsoft.com/internal/obd"/>
+    <ds:schemaRef ds:uri="http://schemas.microsoft.com/sharepoint/v3/contenttype/forms"/>
   </ds:schemaRefs>
 </ds:datastoreItem>
 </file>
@@ -34727,9 +29293,20 @@
 </file>
 
 <file path=customXml/itemProps3.xml><?xml version="1.0" encoding="utf-8"?>
-<ds:datastoreItem xmlns:ds="http://schemas.openxmlformats.org/officeDocument/2006/customXml" ds:itemID="{5A23B340-D820-43E7-9E27-6EAE6AACC61A}">
+<ds:datastoreItem xmlns:ds="http://schemas.openxmlformats.org/officeDocument/2006/customXml" ds:itemID="{ECB2B6EA-D349-4B2F-B929-6B75BC50FCA4}">
   <ds:schemaRefs>
-    <ds:schemaRef ds:uri="http://schemas.microsoft.com/sharepoint/v3/contenttype/forms"/>
+    <ds:schemaRef ds:uri="http://schemas.microsoft.com/office/2006/metadata/contentType"/>
+    <ds:schemaRef ds:uri="http://schemas.microsoft.com/office/2006/metadata/properties/metaAttributes"/>
+    <ds:schemaRef ds:uri="http://www.w3.org/2001/XMLSchema"/>
+    <ds:schemaRef ds:uri="http://schemas.microsoft.com/office/2006/metadata/properties"/>
+    <ds:schemaRef ds:uri="6c275f7e-0654-4a6d-8904-2cca8e28e712"/>
+    <ds:schemaRef ds:uri="cd0e0202-030e-462a-aa27-6a6a82479e70"/>
+    <ds:schemaRef ds:uri="http://schemas.microsoft.com/office/2006/documentManagement/types"/>
+    <ds:schemaRef ds:uri="http://schemas.microsoft.com/office/infopath/2007/PartnerControls"/>
+    <ds:schemaRef ds:uri="http://schemas.openxmlformats.org/package/2006/metadata/core-properties"/>
+    <ds:schemaRef ds:uri="http://purl.org/dc/elements/1.1/"/>
+    <ds:schemaRef ds:uri="http://purl.org/dc/terms/"/>
+    <ds:schemaRef ds:uri="http://schemas.microsoft.com/internal/obd"/>
   </ds:schemaRefs>
 </ds:datastoreItem>
 </file>